--- a/study-note/자바/2022-08-22 내용정리.pptx
+++ b/study-note/자바/2022-08-22 내용정리.pptx
@@ -5,7 +5,7 @@
     <p:sldMasterId id="2147483648" r:id="rId1"/>
   </p:sldMasterIdLst>
   <p:notesMasterIdLst>
-    <p:notesMasterId r:id="rId23"/>
+    <p:notesMasterId r:id="rId24"/>
   </p:notesMasterIdLst>
   <p:sldIdLst>
     <p:sldId id="256" r:id="rId2"/>
@@ -19,16 +19,17 @@
     <p:sldId id="316" r:id="rId10"/>
     <p:sldId id="318" r:id="rId11"/>
     <p:sldId id="319" r:id="rId12"/>
-    <p:sldId id="320" r:id="rId13"/>
-    <p:sldId id="321" r:id="rId14"/>
-    <p:sldId id="324" r:id="rId15"/>
-    <p:sldId id="331" r:id="rId16"/>
-    <p:sldId id="325" r:id="rId17"/>
-    <p:sldId id="326" r:id="rId18"/>
-    <p:sldId id="327" r:id="rId19"/>
-    <p:sldId id="328" r:id="rId20"/>
-    <p:sldId id="329" r:id="rId21"/>
-    <p:sldId id="330" r:id="rId22"/>
+    <p:sldId id="332" r:id="rId13"/>
+    <p:sldId id="320" r:id="rId14"/>
+    <p:sldId id="321" r:id="rId15"/>
+    <p:sldId id="324" r:id="rId16"/>
+    <p:sldId id="331" r:id="rId17"/>
+    <p:sldId id="325" r:id="rId18"/>
+    <p:sldId id="326" r:id="rId19"/>
+    <p:sldId id="327" r:id="rId20"/>
+    <p:sldId id="328" r:id="rId21"/>
+    <p:sldId id="329" r:id="rId22"/>
+    <p:sldId id="330" r:id="rId23"/>
   </p:sldIdLst>
   <p:sldSz cx="12192000" cy="6858000"/>
   <p:notesSz cx="6858000" cy="9144000"/>
@@ -5104,10 +5105,10 @@
       </p:cxnSp>
       <p:sp>
         <p:nvSpPr>
-          <p:cNvPr id="8" name="직사각형 7">
-            <a:extLst>
-              <a:ext uri="{FF2B5EF4-FFF2-40B4-BE49-F238E27FC236}">
-                <a16:creationId xmlns:a16="http://schemas.microsoft.com/office/drawing/2014/main" id="{4F67C87E-AB19-ABEF-F233-9CD4AB339284}"/>
+          <p:cNvPr id="9" name="직사각형 8">
+            <a:extLst>
+              <a:ext uri="{FF2B5EF4-FFF2-40B4-BE49-F238E27FC236}">
+                <a16:creationId xmlns:a16="http://schemas.microsoft.com/office/drawing/2014/main" id="{14FF911C-0210-535E-C3BE-AC2C45624962}"/>
               </a:ext>
             </a:extLst>
           </p:cNvPr>
@@ -5146,7 +5147,7 @@
             <a:pPr algn="ctr"/>
             <a:r>
               <a:rPr kumimoji="1" lang="en-US" altLang="ko-Kore-KR" dirty="0"/>
-              <a:t>C App</a:t>
+              <a:t>Java App</a:t>
             </a:r>
             <a:endParaRPr kumimoji="1" lang="ko-Kore-KR" altLang="en-US" dirty="0"/>
           </a:p>
@@ -5154,10 +5155,10 @@
       </p:sp>
       <p:sp>
         <p:nvSpPr>
-          <p:cNvPr id="9" name="직사각형 8">
-            <a:extLst>
-              <a:ext uri="{FF2B5EF4-FFF2-40B4-BE49-F238E27FC236}">
-                <a16:creationId xmlns:a16="http://schemas.microsoft.com/office/drawing/2014/main" id="{14FF911C-0210-535E-C3BE-AC2C45624962}"/>
+          <p:cNvPr id="11" name="직사각형 10">
+            <a:extLst>
+              <a:ext uri="{FF2B5EF4-FFF2-40B4-BE49-F238E27FC236}">
+                <a16:creationId xmlns:a16="http://schemas.microsoft.com/office/drawing/2014/main" id="{D1CE68D3-6035-B9C5-58A0-445BDBE2B0F8}"/>
               </a:ext>
             </a:extLst>
           </p:cNvPr>
@@ -5166,8 +5167,8 @@
         </p:nvSpPr>
         <p:spPr>
           <a:xfrm>
-            <a:off x="2692401" y="4102396"/>
-            <a:ext cx="1488558" cy="499730"/>
+            <a:off x="6225954" y="2977117"/>
+            <a:ext cx="2269460" cy="499730"/>
           </a:xfrm>
           <a:prstGeom prst="rect">
             <a:avLst/>
@@ -5196,18 +5197,21 @@
             <a:pPr algn="ctr"/>
             <a:r>
               <a:rPr kumimoji="1" lang="en-US" altLang="ko-Kore-KR" dirty="0"/>
-              <a:t>Java App</a:t>
-            </a:r>
-            <a:endParaRPr kumimoji="1" lang="ko-Kore-KR" altLang="en-US" dirty="0"/>
-          </a:p>
-        </p:txBody>
-      </p:sp>
-      <p:sp>
-        <p:nvSpPr>
-          <p:cNvPr id="10" name="직사각형 9">
-            <a:extLst>
-              <a:ext uri="{FF2B5EF4-FFF2-40B4-BE49-F238E27FC236}">
-                <a16:creationId xmlns:a16="http://schemas.microsoft.com/office/drawing/2014/main" id="{8E457E10-EAED-F053-9606-A5DAD7506E8E}"/>
+              <a:t>Java </a:t>
+            </a:r>
+            <a:r>
+              <a:rPr kumimoji="1" lang="ko-Kore-KR" altLang="en-US" dirty="0"/>
+              <a:t>객체</a:t>
+            </a:r>
+          </a:p>
+        </p:txBody>
+      </p:sp>
+      <p:sp>
+        <p:nvSpPr>
+          <p:cNvPr id="12" name="직사각형 11">
+            <a:extLst>
+              <a:ext uri="{FF2B5EF4-FFF2-40B4-BE49-F238E27FC236}">
+                <a16:creationId xmlns:a16="http://schemas.microsoft.com/office/drawing/2014/main" id="{EDFB825D-BED6-FD24-4DF9-2EA43ADF4747}"/>
               </a:ext>
             </a:extLst>
           </p:cNvPr>
@@ -5216,8 +5220,8 @@
         </p:nvSpPr>
         <p:spPr>
           <a:xfrm>
-            <a:off x="2692401" y="5275522"/>
-            <a:ext cx="1488558" cy="499730"/>
+            <a:off x="6225954" y="3852531"/>
+            <a:ext cx="2269460" cy="499730"/>
           </a:xfrm>
           <a:prstGeom prst="rect">
             <a:avLst/>
@@ -5246,18 +5250,21 @@
             <a:pPr algn="ctr"/>
             <a:r>
               <a:rPr kumimoji="1" lang="en-US" altLang="ko-Kore-KR" dirty="0"/>
-              <a:t>C##</a:t>
-            </a:r>
-            <a:endParaRPr kumimoji="1" lang="ko-Kore-KR" altLang="en-US" dirty="0"/>
-          </a:p>
-        </p:txBody>
-      </p:sp>
-      <p:sp>
-        <p:nvSpPr>
-          <p:cNvPr id="11" name="직사각형 10">
-            <a:extLst>
-              <a:ext uri="{FF2B5EF4-FFF2-40B4-BE49-F238E27FC236}">
-                <a16:creationId xmlns:a16="http://schemas.microsoft.com/office/drawing/2014/main" id="{D1CE68D3-6035-B9C5-58A0-445BDBE2B0F8}"/>
+              <a:t>Pascal </a:t>
+            </a:r>
+            <a:r>
+              <a:rPr kumimoji="1" lang="ko-Kore-KR" altLang="en-US" dirty="0"/>
+              <a:t>객체</a:t>
+            </a:r>
+          </a:p>
+        </p:txBody>
+      </p:sp>
+      <p:sp>
+        <p:nvSpPr>
+          <p:cNvPr id="13" name="직사각형 12">
+            <a:extLst>
+              <a:ext uri="{FF2B5EF4-FFF2-40B4-BE49-F238E27FC236}">
+                <a16:creationId xmlns:a16="http://schemas.microsoft.com/office/drawing/2014/main" id="{4FCE03A5-DEF4-4FEB-F783-E57E3AB90CC1}"/>
               </a:ext>
             </a:extLst>
           </p:cNvPr>
@@ -5266,7 +5273,7 @@
         </p:nvSpPr>
         <p:spPr>
           <a:xfrm>
-            <a:off x="6225954" y="2977117"/>
+            <a:off x="6225954" y="4873257"/>
             <a:ext cx="2269460" cy="499730"/>
           </a:xfrm>
           <a:prstGeom prst="rect">
@@ -5296,240 +5303,15 @@
             <a:pPr algn="ctr"/>
             <a:r>
               <a:rPr kumimoji="1" lang="en-US" altLang="ko-Kore-KR" dirty="0"/>
-              <a:t>Java Method</a:t>
-            </a:r>
-            <a:endParaRPr kumimoji="1" lang="ko-Kore-KR" altLang="en-US" dirty="0"/>
-          </a:p>
-        </p:txBody>
-      </p:sp>
-      <p:sp>
-        <p:nvSpPr>
-          <p:cNvPr id="12" name="직사각형 11">
-            <a:extLst>
-              <a:ext uri="{FF2B5EF4-FFF2-40B4-BE49-F238E27FC236}">
-                <a16:creationId xmlns:a16="http://schemas.microsoft.com/office/drawing/2014/main" id="{EDFB825D-BED6-FD24-4DF9-2EA43ADF4747}"/>
-              </a:ext>
-            </a:extLst>
-          </p:cNvPr>
-          <p:cNvSpPr/>
-          <p:nvPr/>
-        </p:nvSpPr>
-        <p:spPr>
-          <a:xfrm>
-            <a:off x="6225954" y="3852531"/>
-            <a:ext cx="2269460" cy="499730"/>
-          </a:xfrm>
-          <a:prstGeom prst="rect">
-            <a:avLst/>
-          </a:prstGeom>
-        </p:spPr>
-        <p:style>
-          <a:lnRef idx="2">
-            <a:schemeClr val="accent1">
-              <a:shade val="50000"/>
-            </a:schemeClr>
-          </a:lnRef>
-          <a:fillRef idx="1">
-            <a:schemeClr val="accent1"/>
-          </a:fillRef>
-          <a:effectRef idx="0">
-            <a:schemeClr val="accent1"/>
-          </a:effectRef>
-          <a:fontRef idx="minor">
-            <a:schemeClr val="lt1"/>
-          </a:fontRef>
-        </p:style>
-        <p:txBody>
-          <a:bodyPr rtlCol="0" anchor="ctr"/>
-          <a:lstStyle/>
-          <a:p>
-            <a:pPr algn="ctr"/>
-            <a:r>
-              <a:rPr kumimoji="1" lang="en-US" altLang="ko-Kore-KR" dirty="0"/>
-              <a:t>Pascal Method</a:t>
-            </a:r>
-            <a:endParaRPr kumimoji="1" lang="ko-Kore-KR" altLang="en-US" dirty="0"/>
-          </a:p>
-        </p:txBody>
-      </p:sp>
-      <p:sp>
-        <p:nvSpPr>
-          <p:cNvPr id="13" name="직사각형 12">
-            <a:extLst>
-              <a:ext uri="{FF2B5EF4-FFF2-40B4-BE49-F238E27FC236}">
-                <a16:creationId xmlns:a16="http://schemas.microsoft.com/office/drawing/2014/main" id="{4FCE03A5-DEF4-4FEB-F783-E57E3AB90CC1}"/>
-              </a:ext>
-            </a:extLst>
-          </p:cNvPr>
-          <p:cNvSpPr/>
-          <p:nvPr/>
-        </p:nvSpPr>
-        <p:spPr>
-          <a:xfrm>
-            <a:off x="6225954" y="4873257"/>
-            <a:ext cx="2269460" cy="499730"/>
-          </a:xfrm>
-          <a:prstGeom prst="rect">
-            <a:avLst/>
-          </a:prstGeom>
-        </p:spPr>
-        <p:style>
-          <a:lnRef idx="2">
-            <a:schemeClr val="accent1">
-              <a:shade val="50000"/>
-            </a:schemeClr>
-          </a:lnRef>
-          <a:fillRef idx="1">
-            <a:schemeClr val="accent1"/>
-          </a:fillRef>
-          <a:effectRef idx="0">
-            <a:schemeClr val="accent1"/>
-          </a:effectRef>
-          <a:fontRef idx="minor">
-            <a:schemeClr val="lt1"/>
-          </a:fontRef>
-        </p:style>
-        <p:txBody>
-          <a:bodyPr rtlCol="0" anchor="ctr"/>
-          <a:lstStyle/>
-          <a:p>
-            <a:pPr algn="ctr"/>
-            <a:r>
-              <a:rPr kumimoji="1" lang="en-US" altLang="ko-Kore-KR" dirty="0"/>
-              <a:t>C# Method</a:t>
-            </a:r>
-            <a:endParaRPr kumimoji="1" lang="ko-Kore-KR" altLang="en-US" dirty="0"/>
-          </a:p>
-        </p:txBody>
-      </p:sp>
-      <p:cxnSp>
-        <p:nvCxnSpPr>
-          <p:cNvPr id="15" name="직선 화살표 연결선 14">
-            <a:extLst>
-              <a:ext uri="{FF2B5EF4-FFF2-40B4-BE49-F238E27FC236}">
-                <a16:creationId xmlns:a16="http://schemas.microsoft.com/office/drawing/2014/main" id="{6A9D2B5C-6150-636F-E80A-DBF9EFA28D5B}"/>
-              </a:ext>
-            </a:extLst>
-          </p:cNvPr>
-          <p:cNvCxnSpPr>
-            <a:stCxn id="8" idx="3"/>
-            <a:endCxn id="11" idx="1"/>
-          </p:cNvCxnSpPr>
-          <p:nvPr/>
-        </p:nvCxnSpPr>
-        <p:spPr>
-          <a:xfrm>
-            <a:off x="4180959" y="3226982"/>
-            <a:ext cx="2044995" cy="0"/>
-          </a:xfrm>
-          <a:prstGeom prst="straightConnector1">
-            <a:avLst/>
-          </a:prstGeom>
-          <a:ln>
-            <a:tailEnd type="triangle"/>
-          </a:ln>
-        </p:spPr>
-        <p:style>
-          <a:lnRef idx="3">
-            <a:schemeClr val="accent1"/>
-          </a:lnRef>
-          <a:fillRef idx="0">
-            <a:schemeClr val="accent1"/>
-          </a:fillRef>
-          <a:effectRef idx="2">
-            <a:schemeClr val="accent1"/>
-          </a:effectRef>
-          <a:fontRef idx="minor">
-            <a:schemeClr val="tx1"/>
-          </a:fontRef>
-        </p:style>
-      </p:cxnSp>
-      <p:cxnSp>
-        <p:nvCxnSpPr>
-          <p:cNvPr id="17" name="직선 화살표 연결선 16">
-            <a:extLst>
-              <a:ext uri="{FF2B5EF4-FFF2-40B4-BE49-F238E27FC236}">
-                <a16:creationId xmlns:a16="http://schemas.microsoft.com/office/drawing/2014/main" id="{E2B2F4E1-61D5-95A6-437B-65112C399B95}"/>
-              </a:ext>
-            </a:extLst>
-          </p:cNvPr>
-          <p:cNvCxnSpPr>
-            <a:cxnSpLocks/>
-            <a:stCxn id="8" idx="3"/>
-            <a:endCxn id="12" idx="1"/>
-          </p:cNvCxnSpPr>
-          <p:nvPr/>
-        </p:nvCxnSpPr>
-        <p:spPr>
-          <a:xfrm>
-            <a:off x="4180959" y="3226982"/>
-            <a:ext cx="2044995" cy="875414"/>
-          </a:xfrm>
-          <a:prstGeom prst="straightConnector1">
-            <a:avLst/>
-          </a:prstGeom>
-          <a:ln>
-            <a:tailEnd type="triangle"/>
-          </a:ln>
-        </p:spPr>
-        <p:style>
-          <a:lnRef idx="3">
-            <a:schemeClr val="accent1"/>
-          </a:lnRef>
-          <a:fillRef idx="0">
-            <a:schemeClr val="accent1"/>
-          </a:fillRef>
-          <a:effectRef idx="2">
-            <a:schemeClr val="accent1"/>
-          </a:effectRef>
-          <a:fontRef idx="minor">
-            <a:schemeClr val="tx1"/>
-          </a:fontRef>
-        </p:style>
-      </p:cxnSp>
-      <p:cxnSp>
-        <p:nvCxnSpPr>
-          <p:cNvPr id="20" name="직선 화살표 연결선 19">
-            <a:extLst>
-              <a:ext uri="{FF2B5EF4-FFF2-40B4-BE49-F238E27FC236}">
-                <a16:creationId xmlns:a16="http://schemas.microsoft.com/office/drawing/2014/main" id="{79E6EFD0-963E-359B-C38E-9795D1D9C7A7}"/>
-              </a:ext>
-            </a:extLst>
-          </p:cNvPr>
-          <p:cNvCxnSpPr>
-            <a:cxnSpLocks/>
-            <a:stCxn id="8" idx="3"/>
-            <a:endCxn id="13" idx="1"/>
-          </p:cNvCxnSpPr>
-          <p:nvPr/>
-        </p:nvCxnSpPr>
-        <p:spPr>
-          <a:xfrm>
-            <a:off x="4180959" y="3226982"/>
-            <a:ext cx="2044995" cy="1896140"/>
-          </a:xfrm>
-          <a:prstGeom prst="straightConnector1">
-            <a:avLst/>
-          </a:prstGeom>
-          <a:ln>
-            <a:tailEnd type="triangle"/>
-          </a:ln>
-        </p:spPr>
-        <p:style>
-          <a:lnRef idx="3">
-            <a:schemeClr val="accent1"/>
-          </a:lnRef>
-          <a:fillRef idx="0">
-            <a:schemeClr val="accent1"/>
-          </a:fillRef>
-          <a:effectRef idx="2">
-            <a:schemeClr val="accent1"/>
-          </a:effectRef>
-          <a:fontRef idx="minor">
-            <a:schemeClr val="tx1"/>
-          </a:fontRef>
-        </p:style>
-      </p:cxnSp>
+              <a:t>C# </a:t>
+            </a:r>
+            <a:r>
+              <a:rPr kumimoji="1" lang="ko-Kore-KR" altLang="en-US" dirty="0"/>
+              <a:t>객체</a:t>
+            </a:r>
+          </a:p>
+        </p:txBody>
+      </p:sp>
       <p:cxnSp>
         <p:nvCxnSpPr>
           <p:cNvPr id="23" name="직선 화살표 연결선 22">
@@ -5541,14 +5323,15 @@
           </p:cNvPr>
           <p:cNvCxnSpPr>
             <a:cxnSpLocks/>
+            <a:stCxn id="9" idx="3"/>
             <a:endCxn id="11" idx="1"/>
           </p:cNvCxnSpPr>
           <p:nvPr/>
         </p:nvCxnSpPr>
         <p:spPr>
-          <a:xfrm flipV="1">
+          <a:xfrm>
             <a:off x="4180959" y="3226982"/>
-            <a:ext cx="2044995" cy="1125279"/>
+            <a:ext cx="2044995" cy="0"/>
           </a:xfrm>
           <a:prstGeom prst="straightConnector1">
             <a:avLst/>
@@ -5583,14 +5366,15 @@
           </p:cNvPr>
           <p:cNvCxnSpPr>
             <a:cxnSpLocks/>
+            <a:stCxn id="9" idx="3"/>
             <a:endCxn id="12" idx="1"/>
           </p:cNvCxnSpPr>
           <p:nvPr/>
         </p:nvCxnSpPr>
         <p:spPr>
-          <a:xfrm flipV="1">
-            <a:off x="4180959" y="4102396"/>
-            <a:ext cx="2044995" cy="249865"/>
+          <a:xfrm>
+            <a:off x="4180959" y="3226982"/>
+            <a:ext cx="2044995" cy="875414"/>
           </a:xfrm>
           <a:prstGeom prst="straightConnector1">
             <a:avLst/>
@@ -5625,14 +5409,15 @@
           </p:cNvPr>
           <p:cNvCxnSpPr>
             <a:cxnSpLocks/>
+            <a:stCxn id="9" idx="3"/>
             <a:endCxn id="13" idx="1"/>
           </p:cNvCxnSpPr>
           <p:nvPr/>
         </p:nvCxnSpPr>
         <p:spPr>
           <a:xfrm>
-            <a:off x="4180959" y="4352261"/>
-            <a:ext cx="2044995" cy="770861"/>
+            <a:off x="4180959" y="3226982"/>
+            <a:ext cx="2044995" cy="1896140"/>
           </a:xfrm>
           <a:prstGeom prst="straightConnector1">
             <a:avLst/>
@@ -5656,272 +5441,6 @@
           </a:fontRef>
         </p:style>
       </p:cxnSp>
-      <p:cxnSp>
-        <p:nvCxnSpPr>
-          <p:cNvPr id="29" name="직선 화살표 연결선 28">
-            <a:extLst>
-              <a:ext uri="{FF2B5EF4-FFF2-40B4-BE49-F238E27FC236}">
-                <a16:creationId xmlns:a16="http://schemas.microsoft.com/office/drawing/2014/main" id="{15724EF2-4D0A-5ABF-842D-6409F937DC56}"/>
-              </a:ext>
-            </a:extLst>
-          </p:cNvPr>
-          <p:cNvCxnSpPr>
-            <a:cxnSpLocks/>
-            <a:endCxn id="11" idx="1"/>
-          </p:cNvCxnSpPr>
-          <p:nvPr/>
-        </p:nvCxnSpPr>
-        <p:spPr>
-          <a:xfrm flipV="1">
-            <a:off x="4180959" y="3226982"/>
-            <a:ext cx="2044995" cy="2262963"/>
-          </a:xfrm>
-          <a:prstGeom prst="straightConnector1">
-            <a:avLst/>
-          </a:prstGeom>
-          <a:ln>
-            <a:tailEnd type="triangle"/>
-          </a:ln>
-        </p:spPr>
-        <p:style>
-          <a:lnRef idx="3">
-            <a:schemeClr val="accent1"/>
-          </a:lnRef>
-          <a:fillRef idx="0">
-            <a:schemeClr val="accent1"/>
-          </a:fillRef>
-          <a:effectRef idx="2">
-            <a:schemeClr val="accent1"/>
-          </a:effectRef>
-          <a:fontRef idx="minor">
-            <a:schemeClr val="tx1"/>
-          </a:fontRef>
-        </p:style>
-      </p:cxnSp>
-      <p:cxnSp>
-        <p:nvCxnSpPr>
-          <p:cNvPr id="30" name="직선 화살표 연결선 29">
-            <a:extLst>
-              <a:ext uri="{FF2B5EF4-FFF2-40B4-BE49-F238E27FC236}">
-                <a16:creationId xmlns:a16="http://schemas.microsoft.com/office/drawing/2014/main" id="{BF716618-730C-10F8-3D9E-3D7D928C15A9}"/>
-              </a:ext>
-            </a:extLst>
-          </p:cNvPr>
-          <p:cNvCxnSpPr>
-            <a:cxnSpLocks/>
-            <a:endCxn id="11" idx="1"/>
-          </p:cNvCxnSpPr>
-          <p:nvPr/>
-        </p:nvCxnSpPr>
-        <p:spPr>
-          <a:xfrm flipV="1">
-            <a:off x="4180959" y="3226982"/>
-            <a:ext cx="2044995" cy="2262963"/>
-          </a:xfrm>
-          <a:prstGeom prst="straightConnector1">
-            <a:avLst/>
-          </a:prstGeom>
-          <a:ln>
-            <a:tailEnd type="triangle"/>
-          </a:ln>
-        </p:spPr>
-        <p:style>
-          <a:lnRef idx="3">
-            <a:schemeClr val="accent1"/>
-          </a:lnRef>
-          <a:fillRef idx="0">
-            <a:schemeClr val="accent1"/>
-          </a:fillRef>
-          <a:effectRef idx="2">
-            <a:schemeClr val="accent1"/>
-          </a:effectRef>
-          <a:fontRef idx="minor">
-            <a:schemeClr val="tx1"/>
-          </a:fontRef>
-        </p:style>
-      </p:cxnSp>
-      <p:cxnSp>
-        <p:nvCxnSpPr>
-          <p:cNvPr id="31" name="직선 화살표 연결선 30">
-            <a:extLst>
-              <a:ext uri="{FF2B5EF4-FFF2-40B4-BE49-F238E27FC236}">
-                <a16:creationId xmlns:a16="http://schemas.microsoft.com/office/drawing/2014/main" id="{4CF5F029-EFAE-D10C-5655-F93663F38F0C}"/>
-              </a:ext>
-            </a:extLst>
-          </p:cNvPr>
-          <p:cNvCxnSpPr>
-            <a:cxnSpLocks/>
-            <a:endCxn id="11" idx="1"/>
-          </p:cNvCxnSpPr>
-          <p:nvPr/>
-        </p:nvCxnSpPr>
-        <p:spPr>
-          <a:xfrm flipV="1">
-            <a:off x="4180959" y="3226982"/>
-            <a:ext cx="2044995" cy="2262963"/>
-          </a:xfrm>
-          <a:prstGeom prst="straightConnector1">
-            <a:avLst/>
-          </a:prstGeom>
-          <a:ln>
-            <a:tailEnd type="triangle"/>
-          </a:ln>
-        </p:spPr>
-        <p:style>
-          <a:lnRef idx="3">
-            <a:schemeClr val="accent1"/>
-          </a:lnRef>
-          <a:fillRef idx="0">
-            <a:schemeClr val="accent1"/>
-          </a:fillRef>
-          <a:effectRef idx="2">
-            <a:schemeClr val="accent1"/>
-          </a:effectRef>
-          <a:fontRef idx="minor">
-            <a:schemeClr val="tx1"/>
-          </a:fontRef>
-        </p:style>
-      </p:cxnSp>
-      <p:cxnSp>
-        <p:nvCxnSpPr>
-          <p:cNvPr id="35" name="직선 화살표 연결선 34">
-            <a:extLst>
-              <a:ext uri="{FF2B5EF4-FFF2-40B4-BE49-F238E27FC236}">
-                <a16:creationId xmlns:a16="http://schemas.microsoft.com/office/drawing/2014/main" id="{3EAB799E-59AC-C853-3856-D9B5F66CF95E}"/>
-              </a:ext>
-            </a:extLst>
-          </p:cNvPr>
-          <p:cNvCxnSpPr>
-            <a:cxnSpLocks/>
-            <a:stCxn id="10" idx="3"/>
-            <a:endCxn id="12" idx="1"/>
-          </p:cNvCxnSpPr>
-          <p:nvPr/>
-        </p:nvCxnSpPr>
-        <p:spPr>
-          <a:xfrm flipV="1">
-            <a:off x="4180959" y="4102396"/>
-            <a:ext cx="2044995" cy="1422991"/>
-          </a:xfrm>
-          <a:prstGeom prst="straightConnector1">
-            <a:avLst/>
-          </a:prstGeom>
-          <a:ln>
-            <a:tailEnd type="triangle"/>
-          </a:ln>
-        </p:spPr>
-        <p:style>
-          <a:lnRef idx="3">
-            <a:schemeClr val="accent1"/>
-          </a:lnRef>
-          <a:fillRef idx="0">
-            <a:schemeClr val="accent1"/>
-          </a:fillRef>
-          <a:effectRef idx="2">
-            <a:schemeClr val="accent1"/>
-          </a:effectRef>
-          <a:fontRef idx="minor">
-            <a:schemeClr val="tx1"/>
-          </a:fontRef>
-        </p:style>
-      </p:cxnSp>
-      <p:cxnSp>
-        <p:nvCxnSpPr>
-          <p:cNvPr id="38" name="직선 화살표 연결선 37">
-            <a:extLst>
-              <a:ext uri="{FF2B5EF4-FFF2-40B4-BE49-F238E27FC236}">
-                <a16:creationId xmlns:a16="http://schemas.microsoft.com/office/drawing/2014/main" id="{F17427BB-6E6B-7880-0FAA-33E91ADF7AB8}"/>
-              </a:ext>
-            </a:extLst>
-          </p:cNvPr>
-          <p:cNvCxnSpPr>
-            <a:cxnSpLocks/>
-            <a:stCxn id="10" idx="3"/>
-            <a:endCxn id="13" idx="1"/>
-          </p:cNvCxnSpPr>
-          <p:nvPr/>
-        </p:nvCxnSpPr>
-        <p:spPr>
-          <a:xfrm flipV="1">
-            <a:off x="4180959" y="5123122"/>
-            <a:ext cx="2044995" cy="402265"/>
-          </a:xfrm>
-          <a:prstGeom prst="straightConnector1">
-            <a:avLst/>
-          </a:prstGeom>
-          <a:ln>
-            <a:tailEnd type="triangle"/>
-          </a:ln>
-        </p:spPr>
-        <p:style>
-          <a:lnRef idx="3">
-            <a:schemeClr val="accent1"/>
-          </a:lnRef>
-          <a:fillRef idx="0">
-            <a:schemeClr val="accent1"/>
-          </a:fillRef>
-          <a:effectRef idx="2">
-            <a:schemeClr val="accent1"/>
-          </a:effectRef>
-          <a:fontRef idx="minor">
-            <a:schemeClr val="tx1"/>
-          </a:fontRef>
-        </p:style>
-      </p:cxnSp>
-      <p:sp>
-        <p:nvSpPr>
-          <p:cNvPr id="41" name="곱하기 40">
-            <a:extLst>
-              <a:ext uri="{FF2B5EF4-FFF2-40B4-BE49-F238E27FC236}">
-                <a16:creationId xmlns:a16="http://schemas.microsoft.com/office/drawing/2014/main" id="{0FF2719B-9B71-FFD5-7EB3-DEB60BC71AB3}"/>
-              </a:ext>
-            </a:extLst>
-          </p:cNvPr>
-          <p:cNvSpPr/>
-          <p:nvPr/>
-        </p:nvSpPr>
-        <p:spPr>
-          <a:xfrm>
-            <a:off x="4740941" y="1734878"/>
-            <a:ext cx="928576" cy="5161223"/>
-          </a:xfrm>
-          <a:prstGeom prst="mathMultiply">
-            <a:avLst/>
-          </a:prstGeom>
-          <a:solidFill>
-            <a:srgbClr val="FF00A8"/>
-          </a:solidFill>
-          <a:ln>
-            <a:solidFill>
-              <a:srgbClr val="FF00A8"/>
-            </a:solidFill>
-          </a:ln>
-        </p:spPr>
-        <p:style>
-          <a:lnRef idx="2">
-            <a:schemeClr val="accent1">
-              <a:shade val="50000"/>
-            </a:schemeClr>
-          </a:lnRef>
-          <a:fillRef idx="1">
-            <a:schemeClr val="accent1"/>
-          </a:fillRef>
-          <a:effectRef idx="0">
-            <a:schemeClr val="accent1"/>
-          </a:effectRef>
-          <a:fontRef idx="minor">
-            <a:schemeClr val="lt1"/>
-          </a:fontRef>
-        </p:style>
-        <p:txBody>
-          <a:bodyPr rtlCol="0" anchor="ctr"/>
-          <a:lstStyle/>
-          <a:p>
-            <a:pPr algn="ctr"/>
-            <a:endParaRPr kumimoji="1" lang="ko-Kore-KR" altLang="en-US"/>
-          </a:p>
-        </p:txBody>
-      </p:sp>
     </p:spTree>
     <p:extLst>
       <p:ext uri="{BB962C8B-B14F-4D97-AF65-F5344CB8AC3E}">
@@ -5957,7 +5476,7 @@
           <p:cNvPr id="2" name="직사각형 1">
             <a:extLst>
               <a:ext uri="{FF2B5EF4-FFF2-40B4-BE49-F238E27FC236}">
-                <a16:creationId xmlns:a16="http://schemas.microsoft.com/office/drawing/2014/main" id="{A8023834-141E-27CB-0CF3-93F41A0DD810}"/>
+                <a16:creationId xmlns:a16="http://schemas.microsoft.com/office/drawing/2014/main" id="{5D1172DC-F7C9-FB77-BD15-F8D186794479}"/>
               </a:ext>
             </a:extLst>
           </p:cNvPr>
@@ -5966,8 +5485,8 @@
         </p:nvSpPr>
         <p:spPr>
           <a:xfrm>
-            <a:off x="5026873" y="4025461"/>
-            <a:ext cx="1584252" cy="824023"/>
+            <a:off x="278811" y="1834116"/>
+            <a:ext cx="1488558" cy="499730"/>
           </a:xfrm>
           <a:prstGeom prst="rect">
             <a:avLst/>
@@ -5996,7 +5515,7 @@
             <a:pPr algn="ctr"/>
             <a:r>
               <a:rPr kumimoji="1" lang="en-US" altLang="ko-Kore-KR" dirty="0"/>
-              <a:t>Stub</a:t>
+              <a:t>RMM</a:t>
             </a:r>
             <a:endParaRPr kumimoji="1" lang="ko-Kore-KR" altLang="en-US" dirty="0"/>
           </a:p>
@@ -6004,10 +5523,10 @@
       </p:sp>
       <p:sp>
         <p:nvSpPr>
-          <p:cNvPr id="4" name="직사각형 3">
-            <a:extLst>
-              <a:ext uri="{FF2B5EF4-FFF2-40B4-BE49-F238E27FC236}">
-                <a16:creationId xmlns:a16="http://schemas.microsoft.com/office/drawing/2014/main" id="{05A0BE61-8F5C-EF19-CD58-060BBFCEADD9}"/>
+          <p:cNvPr id="3" name="직사각형 2">
+            <a:extLst>
+              <a:ext uri="{FF2B5EF4-FFF2-40B4-BE49-F238E27FC236}">
+                <a16:creationId xmlns:a16="http://schemas.microsoft.com/office/drawing/2014/main" id="{40D95763-6FBB-9890-A1D4-5BFDD7C5DB1E}"/>
               </a:ext>
             </a:extLst>
           </p:cNvPr>
@@ -6016,8 +5535,8 @@
         </p:nvSpPr>
         <p:spPr>
           <a:xfrm>
-            <a:off x="8313048" y="4025461"/>
-            <a:ext cx="1584252" cy="824023"/>
+            <a:off x="3436680" y="503274"/>
+            <a:ext cx="4644063" cy="499730"/>
           </a:xfrm>
           <a:prstGeom prst="rect">
             <a:avLst/>
@@ -6046,25 +5565,60 @@
             <a:pPr algn="ctr"/>
             <a:r>
               <a:rPr kumimoji="1" lang="en-US" altLang="ko-Kore-KR" dirty="0"/>
-              <a:t>Web</a:t>
-            </a:r>
-          </a:p>
-          <a:p>
-            <a:pPr algn="ctr"/>
-            <a:r>
-              <a:rPr kumimoji="1" lang="en-US" altLang="ko-Kore-KR" dirty="0"/>
-              <a:t>Server</a:t>
+              <a:t>EJB(Enterprise Java Beans)</a:t>
             </a:r>
             <a:endParaRPr kumimoji="1" lang="ko-Kore-KR" altLang="en-US" dirty="0"/>
           </a:p>
         </p:txBody>
       </p:sp>
-      <p:sp>
-        <p:nvSpPr>
-          <p:cNvPr id="5" name="직사각형 4">
-            <a:extLst>
-              <a:ext uri="{FF2B5EF4-FFF2-40B4-BE49-F238E27FC236}">
-                <a16:creationId xmlns:a16="http://schemas.microsoft.com/office/drawing/2014/main" id="{CFBA4681-BD86-2803-7E64-5C79DFBE0DBA}"/>
+      <p:cxnSp>
+        <p:nvCxnSpPr>
+          <p:cNvPr id="5" name="직선 화살표 연결선 4">
+            <a:extLst>
+              <a:ext uri="{FF2B5EF4-FFF2-40B4-BE49-F238E27FC236}">
+                <a16:creationId xmlns:a16="http://schemas.microsoft.com/office/drawing/2014/main" id="{583E6E80-D80E-E4A6-FE28-71FA46625788}"/>
+              </a:ext>
+            </a:extLst>
+          </p:cNvPr>
+          <p:cNvCxnSpPr>
+            <a:stCxn id="2" idx="0"/>
+            <a:endCxn id="3" idx="1"/>
+          </p:cNvCxnSpPr>
+          <p:nvPr/>
+        </p:nvCxnSpPr>
+        <p:spPr>
+          <a:xfrm flipV="1">
+            <a:off x="1023090" y="753139"/>
+            <a:ext cx="2413590" cy="1080977"/>
+          </a:xfrm>
+          <a:prstGeom prst="straightConnector1">
+            <a:avLst/>
+          </a:prstGeom>
+          <a:ln>
+            <a:tailEnd type="triangle"/>
+          </a:ln>
+        </p:spPr>
+        <p:style>
+          <a:lnRef idx="3">
+            <a:schemeClr val="accent1"/>
+          </a:lnRef>
+          <a:fillRef idx="0">
+            <a:schemeClr val="accent1"/>
+          </a:fillRef>
+          <a:effectRef idx="2">
+            <a:schemeClr val="accent1"/>
+          </a:effectRef>
+          <a:fontRef idx="minor">
+            <a:schemeClr val="tx1"/>
+          </a:fontRef>
+        </p:style>
+      </p:cxnSp>
+      <p:sp>
+        <p:nvSpPr>
+          <p:cNvPr id="8" name="직사각형 7">
+            <a:extLst>
+              <a:ext uri="{FF2B5EF4-FFF2-40B4-BE49-F238E27FC236}">
+                <a16:creationId xmlns:a16="http://schemas.microsoft.com/office/drawing/2014/main" id="{4F67C87E-AB19-ABEF-F233-9CD4AB339284}"/>
               </a:ext>
             </a:extLst>
           </p:cNvPr>
@@ -6073,8 +5627,8 @@
         </p:nvSpPr>
         <p:spPr>
           <a:xfrm>
-            <a:off x="903767" y="467833"/>
-            <a:ext cx="1584252" cy="824023"/>
+            <a:off x="2692401" y="2977117"/>
+            <a:ext cx="1488558" cy="499730"/>
           </a:xfrm>
           <a:prstGeom prst="rect">
             <a:avLst/>
@@ -6103,68 +5657,18 @@
             <a:pPr algn="ctr"/>
             <a:r>
               <a:rPr kumimoji="1" lang="en-US" altLang="ko-Kore-KR" dirty="0"/>
-              <a:t>EJB</a:t>
-            </a:r>
-          </a:p>
-          <a:p>
-            <a:pPr algn="ctr"/>
-            <a:r>
-              <a:rPr kumimoji="1" lang="en-US" altLang="ko-Kore-KR" dirty="0"/>
-              <a:t>CORBA</a:t>
+              <a:t>C App</a:t>
             </a:r>
             <a:endParaRPr kumimoji="1" lang="ko-Kore-KR" altLang="en-US" dirty="0"/>
           </a:p>
         </p:txBody>
       </p:sp>
-      <p:cxnSp>
-        <p:nvCxnSpPr>
-          <p:cNvPr id="6" name="직선 화살표 연결선 5">
-            <a:extLst>
-              <a:ext uri="{FF2B5EF4-FFF2-40B4-BE49-F238E27FC236}">
-                <a16:creationId xmlns:a16="http://schemas.microsoft.com/office/drawing/2014/main" id="{10255691-F391-B6A7-9540-5681BA960729}"/>
-              </a:ext>
-            </a:extLst>
-          </p:cNvPr>
-          <p:cNvCxnSpPr>
-            <a:cxnSpLocks/>
-            <a:stCxn id="5" idx="3"/>
-            <a:endCxn id="10" idx="1"/>
-          </p:cNvCxnSpPr>
-          <p:nvPr/>
-        </p:nvCxnSpPr>
-        <p:spPr>
-          <a:xfrm flipV="1">
-            <a:off x="2488019" y="879844"/>
-            <a:ext cx="5516524" cy="1"/>
-          </a:xfrm>
-          <a:prstGeom prst="straightConnector1">
-            <a:avLst/>
-          </a:prstGeom>
-          <a:ln>
-            <a:tailEnd type="triangle"/>
-          </a:ln>
-        </p:spPr>
-        <p:style>
-          <a:lnRef idx="3">
-            <a:schemeClr val="accent1"/>
-          </a:lnRef>
-          <a:fillRef idx="0">
-            <a:schemeClr val="accent1"/>
-          </a:fillRef>
-          <a:effectRef idx="2">
-            <a:schemeClr val="accent1"/>
-          </a:effectRef>
-          <a:fontRef idx="minor">
-            <a:schemeClr val="tx1"/>
-          </a:fontRef>
-        </p:style>
-      </p:cxnSp>
-      <p:sp>
-        <p:nvSpPr>
-          <p:cNvPr id="10" name="직사각형 9">
-            <a:extLst>
-              <a:ext uri="{FF2B5EF4-FFF2-40B4-BE49-F238E27FC236}">
-                <a16:creationId xmlns:a16="http://schemas.microsoft.com/office/drawing/2014/main" id="{944F5966-D35F-3A96-7BDE-5B5DED17AF03}"/>
+      <p:sp>
+        <p:nvSpPr>
+          <p:cNvPr id="9" name="직사각형 8">
+            <a:extLst>
+              <a:ext uri="{FF2B5EF4-FFF2-40B4-BE49-F238E27FC236}">
+                <a16:creationId xmlns:a16="http://schemas.microsoft.com/office/drawing/2014/main" id="{14FF911C-0210-535E-C3BE-AC2C45624962}"/>
               </a:ext>
             </a:extLst>
           </p:cNvPr>
@@ -6173,8 +5677,8 @@
         </p:nvSpPr>
         <p:spPr>
           <a:xfrm>
-            <a:off x="8004543" y="467832"/>
-            <a:ext cx="1584252" cy="824023"/>
+            <a:off x="2692401" y="4102396"/>
+            <a:ext cx="1488558" cy="499730"/>
           </a:xfrm>
           <a:prstGeom prst="rect">
             <a:avLst/>
@@ -6203,14 +5707,7 @@
             <a:pPr algn="ctr"/>
             <a:r>
               <a:rPr kumimoji="1" lang="en-US" altLang="ko-Kore-KR" dirty="0"/>
-              <a:t>Web</a:t>
-            </a:r>
-          </a:p>
-          <a:p>
-            <a:pPr algn="ctr"/>
-            <a:r>
-              <a:rPr kumimoji="1" lang="en-US" altLang="ko-Kore-KR" dirty="0"/>
-              <a:t>Service</a:t>
+              <a:t>Java App</a:t>
             </a:r>
             <a:endParaRPr kumimoji="1" lang="ko-Kore-KR" altLang="en-US" dirty="0"/>
           </a:p>
@@ -6218,88 +5715,22 @@
       </p:sp>
       <p:sp>
         <p:nvSpPr>
-          <p:cNvPr id="12" name="TextBox 11">
-            <a:extLst>
-              <a:ext uri="{FF2B5EF4-FFF2-40B4-BE49-F238E27FC236}">
-                <a16:creationId xmlns:a16="http://schemas.microsoft.com/office/drawing/2014/main" id="{19C5F7FA-0EB9-D89B-33BA-836C461B613E}"/>
-              </a:ext>
-            </a:extLst>
-          </p:cNvPr>
-          <p:cNvSpPr txBox="1"/>
-          <p:nvPr/>
-        </p:nvSpPr>
-        <p:spPr>
-          <a:xfrm>
-            <a:off x="3946265" y="438951"/>
-            <a:ext cx="2375783" cy="338554"/>
+          <p:cNvPr id="10" name="직사각형 9">
+            <a:extLst>
+              <a:ext uri="{FF2B5EF4-FFF2-40B4-BE49-F238E27FC236}">
+                <a16:creationId xmlns:a16="http://schemas.microsoft.com/office/drawing/2014/main" id="{8E457E10-EAED-F053-9606-A5DAD7506E8E}"/>
+              </a:ext>
+            </a:extLst>
+          </p:cNvPr>
+          <p:cNvSpPr/>
+          <p:nvPr/>
+        </p:nvSpPr>
+        <p:spPr>
+          <a:xfrm>
+            <a:off x="2692401" y="5275522"/>
+            <a:ext cx="1488558" cy="499730"/>
           </a:xfrm>
           <a:prstGeom prst="rect">
-            <a:avLst/>
-          </a:prstGeom>
-        </p:spPr>
-        <p:style>
-          <a:lnRef idx="2">
-            <a:schemeClr val="accent5"/>
-          </a:lnRef>
-          <a:fillRef idx="1">
-            <a:schemeClr val="lt1"/>
-          </a:fillRef>
-          <a:effectRef idx="0">
-            <a:schemeClr val="accent5"/>
-          </a:effectRef>
-          <a:fontRef idx="minor">
-            <a:schemeClr val="dk1"/>
-          </a:fontRef>
-        </p:style>
-        <p:txBody>
-          <a:bodyPr wrap="square" rtlCol="0">
-            <a:spAutoFit/>
-          </a:bodyPr>
-          <a:lstStyle/>
-          <a:p>
-            <a:pPr algn="ctr"/>
-            <a:r>
-              <a:rPr kumimoji="1" lang="ko-Kore-KR" altLang="en-US" sz="1600" dirty="0"/>
-              <a:t>웹</a:t>
-            </a:r>
-            <a:r>
-              <a:rPr kumimoji="1" lang="ko-KR" altLang="en-US" sz="1600" dirty="0"/>
-              <a:t> 통신 </a:t>
-            </a:r>
-            <a:r>
-              <a:rPr kumimoji="1" lang="en-US" altLang="ko-KR" sz="1600" dirty="0"/>
-              <a:t>+</a:t>
-            </a:r>
-            <a:r>
-              <a:rPr kumimoji="1" lang="ko-KR" altLang="en-US" sz="1600" dirty="0"/>
-              <a:t> </a:t>
-            </a:r>
-            <a:r>
-              <a:rPr kumimoji="1" lang="en-US" altLang="ko-KR" sz="1600" dirty="0"/>
-              <a:t>XML</a:t>
-            </a:r>
-            <a:endParaRPr kumimoji="1" lang="ko-Kore-KR" altLang="en-US" sz="1600" dirty="0"/>
-          </a:p>
-        </p:txBody>
-      </p:sp>
-      <p:sp>
-        <p:nvSpPr>
-          <p:cNvPr id="14" name="한쪽 모서리가 잘린 사각형 13">
-            <a:extLst>
-              <a:ext uri="{FF2B5EF4-FFF2-40B4-BE49-F238E27FC236}">
-                <a16:creationId xmlns:a16="http://schemas.microsoft.com/office/drawing/2014/main" id="{8659E860-50FE-C59D-A919-1CCA68EC8412}"/>
-              </a:ext>
-            </a:extLst>
-          </p:cNvPr>
-          <p:cNvSpPr/>
-          <p:nvPr/>
-        </p:nvSpPr>
-        <p:spPr>
-          <a:xfrm>
-            <a:off x="681082" y="2478055"/>
-            <a:ext cx="1222744" cy="1304114"/>
-          </a:xfrm>
-          <a:prstGeom prst="snip1Rect">
             <a:avLst/>
           </a:prstGeom>
         </p:spPr>
@@ -6326,59 +5757,198 @@
             <a:pPr algn="ctr"/>
             <a:r>
               <a:rPr kumimoji="1" lang="en-US" altLang="ko-Kore-KR" dirty="0"/>
-              <a:t>WSDL</a:t>
-            </a:r>
-          </a:p>
-          <a:p>
-            <a:pPr algn="ctr"/>
-            <a:r>
-              <a:rPr kumimoji="1" lang="ko-KR" altLang="en-US" sz="1100" dirty="0"/>
-              <a:t>호출할 수 있는 원격 객체의 </a:t>
-            </a:r>
-            <a:endParaRPr kumimoji="1" lang="en-US" altLang="ko-KR" sz="1100" dirty="0"/>
-          </a:p>
-          <a:p>
-            <a:pPr algn="ctr"/>
-            <a:r>
-              <a:rPr kumimoji="1" lang="ko-KR" altLang="en-US" sz="1100" dirty="0"/>
-              <a:t>메서드 정보</a:t>
-            </a:r>
-            <a:endParaRPr kumimoji="1" lang="ko-Kore-KR" altLang="en-US" sz="1100" dirty="0"/>
+              <a:t>C##</a:t>
+            </a:r>
+            <a:endParaRPr kumimoji="1" lang="ko-Kore-KR" altLang="en-US" dirty="0"/>
+          </a:p>
+        </p:txBody>
+      </p:sp>
+      <p:sp>
+        <p:nvSpPr>
+          <p:cNvPr id="11" name="직사각형 10">
+            <a:extLst>
+              <a:ext uri="{FF2B5EF4-FFF2-40B4-BE49-F238E27FC236}">
+                <a16:creationId xmlns:a16="http://schemas.microsoft.com/office/drawing/2014/main" id="{D1CE68D3-6035-B9C5-58A0-445BDBE2B0F8}"/>
+              </a:ext>
+            </a:extLst>
+          </p:cNvPr>
+          <p:cNvSpPr/>
+          <p:nvPr/>
+        </p:nvSpPr>
+        <p:spPr>
+          <a:xfrm>
+            <a:off x="6225954" y="2977117"/>
+            <a:ext cx="2269460" cy="499730"/>
+          </a:xfrm>
+          <a:prstGeom prst="rect">
+            <a:avLst/>
+          </a:prstGeom>
+        </p:spPr>
+        <p:style>
+          <a:lnRef idx="2">
+            <a:schemeClr val="accent1">
+              <a:shade val="50000"/>
+            </a:schemeClr>
+          </a:lnRef>
+          <a:fillRef idx="1">
+            <a:schemeClr val="accent1"/>
+          </a:fillRef>
+          <a:effectRef idx="0">
+            <a:schemeClr val="accent1"/>
+          </a:effectRef>
+          <a:fontRef idx="minor">
+            <a:schemeClr val="lt1"/>
+          </a:fontRef>
+        </p:style>
+        <p:txBody>
+          <a:bodyPr rtlCol="0" anchor="ctr"/>
+          <a:lstStyle/>
+          <a:p>
+            <a:pPr algn="ctr"/>
+            <a:r>
+              <a:rPr kumimoji="1" lang="en-US" altLang="ko-Kore-KR" dirty="0"/>
+              <a:t>Java Method</a:t>
+            </a:r>
+            <a:endParaRPr kumimoji="1" lang="ko-Kore-KR" altLang="en-US" dirty="0"/>
+          </a:p>
+        </p:txBody>
+      </p:sp>
+      <p:sp>
+        <p:nvSpPr>
+          <p:cNvPr id="12" name="직사각형 11">
+            <a:extLst>
+              <a:ext uri="{FF2B5EF4-FFF2-40B4-BE49-F238E27FC236}">
+                <a16:creationId xmlns:a16="http://schemas.microsoft.com/office/drawing/2014/main" id="{EDFB825D-BED6-FD24-4DF9-2EA43ADF4747}"/>
+              </a:ext>
+            </a:extLst>
+          </p:cNvPr>
+          <p:cNvSpPr/>
+          <p:nvPr/>
+        </p:nvSpPr>
+        <p:spPr>
+          <a:xfrm>
+            <a:off x="6225954" y="3852531"/>
+            <a:ext cx="2269460" cy="499730"/>
+          </a:xfrm>
+          <a:prstGeom prst="rect">
+            <a:avLst/>
+          </a:prstGeom>
+        </p:spPr>
+        <p:style>
+          <a:lnRef idx="2">
+            <a:schemeClr val="accent1">
+              <a:shade val="50000"/>
+            </a:schemeClr>
+          </a:lnRef>
+          <a:fillRef idx="1">
+            <a:schemeClr val="accent1"/>
+          </a:fillRef>
+          <a:effectRef idx="0">
+            <a:schemeClr val="accent1"/>
+          </a:effectRef>
+          <a:fontRef idx="minor">
+            <a:schemeClr val="lt1"/>
+          </a:fontRef>
+        </p:style>
+        <p:txBody>
+          <a:bodyPr rtlCol="0" anchor="ctr"/>
+          <a:lstStyle/>
+          <a:p>
+            <a:pPr algn="ctr"/>
+            <a:r>
+              <a:rPr kumimoji="1" lang="en-US" altLang="ko-Kore-KR" dirty="0"/>
+              <a:t>Pascal Method</a:t>
+            </a:r>
+            <a:endParaRPr kumimoji="1" lang="ko-Kore-KR" altLang="en-US" dirty="0"/>
+          </a:p>
+        </p:txBody>
+      </p:sp>
+      <p:sp>
+        <p:nvSpPr>
+          <p:cNvPr id="13" name="직사각형 12">
+            <a:extLst>
+              <a:ext uri="{FF2B5EF4-FFF2-40B4-BE49-F238E27FC236}">
+                <a16:creationId xmlns:a16="http://schemas.microsoft.com/office/drawing/2014/main" id="{4FCE03A5-DEF4-4FEB-F783-E57E3AB90CC1}"/>
+              </a:ext>
+            </a:extLst>
+          </p:cNvPr>
+          <p:cNvSpPr/>
+          <p:nvPr/>
+        </p:nvSpPr>
+        <p:spPr>
+          <a:xfrm>
+            <a:off x="6225954" y="4873257"/>
+            <a:ext cx="2269460" cy="499730"/>
+          </a:xfrm>
+          <a:prstGeom prst="rect">
+            <a:avLst/>
+          </a:prstGeom>
+        </p:spPr>
+        <p:style>
+          <a:lnRef idx="2">
+            <a:schemeClr val="accent1">
+              <a:shade val="50000"/>
+            </a:schemeClr>
+          </a:lnRef>
+          <a:fillRef idx="1">
+            <a:schemeClr val="accent1"/>
+          </a:fillRef>
+          <a:effectRef idx="0">
+            <a:schemeClr val="accent1"/>
+          </a:effectRef>
+          <a:fontRef idx="minor">
+            <a:schemeClr val="lt1"/>
+          </a:fontRef>
+        </p:style>
+        <p:txBody>
+          <a:bodyPr rtlCol="0" anchor="ctr"/>
+          <a:lstStyle/>
+          <a:p>
+            <a:pPr algn="ctr"/>
+            <a:r>
+              <a:rPr kumimoji="1" lang="en-US" altLang="ko-Kore-KR" dirty="0"/>
+              <a:t>C# Method</a:t>
+            </a:r>
+            <a:endParaRPr kumimoji="1" lang="ko-Kore-KR" altLang="en-US" dirty="0"/>
           </a:p>
         </p:txBody>
       </p:sp>
       <p:cxnSp>
         <p:nvCxnSpPr>
-          <p:cNvPr id="15" name="직선 연결선[R] 14">
-            <a:extLst>
-              <a:ext uri="{FF2B5EF4-FFF2-40B4-BE49-F238E27FC236}">
-                <a16:creationId xmlns:a16="http://schemas.microsoft.com/office/drawing/2014/main" id="{4B2A54B9-A644-0AD3-F939-D0242FCD82AF}"/>
+          <p:cNvPr id="15" name="직선 화살표 연결선 14">
+            <a:extLst>
+              <a:ext uri="{FF2B5EF4-FFF2-40B4-BE49-F238E27FC236}">
+                <a16:creationId xmlns:a16="http://schemas.microsoft.com/office/drawing/2014/main" id="{6A9D2B5C-6150-636F-E80A-DBF9EFA28D5B}"/>
               </a:ext>
             </a:extLst>
           </p:cNvPr>
           <p:cNvCxnSpPr>
-            <a:cxnSpLocks/>
+            <a:stCxn id="8" idx="3"/>
+            <a:endCxn id="11" idx="1"/>
           </p:cNvCxnSpPr>
           <p:nvPr/>
         </p:nvCxnSpPr>
         <p:spPr>
-          <a:xfrm flipH="1">
-            <a:off x="2111754" y="1870314"/>
-            <a:ext cx="7394" cy="3107274"/>
-          </a:xfrm>
-          <a:prstGeom prst="line">
-            <a:avLst/>
-          </a:prstGeom>
+          <a:xfrm>
+            <a:off x="4180959" y="3226982"/>
+            <a:ext cx="2044995" cy="0"/>
+          </a:xfrm>
+          <a:prstGeom prst="straightConnector1">
+            <a:avLst/>
+          </a:prstGeom>
+          <a:ln>
+            <a:tailEnd type="triangle"/>
+          </a:ln>
         </p:spPr>
         <p:style>
           <a:lnRef idx="3">
-            <a:schemeClr val="accent5"/>
+            <a:schemeClr val="accent1"/>
           </a:lnRef>
           <a:fillRef idx="0">
-            <a:schemeClr val="accent5"/>
+            <a:schemeClr val="accent1"/>
           </a:fillRef>
           <a:effectRef idx="2">
-            <a:schemeClr val="accent5"/>
+            <a:schemeClr val="accent1"/>
           </a:effectRef>
           <a:fontRef idx="minor">
             <a:schemeClr val="tx1"/>
@@ -6387,165 +5957,24 @@
       </p:cxnSp>
       <p:cxnSp>
         <p:nvCxnSpPr>
-          <p:cNvPr id="16" name="직선 연결선[R] 15">
-            <a:extLst>
-              <a:ext uri="{FF2B5EF4-FFF2-40B4-BE49-F238E27FC236}">
-                <a16:creationId xmlns:a16="http://schemas.microsoft.com/office/drawing/2014/main" id="{49240E5E-81BA-3AEA-A8F3-409866487039}"/>
+          <p:cNvPr id="17" name="직선 화살표 연결선 16">
+            <a:extLst>
+              <a:ext uri="{FF2B5EF4-FFF2-40B4-BE49-F238E27FC236}">
+                <a16:creationId xmlns:a16="http://schemas.microsoft.com/office/drawing/2014/main" id="{E2B2F4E1-61D5-95A6-437B-65112C399B95}"/>
               </a:ext>
             </a:extLst>
           </p:cNvPr>
           <p:cNvCxnSpPr>
             <a:cxnSpLocks/>
+            <a:stCxn id="8" idx="3"/>
+            <a:endCxn id="12" idx="1"/>
           </p:cNvCxnSpPr>
           <p:nvPr/>
         </p:nvCxnSpPr>
         <p:spPr>
-          <a:xfrm flipH="1">
-            <a:off x="4623064" y="1870314"/>
-            <a:ext cx="23822" cy="3107274"/>
-          </a:xfrm>
-          <a:prstGeom prst="line">
-            <a:avLst/>
-          </a:prstGeom>
-        </p:spPr>
-        <p:style>
-          <a:lnRef idx="3">
-            <a:schemeClr val="accent5"/>
-          </a:lnRef>
-          <a:fillRef idx="0">
-            <a:schemeClr val="accent5"/>
-          </a:fillRef>
-          <a:effectRef idx="2">
-            <a:schemeClr val="accent5"/>
-          </a:effectRef>
-          <a:fontRef idx="minor">
-            <a:schemeClr val="tx1"/>
-          </a:fontRef>
-        </p:style>
-      </p:cxnSp>
-      <p:sp>
-        <p:nvSpPr>
-          <p:cNvPr id="17" name="TextBox 16">
-            <a:extLst>
-              <a:ext uri="{FF2B5EF4-FFF2-40B4-BE49-F238E27FC236}">
-                <a16:creationId xmlns:a16="http://schemas.microsoft.com/office/drawing/2014/main" id="{1CED971A-A6FD-0CB8-A2F2-935CE12A9F24}"/>
-              </a:ext>
-            </a:extLst>
-          </p:cNvPr>
-          <p:cNvSpPr txBox="1"/>
-          <p:nvPr/>
-        </p:nvSpPr>
-        <p:spPr>
-          <a:xfrm>
-            <a:off x="1743400" y="1774890"/>
-            <a:ext cx="751487" cy="307777"/>
-          </a:xfrm>
-          <a:prstGeom prst="rect">
-            <a:avLst/>
-          </a:prstGeom>
-        </p:spPr>
-        <p:style>
-          <a:lnRef idx="2">
-            <a:schemeClr val="accent5"/>
-          </a:lnRef>
-          <a:fillRef idx="1">
-            <a:schemeClr val="lt1"/>
-          </a:fillRef>
-          <a:effectRef idx="0">
-            <a:schemeClr val="accent5"/>
-          </a:effectRef>
-          <a:fontRef idx="minor">
-            <a:schemeClr val="dk1"/>
-          </a:fontRef>
-        </p:style>
-        <p:txBody>
-          <a:bodyPr wrap="square" rtlCol="0">
-            <a:spAutoFit/>
-          </a:bodyPr>
-          <a:lstStyle/>
-          <a:p>
-            <a:pPr algn="ctr"/>
-            <a:r>
-              <a:rPr kumimoji="1" lang="en-US" altLang="ko-Kore-KR" sz="1400" dirty="0"/>
-              <a:t>Client</a:t>
-            </a:r>
-            <a:endParaRPr kumimoji="1" lang="ko-Kore-KR" altLang="en-US" sz="1400" dirty="0"/>
-          </a:p>
-        </p:txBody>
-      </p:sp>
-      <p:sp>
-        <p:nvSpPr>
-          <p:cNvPr id="18" name="TextBox 17">
-            <a:extLst>
-              <a:ext uri="{FF2B5EF4-FFF2-40B4-BE49-F238E27FC236}">
-                <a16:creationId xmlns:a16="http://schemas.microsoft.com/office/drawing/2014/main" id="{984F85A1-8F8E-7B03-7D8E-37731F1F13F3}"/>
-              </a:ext>
-            </a:extLst>
-          </p:cNvPr>
-          <p:cNvSpPr txBox="1"/>
-          <p:nvPr/>
-        </p:nvSpPr>
-        <p:spPr>
-          <a:xfrm>
-            <a:off x="4275386" y="1562536"/>
-            <a:ext cx="751487" cy="523220"/>
-          </a:xfrm>
-          <a:prstGeom prst="rect">
-            <a:avLst/>
-          </a:prstGeom>
-        </p:spPr>
-        <p:style>
-          <a:lnRef idx="2">
-            <a:schemeClr val="accent5"/>
-          </a:lnRef>
-          <a:fillRef idx="1">
-            <a:schemeClr val="lt1"/>
-          </a:fillRef>
-          <a:effectRef idx="0">
-            <a:schemeClr val="accent5"/>
-          </a:effectRef>
-          <a:fontRef idx="minor">
-            <a:schemeClr val="dk1"/>
-          </a:fontRef>
-        </p:style>
-        <p:txBody>
-          <a:bodyPr wrap="square" rtlCol="0">
-            <a:spAutoFit/>
-          </a:bodyPr>
-          <a:lstStyle/>
-          <a:p>
-            <a:pPr algn="ctr"/>
-            <a:r>
-              <a:rPr kumimoji="1" lang="en-US" altLang="ko-Kore-KR" sz="1400" dirty="0"/>
-              <a:t>Web</a:t>
-            </a:r>
-          </a:p>
-          <a:p>
-            <a:pPr algn="ctr"/>
-            <a:r>
-              <a:rPr kumimoji="1" lang="en-US" altLang="ko-Kore-KR" sz="1400" dirty="0"/>
-              <a:t>Server</a:t>
-            </a:r>
-            <a:endParaRPr kumimoji="1" lang="ko-Kore-KR" altLang="en-US" sz="1400" dirty="0"/>
-          </a:p>
-        </p:txBody>
-      </p:sp>
-      <p:cxnSp>
-        <p:nvCxnSpPr>
-          <p:cNvPr id="19" name="직선 화살표 연결선 18">
-            <a:extLst>
-              <a:ext uri="{FF2B5EF4-FFF2-40B4-BE49-F238E27FC236}">
-                <a16:creationId xmlns:a16="http://schemas.microsoft.com/office/drawing/2014/main" id="{52182A76-7260-6FCD-4952-C7815DCE0E1C}"/>
-              </a:ext>
-            </a:extLst>
-          </p:cNvPr>
-          <p:cNvCxnSpPr/>
-          <p:nvPr/>
-        </p:nvCxnSpPr>
-        <p:spPr>
-          <a:xfrm>
-            <a:off x="2119147" y="2343280"/>
-            <a:ext cx="2527739" cy="0"/>
+          <a:xfrm>
+            <a:off x="4180959" y="3226982"/>
+            <a:ext cx="2044995" cy="875414"/>
           </a:xfrm>
           <a:prstGeom prst="straightConnector1">
             <a:avLst/>
@@ -6556,13 +5985,13 @@
         </p:spPr>
         <p:style>
           <a:lnRef idx="3">
-            <a:schemeClr val="accent6"/>
+            <a:schemeClr val="accent1"/>
           </a:lnRef>
           <a:fillRef idx="0">
-            <a:schemeClr val="accent6"/>
+            <a:schemeClr val="accent1"/>
           </a:fillRef>
           <a:effectRef idx="2">
-            <a:schemeClr val="accent6"/>
+            <a:schemeClr val="accent1"/>
           </a:effectRef>
           <a:fontRef idx="minor">
             <a:schemeClr val="tx1"/>
@@ -6571,20 +6000,24 @@
       </p:cxnSp>
       <p:cxnSp>
         <p:nvCxnSpPr>
-          <p:cNvPr id="21" name="직선 화살표 연결선 20">
-            <a:extLst>
-              <a:ext uri="{FF2B5EF4-FFF2-40B4-BE49-F238E27FC236}">
-                <a16:creationId xmlns:a16="http://schemas.microsoft.com/office/drawing/2014/main" id="{10BE0829-AA30-2D2D-2476-B008F21FE00A}"/>
-              </a:ext>
-            </a:extLst>
-          </p:cNvPr>
-          <p:cNvCxnSpPr/>
+          <p:cNvPr id="20" name="직선 화살표 연결선 19">
+            <a:extLst>
+              <a:ext uri="{FF2B5EF4-FFF2-40B4-BE49-F238E27FC236}">
+                <a16:creationId xmlns:a16="http://schemas.microsoft.com/office/drawing/2014/main" id="{79E6EFD0-963E-359B-C38E-9795D1D9C7A7}"/>
+              </a:ext>
+            </a:extLst>
+          </p:cNvPr>
+          <p:cNvCxnSpPr>
+            <a:cxnSpLocks/>
+            <a:stCxn id="8" idx="3"/>
+            <a:endCxn id="13" idx="1"/>
+          </p:cNvCxnSpPr>
           <p:nvPr/>
         </p:nvCxnSpPr>
         <p:spPr>
-          <a:xfrm flipH="1">
-            <a:off x="2111756" y="2835267"/>
-            <a:ext cx="2527739" cy="0"/>
+          <a:xfrm>
+            <a:off x="4180959" y="3226982"/>
+            <a:ext cx="2044995" cy="1896140"/>
           </a:xfrm>
           <a:prstGeom prst="straightConnector1">
             <a:avLst/>
@@ -6595,52 +6028,13 @@
         </p:spPr>
         <p:style>
           <a:lnRef idx="3">
-            <a:schemeClr val="accent2"/>
+            <a:schemeClr val="accent1"/>
           </a:lnRef>
           <a:fillRef idx="0">
-            <a:schemeClr val="accent2"/>
+            <a:schemeClr val="accent1"/>
           </a:fillRef>
           <a:effectRef idx="2">
-            <a:schemeClr val="accent2"/>
-          </a:effectRef>
-          <a:fontRef idx="minor">
-            <a:schemeClr val="tx1"/>
-          </a:fontRef>
-        </p:style>
-      </p:cxnSp>
-      <p:cxnSp>
-        <p:nvCxnSpPr>
-          <p:cNvPr id="22" name="직선 화살표 연결선 21">
-            <a:extLst>
-              <a:ext uri="{FF2B5EF4-FFF2-40B4-BE49-F238E27FC236}">
-                <a16:creationId xmlns:a16="http://schemas.microsoft.com/office/drawing/2014/main" id="{B6C2CB38-E37E-0026-B4A9-EE1DA2CCE1DD}"/>
-              </a:ext>
-            </a:extLst>
-          </p:cNvPr>
-          <p:cNvCxnSpPr/>
-          <p:nvPr/>
-        </p:nvCxnSpPr>
-        <p:spPr>
-          <a:xfrm flipH="1">
-            <a:off x="2111755" y="4164826"/>
-            <a:ext cx="2527739" cy="0"/>
-          </a:xfrm>
-          <a:prstGeom prst="straightConnector1">
-            <a:avLst/>
-          </a:prstGeom>
-          <a:ln>
-            <a:tailEnd type="triangle"/>
-          </a:ln>
-        </p:spPr>
-        <p:style>
-          <a:lnRef idx="3">
-            <a:schemeClr val="accent2"/>
-          </a:lnRef>
-          <a:fillRef idx="0">
-            <a:schemeClr val="accent2"/>
-          </a:fillRef>
-          <a:effectRef idx="2">
-            <a:schemeClr val="accent2"/>
+            <a:schemeClr val="accent1"/>
           </a:effectRef>
           <a:fontRef idx="minor">
             <a:schemeClr val="tx1"/>
@@ -6652,17 +6046,20 @@
           <p:cNvPr id="23" name="직선 화살표 연결선 22">
             <a:extLst>
               <a:ext uri="{FF2B5EF4-FFF2-40B4-BE49-F238E27FC236}">
-                <a16:creationId xmlns:a16="http://schemas.microsoft.com/office/drawing/2014/main" id="{40958E59-3B25-22C9-3E0F-07148FA9674C}"/>
-              </a:ext>
-            </a:extLst>
-          </p:cNvPr>
-          <p:cNvCxnSpPr/>
+                <a16:creationId xmlns:a16="http://schemas.microsoft.com/office/drawing/2014/main" id="{6616C23A-6AC1-05DD-7085-23693273806F}"/>
+              </a:ext>
+            </a:extLst>
+          </p:cNvPr>
+          <p:cNvCxnSpPr>
+            <a:cxnSpLocks/>
+            <a:endCxn id="11" idx="1"/>
+          </p:cNvCxnSpPr>
           <p:nvPr/>
         </p:nvCxnSpPr>
         <p:spPr>
-          <a:xfrm>
-            <a:off x="2111754" y="3510557"/>
-            <a:ext cx="2527739" cy="0"/>
+          <a:xfrm flipV="1">
+            <a:off x="4180959" y="3226982"/>
+            <a:ext cx="2044995" cy="1125279"/>
           </a:xfrm>
           <a:prstGeom prst="straightConnector1">
             <a:avLst/>
@@ -6673,258 +6070,41 @@
         </p:spPr>
         <p:style>
           <a:lnRef idx="3">
-            <a:schemeClr val="accent6"/>
+            <a:schemeClr val="accent1"/>
           </a:lnRef>
           <a:fillRef idx="0">
-            <a:schemeClr val="accent6"/>
+            <a:schemeClr val="accent1"/>
           </a:fillRef>
           <a:effectRef idx="2">
-            <a:schemeClr val="accent6"/>
+            <a:schemeClr val="accent1"/>
           </a:effectRef>
           <a:fontRef idx="minor">
             <a:schemeClr val="tx1"/>
           </a:fontRef>
         </p:style>
       </p:cxnSp>
-      <p:sp>
-        <p:nvSpPr>
-          <p:cNvPr id="25" name="TextBox 24">
-            <a:extLst>
-              <a:ext uri="{FF2B5EF4-FFF2-40B4-BE49-F238E27FC236}">
-                <a16:creationId xmlns:a16="http://schemas.microsoft.com/office/drawing/2014/main" id="{420FAAF3-C301-0A34-40BC-684675FBB92F}"/>
-              </a:ext>
-            </a:extLst>
-          </p:cNvPr>
-          <p:cNvSpPr txBox="1"/>
-          <p:nvPr/>
-        </p:nvSpPr>
-        <p:spPr>
-          <a:xfrm>
-            <a:off x="2981808" y="2150745"/>
-            <a:ext cx="751487" cy="276999"/>
-          </a:xfrm>
-          <a:prstGeom prst="rect">
-            <a:avLst/>
-          </a:prstGeom>
-        </p:spPr>
-        <p:style>
-          <a:lnRef idx="2">
-            <a:schemeClr val="accent6"/>
-          </a:lnRef>
-          <a:fillRef idx="1">
-            <a:schemeClr val="lt1"/>
-          </a:fillRef>
-          <a:effectRef idx="0">
-            <a:schemeClr val="accent6"/>
-          </a:effectRef>
-          <a:fontRef idx="minor">
-            <a:schemeClr val="dk1"/>
-          </a:fontRef>
-        </p:style>
-        <p:txBody>
-          <a:bodyPr wrap="square" rtlCol="0">
-            <a:spAutoFit/>
-          </a:bodyPr>
-          <a:lstStyle/>
-          <a:p>
-            <a:pPr algn="ctr"/>
-            <a:r>
-              <a:rPr kumimoji="1" lang="ko-KR" altLang="en-US" sz="1200" dirty="0"/>
-              <a:t>연결</a:t>
-            </a:r>
-            <a:endParaRPr kumimoji="1" lang="ko-Kore-KR" altLang="en-US" sz="1200" dirty="0"/>
-          </a:p>
-        </p:txBody>
-      </p:sp>
-      <p:sp>
-        <p:nvSpPr>
-          <p:cNvPr id="26" name="TextBox 25">
-            <a:extLst>
-              <a:ext uri="{FF2B5EF4-FFF2-40B4-BE49-F238E27FC236}">
-                <a16:creationId xmlns:a16="http://schemas.microsoft.com/office/drawing/2014/main" id="{AEBB508D-1906-F107-6779-4E84861B1364}"/>
-              </a:ext>
-            </a:extLst>
-          </p:cNvPr>
-          <p:cNvSpPr txBox="1"/>
-          <p:nvPr/>
-        </p:nvSpPr>
-        <p:spPr>
-          <a:xfrm>
-            <a:off x="2974413" y="2662631"/>
-            <a:ext cx="751487" cy="276999"/>
-          </a:xfrm>
-          <a:prstGeom prst="rect">
-            <a:avLst/>
-          </a:prstGeom>
-        </p:spPr>
-        <p:style>
-          <a:lnRef idx="2">
-            <a:schemeClr val="accent2"/>
-          </a:lnRef>
-          <a:fillRef idx="1">
-            <a:schemeClr val="lt1"/>
-          </a:fillRef>
-          <a:effectRef idx="0">
-            <a:schemeClr val="accent2"/>
-          </a:effectRef>
-          <a:fontRef idx="minor">
-            <a:schemeClr val="dk1"/>
-          </a:fontRef>
-        </p:style>
-        <p:txBody>
-          <a:bodyPr wrap="square" rtlCol="0">
-            <a:spAutoFit/>
-          </a:bodyPr>
-          <a:lstStyle/>
-          <a:p>
-            <a:pPr algn="ctr"/>
-            <a:r>
-              <a:rPr kumimoji="1" lang="en-US" altLang="ko-KR" sz="1200" dirty="0"/>
-              <a:t>WSDL</a:t>
-            </a:r>
-          </a:p>
-        </p:txBody>
-      </p:sp>
-      <p:sp>
-        <p:nvSpPr>
-          <p:cNvPr id="28" name="TextBox 27">
-            <a:extLst>
-              <a:ext uri="{FF2B5EF4-FFF2-40B4-BE49-F238E27FC236}">
-                <a16:creationId xmlns:a16="http://schemas.microsoft.com/office/drawing/2014/main" id="{DC754C18-42C4-5836-6A2C-9922E6379600}"/>
-              </a:ext>
-            </a:extLst>
-          </p:cNvPr>
-          <p:cNvSpPr txBox="1"/>
-          <p:nvPr/>
-        </p:nvSpPr>
-        <p:spPr>
-          <a:xfrm>
-            <a:off x="2553362" y="3402869"/>
-            <a:ext cx="1664166" cy="276999"/>
-          </a:xfrm>
-          <a:prstGeom prst="rect">
-            <a:avLst/>
-          </a:prstGeom>
-        </p:spPr>
-        <p:style>
-          <a:lnRef idx="2">
-            <a:schemeClr val="accent6"/>
-          </a:lnRef>
-          <a:fillRef idx="1">
-            <a:schemeClr val="lt1"/>
-          </a:fillRef>
-          <a:effectRef idx="0">
-            <a:schemeClr val="accent6"/>
-          </a:effectRef>
-          <a:fontRef idx="minor">
-            <a:schemeClr val="dk1"/>
-          </a:fontRef>
-        </p:style>
-        <p:txBody>
-          <a:bodyPr wrap="square" rtlCol="0">
-            <a:spAutoFit/>
-          </a:bodyPr>
-          <a:lstStyle/>
-          <a:p>
-            <a:pPr algn="ctr"/>
-            <a:r>
-              <a:rPr kumimoji="1" lang="ko-KR" altLang="en-US" sz="1200" dirty="0"/>
-              <a:t>사용할 </a:t>
-            </a:r>
-            <a:r>
-              <a:rPr kumimoji="1" lang="en-US" altLang="ko-KR" sz="1200" dirty="0"/>
-              <a:t>Stub </a:t>
-            </a:r>
-            <a:r>
-              <a:rPr kumimoji="1" lang="ko-KR" altLang="en-US" sz="1200" dirty="0"/>
-              <a:t>요청</a:t>
-            </a:r>
-            <a:endParaRPr kumimoji="1" lang="ko-Kore-KR" altLang="en-US" sz="1200" dirty="0"/>
-          </a:p>
-        </p:txBody>
-      </p:sp>
-      <p:sp>
-        <p:nvSpPr>
-          <p:cNvPr id="29" name="TextBox 28">
-            <a:extLst>
-              <a:ext uri="{FF2B5EF4-FFF2-40B4-BE49-F238E27FC236}">
-                <a16:creationId xmlns:a16="http://schemas.microsoft.com/office/drawing/2014/main" id="{1D6BAE6E-3ACB-2170-C824-3C94C12D6F9F}"/>
-              </a:ext>
-            </a:extLst>
-          </p:cNvPr>
-          <p:cNvSpPr txBox="1"/>
-          <p:nvPr/>
-        </p:nvSpPr>
-        <p:spPr>
-          <a:xfrm>
-            <a:off x="2728600" y="4025461"/>
-            <a:ext cx="1243112" cy="461665"/>
-          </a:xfrm>
-          <a:prstGeom prst="rect">
-            <a:avLst/>
-          </a:prstGeom>
-        </p:spPr>
-        <p:style>
-          <a:lnRef idx="2">
-            <a:schemeClr val="accent2"/>
-          </a:lnRef>
-          <a:fillRef idx="1">
-            <a:schemeClr val="lt1"/>
-          </a:fillRef>
-          <a:effectRef idx="0">
-            <a:schemeClr val="accent2"/>
-          </a:effectRef>
-          <a:fontRef idx="minor">
-            <a:schemeClr val="dk1"/>
-          </a:fontRef>
-        </p:style>
-        <p:txBody>
-          <a:bodyPr wrap="square" rtlCol="0">
-            <a:spAutoFit/>
-          </a:bodyPr>
-          <a:lstStyle/>
-          <a:p>
-            <a:pPr algn="ctr"/>
-            <a:r>
-              <a:rPr kumimoji="1" lang="en-US" altLang="ko-Kore-KR" sz="1200" dirty="0"/>
-              <a:t>Stub</a:t>
-            </a:r>
-          </a:p>
-          <a:p>
-            <a:pPr algn="ctr"/>
-            <a:r>
-              <a:rPr kumimoji="1" lang="ko-KR" altLang="en-US" sz="1200" dirty="0"/>
-              <a:t>다운로드</a:t>
-            </a:r>
-            <a:endParaRPr kumimoji="1" lang="ko-Kore-KR" altLang="en-US" sz="1200" dirty="0"/>
-          </a:p>
-        </p:txBody>
-      </p:sp>
       <p:cxnSp>
         <p:nvCxnSpPr>
-          <p:cNvPr id="39" name="구부러진 연결선[U] 38">
-            <a:extLst>
-              <a:ext uri="{FF2B5EF4-FFF2-40B4-BE49-F238E27FC236}">
-                <a16:creationId xmlns:a16="http://schemas.microsoft.com/office/drawing/2014/main" id="{E1B979C3-44D8-9F4F-A093-B772DCB15710}"/>
+          <p:cNvPr id="24" name="직선 화살표 연결선 23">
+            <a:extLst>
+              <a:ext uri="{FF2B5EF4-FFF2-40B4-BE49-F238E27FC236}">
+                <a16:creationId xmlns:a16="http://schemas.microsoft.com/office/drawing/2014/main" id="{0355B439-8D9F-315B-0E8D-AE73DCB56241}"/>
               </a:ext>
             </a:extLst>
           </p:cNvPr>
           <p:cNvCxnSpPr>
             <a:cxnSpLocks/>
-            <a:stCxn id="2" idx="0"/>
-            <a:endCxn id="4" idx="0"/>
+            <a:endCxn id="12" idx="1"/>
           </p:cNvCxnSpPr>
           <p:nvPr/>
         </p:nvCxnSpPr>
         <p:spPr>
-          <a:xfrm rot="5400000" flipH="1" flipV="1">
-            <a:off x="7462086" y="2382374"/>
-            <a:ext cx="12700" cy="3286175"/>
-          </a:xfrm>
-          <a:prstGeom prst="curvedConnector3">
-            <a:avLst>
-              <a:gd name="adj1" fmla="val 1800000"/>
-            </a:avLst>
+          <a:xfrm flipV="1">
+            <a:off x="4180959" y="4102396"/>
+            <a:ext cx="2044995" cy="249865"/>
+          </a:xfrm>
+          <a:prstGeom prst="straightConnector1">
+            <a:avLst/>
           </a:prstGeom>
           <a:ln>
             <a:tailEnd type="triangle"/>
@@ -6932,13 +6112,13 @@
         </p:spPr>
         <p:style>
           <a:lnRef idx="3">
-            <a:schemeClr val="accent6"/>
+            <a:schemeClr val="accent1"/>
           </a:lnRef>
           <a:fillRef idx="0">
-            <a:schemeClr val="accent6"/>
+            <a:schemeClr val="accent1"/>
           </a:fillRef>
           <a:effectRef idx="2">
-            <a:schemeClr val="accent6"/>
+            <a:schemeClr val="accent1"/>
           </a:effectRef>
           <a:fontRef idx="minor">
             <a:schemeClr val="tx1"/>
@@ -6947,29 +6127,26 @@
       </p:cxnSp>
       <p:cxnSp>
         <p:nvCxnSpPr>
-          <p:cNvPr id="40" name="구부러진 연결선[U] 39">
-            <a:extLst>
-              <a:ext uri="{FF2B5EF4-FFF2-40B4-BE49-F238E27FC236}">
-                <a16:creationId xmlns:a16="http://schemas.microsoft.com/office/drawing/2014/main" id="{A17642EF-E5AC-F7A7-CB99-7812DCAB2C42}"/>
+          <p:cNvPr id="25" name="직선 화살표 연결선 24">
+            <a:extLst>
+              <a:ext uri="{FF2B5EF4-FFF2-40B4-BE49-F238E27FC236}">
+                <a16:creationId xmlns:a16="http://schemas.microsoft.com/office/drawing/2014/main" id="{20CF7108-A007-2CF2-9D6E-75D1F668749D}"/>
               </a:ext>
             </a:extLst>
           </p:cNvPr>
           <p:cNvCxnSpPr>
             <a:cxnSpLocks/>
-            <a:stCxn id="4" idx="2"/>
-            <a:endCxn id="2" idx="2"/>
+            <a:endCxn id="13" idx="1"/>
           </p:cNvCxnSpPr>
           <p:nvPr/>
         </p:nvCxnSpPr>
         <p:spPr>
-          <a:xfrm rot="5400000">
-            <a:off x="7462087" y="3206397"/>
-            <a:ext cx="12700" cy="3286175"/>
-          </a:xfrm>
-          <a:prstGeom prst="curvedConnector3">
-            <a:avLst>
-              <a:gd name="adj1" fmla="val 1800000"/>
-            </a:avLst>
+          <a:xfrm>
+            <a:off x="4180959" y="4352261"/>
+            <a:ext cx="2044995" cy="770861"/>
+          </a:xfrm>
+          <a:prstGeom prst="straightConnector1">
+            <a:avLst/>
           </a:prstGeom>
           <a:ln>
             <a:tailEnd type="triangle"/>
@@ -6977,13 +6154,13 @@
         </p:spPr>
         <p:style>
           <a:lnRef idx="3">
-            <a:schemeClr val="accent2"/>
+            <a:schemeClr val="accent1"/>
           </a:lnRef>
           <a:fillRef idx="0">
-            <a:schemeClr val="accent2"/>
+            <a:schemeClr val="accent1"/>
           </a:fillRef>
           <a:effectRef idx="2">
-            <a:schemeClr val="accent2"/>
+            <a:schemeClr val="accent1"/>
           </a:effectRef>
           <a:fontRef idx="minor">
             <a:schemeClr val="tx1"/>
@@ -6992,24 +6169,23 @@
       </p:cxnSp>
       <p:cxnSp>
         <p:nvCxnSpPr>
-          <p:cNvPr id="48" name="직선 화살표 연결선 47">
-            <a:extLst>
-              <a:ext uri="{FF2B5EF4-FFF2-40B4-BE49-F238E27FC236}">
-                <a16:creationId xmlns:a16="http://schemas.microsoft.com/office/drawing/2014/main" id="{9787C6F7-A38A-12E2-175A-365F10714093}"/>
+          <p:cNvPr id="29" name="직선 화살표 연결선 28">
+            <a:extLst>
+              <a:ext uri="{FF2B5EF4-FFF2-40B4-BE49-F238E27FC236}">
+                <a16:creationId xmlns:a16="http://schemas.microsoft.com/office/drawing/2014/main" id="{15724EF2-4D0A-5ABF-842D-6409F937DC56}"/>
               </a:ext>
             </a:extLst>
           </p:cNvPr>
           <p:cNvCxnSpPr>
             <a:cxnSpLocks/>
-            <a:stCxn id="4" idx="3"/>
-            <a:endCxn id="52" idx="1"/>
+            <a:endCxn id="11" idx="1"/>
           </p:cNvCxnSpPr>
           <p:nvPr/>
         </p:nvCxnSpPr>
         <p:spPr>
           <a:xfrm flipV="1">
-            <a:off x="9897300" y="4431123"/>
-            <a:ext cx="392686" cy="6350"/>
+            <a:off x="4180959" y="3226982"/>
+            <a:ext cx="2044995" cy="2262963"/>
           </a:xfrm>
           <a:prstGeom prst="straightConnector1">
             <a:avLst/>
@@ -7033,12 +6209,182 @@
           </a:fontRef>
         </p:style>
       </p:cxnSp>
-      <p:sp>
-        <p:nvSpPr>
-          <p:cNvPr id="52" name="직사각형 51">
-            <a:extLst>
-              <a:ext uri="{FF2B5EF4-FFF2-40B4-BE49-F238E27FC236}">
-                <a16:creationId xmlns:a16="http://schemas.microsoft.com/office/drawing/2014/main" id="{42B718F4-6F9A-9949-2BD5-C2291C758D47}"/>
+      <p:cxnSp>
+        <p:nvCxnSpPr>
+          <p:cNvPr id="30" name="직선 화살표 연결선 29">
+            <a:extLst>
+              <a:ext uri="{FF2B5EF4-FFF2-40B4-BE49-F238E27FC236}">
+                <a16:creationId xmlns:a16="http://schemas.microsoft.com/office/drawing/2014/main" id="{BF716618-730C-10F8-3D9E-3D7D928C15A9}"/>
+              </a:ext>
+            </a:extLst>
+          </p:cNvPr>
+          <p:cNvCxnSpPr>
+            <a:cxnSpLocks/>
+            <a:endCxn id="11" idx="1"/>
+          </p:cNvCxnSpPr>
+          <p:nvPr/>
+        </p:nvCxnSpPr>
+        <p:spPr>
+          <a:xfrm flipV="1">
+            <a:off x="4180959" y="3226982"/>
+            <a:ext cx="2044995" cy="2262963"/>
+          </a:xfrm>
+          <a:prstGeom prst="straightConnector1">
+            <a:avLst/>
+          </a:prstGeom>
+          <a:ln>
+            <a:tailEnd type="triangle"/>
+          </a:ln>
+        </p:spPr>
+        <p:style>
+          <a:lnRef idx="3">
+            <a:schemeClr val="accent1"/>
+          </a:lnRef>
+          <a:fillRef idx="0">
+            <a:schemeClr val="accent1"/>
+          </a:fillRef>
+          <a:effectRef idx="2">
+            <a:schemeClr val="accent1"/>
+          </a:effectRef>
+          <a:fontRef idx="minor">
+            <a:schemeClr val="tx1"/>
+          </a:fontRef>
+        </p:style>
+      </p:cxnSp>
+      <p:cxnSp>
+        <p:nvCxnSpPr>
+          <p:cNvPr id="31" name="직선 화살표 연결선 30">
+            <a:extLst>
+              <a:ext uri="{FF2B5EF4-FFF2-40B4-BE49-F238E27FC236}">
+                <a16:creationId xmlns:a16="http://schemas.microsoft.com/office/drawing/2014/main" id="{4CF5F029-EFAE-D10C-5655-F93663F38F0C}"/>
+              </a:ext>
+            </a:extLst>
+          </p:cNvPr>
+          <p:cNvCxnSpPr>
+            <a:cxnSpLocks/>
+            <a:endCxn id="11" idx="1"/>
+          </p:cNvCxnSpPr>
+          <p:nvPr/>
+        </p:nvCxnSpPr>
+        <p:spPr>
+          <a:xfrm flipV="1">
+            <a:off x="4180959" y="3226982"/>
+            <a:ext cx="2044995" cy="2262963"/>
+          </a:xfrm>
+          <a:prstGeom prst="straightConnector1">
+            <a:avLst/>
+          </a:prstGeom>
+          <a:ln>
+            <a:tailEnd type="triangle"/>
+          </a:ln>
+        </p:spPr>
+        <p:style>
+          <a:lnRef idx="3">
+            <a:schemeClr val="accent1"/>
+          </a:lnRef>
+          <a:fillRef idx="0">
+            <a:schemeClr val="accent1"/>
+          </a:fillRef>
+          <a:effectRef idx="2">
+            <a:schemeClr val="accent1"/>
+          </a:effectRef>
+          <a:fontRef idx="minor">
+            <a:schemeClr val="tx1"/>
+          </a:fontRef>
+        </p:style>
+      </p:cxnSp>
+      <p:cxnSp>
+        <p:nvCxnSpPr>
+          <p:cNvPr id="35" name="직선 화살표 연결선 34">
+            <a:extLst>
+              <a:ext uri="{FF2B5EF4-FFF2-40B4-BE49-F238E27FC236}">
+                <a16:creationId xmlns:a16="http://schemas.microsoft.com/office/drawing/2014/main" id="{3EAB799E-59AC-C853-3856-D9B5F66CF95E}"/>
+              </a:ext>
+            </a:extLst>
+          </p:cNvPr>
+          <p:cNvCxnSpPr>
+            <a:cxnSpLocks/>
+            <a:stCxn id="10" idx="3"/>
+            <a:endCxn id="12" idx="1"/>
+          </p:cNvCxnSpPr>
+          <p:nvPr/>
+        </p:nvCxnSpPr>
+        <p:spPr>
+          <a:xfrm flipV="1">
+            <a:off x="4180959" y="4102396"/>
+            <a:ext cx="2044995" cy="1422991"/>
+          </a:xfrm>
+          <a:prstGeom prst="straightConnector1">
+            <a:avLst/>
+          </a:prstGeom>
+          <a:ln>
+            <a:tailEnd type="triangle"/>
+          </a:ln>
+        </p:spPr>
+        <p:style>
+          <a:lnRef idx="3">
+            <a:schemeClr val="accent1"/>
+          </a:lnRef>
+          <a:fillRef idx="0">
+            <a:schemeClr val="accent1"/>
+          </a:fillRef>
+          <a:effectRef idx="2">
+            <a:schemeClr val="accent1"/>
+          </a:effectRef>
+          <a:fontRef idx="minor">
+            <a:schemeClr val="tx1"/>
+          </a:fontRef>
+        </p:style>
+      </p:cxnSp>
+      <p:cxnSp>
+        <p:nvCxnSpPr>
+          <p:cNvPr id="38" name="직선 화살표 연결선 37">
+            <a:extLst>
+              <a:ext uri="{FF2B5EF4-FFF2-40B4-BE49-F238E27FC236}">
+                <a16:creationId xmlns:a16="http://schemas.microsoft.com/office/drawing/2014/main" id="{F17427BB-6E6B-7880-0FAA-33E91ADF7AB8}"/>
+              </a:ext>
+            </a:extLst>
+          </p:cNvPr>
+          <p:cNvCxnSpPr>
+            <a:cxnSpLocks/>
+            <a:stCxn id="10" idx="3"/>
+            <a:endCxn id="13" idx="1"/>
+          </p:cNvCxnSpPr>
+          <p:nvPr/>
+        </p:nvCxnSpPr>
+        <p:spPr>
+          <a:xfrm flipV="1">
+            <a:off x="4180959" y="5123122"/>
+            <a:ext cx="2044995" cy="402265"/>
+          </a:xfrm>
+          <a:prstGeom prst="straightConnector1">
+            <a:avLst/>
+          </a:prstGeom>
+          <a:ln>
+            <a:tailEnd type="triangle"/>
+          </a:ln>
+        </p:spPr>
+        <p:style>
+          <a:lnRef idx="3">
+            <a:schemeClr val="accent1"/>
+          </a:lnRef>
+          <a:fillRef idx="0">
+            <a:schemeClr val="accent1"/>
+          </a:fillRef>
+          <a:effectRef idx="2">
+            <a:schemeClr val="accent1"/>
+          </a:effectRef>
+          <a:fontRef idx="minor">
+            <a:schemeClr val="tx1"/>
+          </a:fontRef>
+        </p:style>
+      </p:cxnSp>
+      <p:sp>
+        <p:nvSpPr>
+          <p:cNvPr id="41" name="곱하기 40">
+            <a:extLst>
+              <a:ext uri="{FF2B5EF4-FFF2-40B4-BE49-F238E27FC236}">
+                <a16:creationId xmlns:a16="http://schemas.microsoft.com/office/drawing/2014/main" id="{0FF2719B-9B71-FFD5-7EB3-DEB60BC71AB3}"/>
               </a:ext>
             </a:extLst>
           </p:cNvPr>
@@ -7047,289 +6393,14 @@
         </p:nvSpPr>
         <p:spPr>
           <a:xfrm>
-            <a:off x="10289986" y="4019111"/>
-            <a:ext cx="1584252" cy="824023"/>
-          </a:xfrm>
-          <a:prstGeom prst="rect">
-            <a:avLst/>
-          </a:prstGeom>
-        </p:spPr>
-        <p:style>
-          <a:lnRef idx="2">
-            <a:schemeClr val="accent1">
-              <a:shade val="50000"/>
-            </a:schemeClr>
-          </a:lnRef>
-          <a:fillRef idx="1">
-            <a:schemeClr val="accent1"/>
-          </a:fillRef>
-          <a:effectRef idx="0">
-            <a:schemeClr val="accent1"/>
-          </a:effectRef>
-          <a:fontRef idx="minor">
-            <a:schemeClr val="lt1"/>
-          </a:fontRef>
-        </p:style>
-        <p:txBody>
-          <a:bodyPr rtlCol="0" anchor="ctr"/>
-          <a:lstStyle/>
-          <a:p>
-            <a:pPr algn="ctr"/>
-            <a:r>
-              <a:rPr kumimoji="1" lang="en-US" altLang="ko-Kore-KR" dirty="0"/>
-              <a:t>Remote</a:t>
-            </a:r>
-          </a:p>
-          <a:p>
-            <a:pPr algn="ctr"/>
-            <a:r>
-              <a:rPr kumimoji="1" lang="en-US" altLang="ko-Kore-KR" dirty="0"/>
-              <a:t>Object</a:t>
-            </a:r>
-            <a:endParaRPr kumimoji="1" lang="ko-Kore-KR" altLang="en-US" dirty="0"/>
-          </a:p>
-        </p:txBody>
-      </p:sp>
-      <p:sp>
-        <p:nvSpPr>
-          <p:cNvPr id="56" name="TextBox 55">
-            <a:extLst>
-              <a:ext uri="{FF2B5EF4-FFF2-40B4-BE49-F238E27FC236}">
-                <a16:creationId xmlns:a16="http://schemas.microsoft.com/office/drawing/2014/main" id="{E808A1C7-36C6-AEFA-52D2-393790E8CBBD}"/>
-              </a:ext>
-            </a:extLst>
-          </p:cNvPr>
-          <p:cNvSpPr txBox="1"/>
-          <p:nvPr/>
-        </p:nvSpPr>
-        <p:spPr>
-          <a:xfrm>
-            <a:off x="7069041" y="3618749"/>
-            <a:ext cx="751487" cy="276999"/>
-          </a:xfrm>
-          <a:prstGeom prst="rect">
-            <a:avLst/>
-          </a:prstGeom>
-        </p:spPr>
-        <p:style>
-          <a:lnRef idx="2">
-            <a:schemeClr val="accent6"/>
-          </a:lnRef>
-          <a:fillRef idx="1">
-            <a:schemeClr val="lt1"/>
-          </a:fillRef>
-          <a:effectRef idx="0">
-            <a:schemeClr val="accent6"/>
-          </a:effectRef>
-          <a:fontRef idx="minor">
-            <a:schemeClr val="dk1"/>
-          </a:fontRef>
-        </p:style>
-        <p:txBody>
-          <a:bodyPr wrap="square" rtlCol="0">
-            <a:spAutoFit/>
-          </a:bodyPr>
-          <a:lstStyle/>
-          <a:p>
-            <a:pPr algn="ctr"/>
-            <a:r>
-              <a:rPr kumimoji="1" lang="ko-Kore-KR" altLang="en-US" sz="1200" dirty="0"/>
-              <a:t>요청</a:t>
-            </a:r>
-          </a:p>
-        </p:txBody>
-      </p:sp>
-      <p:sp>
-        <p:nvSpPr>
-          <p:cNvPr id="57" name="TextBox 56">
-            <a:extLst>
-              <a:ext uri="{FF2B5EF4-FFF2-40B4-BE49-F238E27FC236}">
-                <a16:creationId xmlns:a16="http://schemas.microsoft.com/office/drawing/2014/main" id="{CD63719D-B09B-6E1F-70A3-DB387E16018A}"/>
-              </a:ext>
-            </a:extLst>
-          </p:cNvPr>
-          <p:cNvSpPr txBox="1"/>
-          <p:nvPr/>
-        </p:nvSpPr>
-        <p:spPr>
-          <a:xfrm>
-            <a:off x="7064527" y="4934339"/>
-            <a:ext cx="751487" cy="276999"/>
-          </a:xfrm>
-          <a:prstGeom prst="rect">
-            <a:avLst/>
-          </a:prstGeom>
-        </p:spPr>
-        <p:style>
-          <a:lnRef idx="2">
-            <a:schemeClr val="accent2"/>
-          </a:lnRef>
-          <a:fillRef idx="1">
-            <a:schemeClr val="lt1"/>
-          </a:fillRef>
-          <a:effectRef idx="0">
-            <a:schemeClr val="accent2"/>
-          </a:effectRef>
-          <a:fontRef idx="minor">
-            <a:schemeClr val="dk1"/>
-          </a:fontRef>
-        </p:style>
-        <p:txBody>
-          <a:bodyPr wrap="square" rtlCol="0">
-            <a:spAutoFit/>
-          </a:bodyPr>
-          <a:lstStyle/>
-          <a:p>
-            <a:pPr algn="ctr"/>
-            <a:r>
-              <a:rPr kumimoji="1" lang="ko-KR" altLang="en-US" sz="1200" dirty="0"/>
-              <a:t>응답</a:t>
-            </a:r>
-            <a:endParaRPr kumimoji="1" lang="en-US" altLang="ko-KR" sz="1200" dirty="0"/>
-          </a:p>
-        </p:txBody>
-      </p:sp>
-      <p:sp>
-        <p:nvSpPr>
-          <p:cNvPr id="58" name="직사각형 57">
-            <a:extLst>
-              <a:ext uri="{FF2B5EF4-FFF2-40B4-BE49-F238E27FC236}">
-                <a16:creationId xmlns:a16="http://schemas.microsoft.com/office/drawing/2014/main" id="{8A638C52-2E4C-13E0-ABB7-C038812B2A45}"/>
-              </a:ext>
-            </a:extLst>
-          </p:cNvPr>
-          <p:cNvSpPr/>
-          <p:nvPr/>
-        </p:nvSpPr>
-        <p:spPr>
-          <a:xfrm>
-            <a:off x="6741915" y="4233629"/>
-            <a:ext cx="1440342" cy="305687"/>
-          </a:xfrm>
-          <a:prstGeom prst="rect">
+            <a:off x="4740941" y="1734878"/>
+            <a:ext cx="928576" cy="5161223"/>
+          </a:xfrm>
+          <a:prstGeom prst="mathMultiply">
             <a:avLst/>
           </a:prstGeom>
           <a:solidFill>
-            <a:srgbClr val="FDA9F7"/>
-          </a:solidFill>
-          <a:ln>
-            <a:solidFill>
-              <a:srgbClr val="FDA9F7"/>
-            </a:solidFill>
-          </a:ln>
-        </p:spPr>
-        <p:style>
-          <a:lnRef idx="1">
-            <a:schemeClr val="accent2"/>
-          </a:lnRef>
-          <a:fillRef idx="2">
-            <a:schemeClr val="accent2"/>
-          </a:fillRef>
-          <a:effectRef idx="1">
-            <a:schemeClr val="accent2"/>
-          </a:effectRef>
-          <a:fontRef idx="minor">
-            <a:schemeClr val="dk1"/>
-          </a:fontRef>
-        </p:style>
-        <p:txBody>
-          <a:bodyPr rtlCol="0" anchor="ctr"/>
-          <a:lstStyle/>
-          <a:p>
-            <a:pPr algn="ctr"/>
-            <a:r>
-              <a:rPr kumimoji="1" lang="en-US" altLang="ko-Kore-KR" dirty="0">
-                <a:solidFill>
-                  <a:schemeClr val="bg1"/>
-                </a:solidFill>
-              </a:rPr>
-              <a:t>HTTP </a:t>
-            </a:r>
-            <a:r>
-              <a:rPr kumimoji="1" lang="ko-Kore-KR" altLang="en-US" dirty="0">
-                <a:solidFill>
-                  <a:schemeClr val="bg1"/>
-                </a:solidFill>
-              </a:rPr>
-              <a:t>통신</a:t>
-            </a:r>
-          </a:p>
-        </p:txBody>
-      </p:sp>
-      <p:sp>
-        <p:nvSpPr>
-          <p:cNvPr id="68" name="타원 67">
-            <a:extLst>
-              <a:ext uri="{FF2B5EF4-FFF2-40B4-BE49-F238E27FC236}">
-                <a16:creationId xmlns:a16="http://schemas.microsoft.com/office/drawing/2014/main" id="{31C01CE4-EFE1-D6F2-1B29-7A0EC73B4AD9}"/>
-              </a:ext>
-            </a:extLst>
-          </p:cNvPr>
-          <p:cNvSpPr/>
-          <p:nvPr/>
-        </p:nvSpPr>
-        <p:spPr>
-          <a:xfrm>
-            <a:off x="2487502" y="3806716"/>
-            <a:ext cx="1696298" cy="931240"/>
-          </a:xfrm>
-          <a:prstGeom prst="ellipse">
-            <a:avLst/>
-          </a:prstGeom>
-          <a:noFill/>
-          <a:ln>
-            <a:solidFill>
-              <a:srgbClr val="FF00A8"/>
-            </a:solidFill>
-          </a:ln>
-        </p:spPr>
-        <p:style>
-          <a:lnRef idx="2">
-            <a:schemeClr val="accent1">
-              <a:shade val="50000"/>
-            </a:schemeClr>
-          </a:lnRef>
-          <a:fillRef idx="1">
-            <a:schemeClr val="accent1"/>
-          </a:fillRef>
-          <a:effectRef idx="0">
-            <a:schemeClr val="accent1"/>
-          </a:effectRef>
-          <a:fontRef idx="minor">
-            <a:schemeClr val="lt1"/>
-          </a:fontRef>
-        </p:style>
-        <p:txBody>
-          <a:bodyPr rtlCol="0" anchor="ctr"/>
-          <a:lstStyle/>
-          <a:p>
-            <a:pPr algn="ctr"/>
-            <a:endParaRPr kumimoji="1" lang="ko-Kore-KR" altLang="en-US"/>
-          </a:p>
-        </p:txBody>
-      </p:sp>
-      <p:sp>
-        <p:nvSpPr>
-          <p:cNvPr id="69" name="직사각형 68">
-            <a:extLst>
-              <a:ext uri="{FF2B5EF4-FFF2-40B4-BE49-F238E27FC236}">
-                <a16:creationId xmlns:a16="http://schemas.microsoft.com/office/drawing/2014/main" id="{690C8CC3-5158-8A46-4EEB-098C4D716EF6}"/>
-              </a:ext>
-            </a:extLst>
-          </p:cNvPr>
-          <p:cNvSpPr/>
-          <p:nvPr/>
-        </p:nvSpPr>
-        <p:spPr>
-          <a:xfrm>
-            <a:off x="2591372" y="5141394"/>
-            <a:ext cx="2055514" cy="305687"/>
-          </a:xfrm>
-          <a:prstGeom prst="rect">
-            <a:avLst/>
-          </a:prstGeom>
-          <a:solidFill>
-            <a:schemeClr val="bg1"/>
+            <a:srgbClr val="FF00A8"/>
           </a:solidFill>
           <a:ln>
             <a:solidFill>
@@ -7338,17 +6409,19 @@
           </a:ln>
         </p:spPr>
         <p:style>
-          <a:lnRef idx="1">
-            <a:schemeClr val="accent2"/>
-          </a:lnRef>
-          <a:fillRef idx="2">
-            <a:schemeClr val="accent2"/>
-          </a:fillRef>
-          <a:effectRef idx="1">
-            <a:schemeClr val="accent2"/>
-          </a:effectRef>
-          <a:fontRef idx="minor">
-            <a:schemeClr val="dk1"/>
+          <a:lnRef idx="2">
+            <a:schemeClr val="accent1">
+              <a:shade val="50000"/>
+            </a:schemeClr>
+          </a:lnRef>
+          <a:fillRef idx="1">
+            <a:schemeClr val="accent1"/>
+          </a:fillRef>
+          <a:effectRef idx="0">
+            <a:schemeClr val="accent1"/>
+          </a:effectRef>
+          <a:fontRef idx="minor">
+            <a:schemeClr val="lt1"/>
           </a:fontRef>
         </p:style>
         <p:txBody>
@@ -7356,68 +6429,14 @@
           <a:lstStyle/>
           <a:p>
             <a:pPr algn="ctr"/>
-            <a:r>
-              <a:rPr kumimoji="1" lang="ko-Kore-KR" altLang="en-US" sz="1400" dirty="0"/>
-              <a:t>자동</a:t>
-            </a:r>
-            <a:r>
-              <a:rPr kumimoji="1" lang="ko-KR" altLang="en-US" sz="1400" dirty="0"/>
-              <a:t> 다운로드</a:t>
-            </a:r>
-            <a:endParaRPr kumimoji="1" lang="ko-Kore-KR" altLang="en-US" sz="1400" dirty="0"/>
-          </a:p>
-        </p:txBody>
-      </p:sp>
-      <p:cxnSp>
-        <p:nvCxnSpPr>
-          <p:cNvPr id="70" name="직선 화살표 연결선 69">
-            <a:extLst>
-              <a:ext uri="{FF2B5EF4-FFF2-40B4-BE49-F238E27FC236}">
-                <a16:creationId xmlns:a16="http://schemas.microsoft.com/office/drawing/2014/main" id="{E95D8EBB-2F6F-CC97-9254-614B8ACBF667}"/>
-              </a:ext>
-            </a:extLst>
-          </p:cNvPr>
-          <p:cNvCxnSpPr>
-            <a:cxnSpLocks/>
-            <a:stCxn id="69" idx="0"/>
-            <a:endCxn id="68" idx="4"/>
-          </p:cNvCxnSpPr>
-          <p:nvPr/>
-        </p:nvCxnSpPr>
-        <p:spPr>
-          <a:xfrm flipH="1" flipV="1">
-            <a:off x="3335651" y="4737956"/>
-            <a:ext cx="283478" cy="403438"/>
-          </a:xfrm>
-          <a:prstGeom prst="straightConnector1">
-            <a:avLst/>
-          </a:prstGeom>
-          <a:ln>
-            <a:solidFill>
-              <a:srgbClr val="FDA9F7"/>
-            </a:solidFill>
-            <a:tailEnd type="triangle"/>
-          </a:ln>
-        </p:spPr>
-        <p:style>
-          <a:lnRef idx="3">
-            <a:schemeClr val="accent2"/>
-          </a:lnRef>
-          <a:fillRef idx="0">
-            <a:schemeClr val="accent2"/>
-          </a:fillRef>
-          <a:effectRef idx="2">
-            <a:schemeClr val="accent2"/>
-          </a:effectRef>
-          <a:fontRef idx="minor">
-            <a:schemeClr val="tx1"/>
-          </a:fontRef>
-        </p:style>
-      </p:cxnSp>
+            <a:endParaRPr kumimoji="1" lang="ko-Kore-KR" altLang="en-US"/>
+          </a:p>
+        </p:txBody>
+      </p:sp>
     </p:spTree>
     <p:extLst>
       <p:ext uri="{BB962C8B-B14F-4D97-AF65-F5344CB8AC3E}">
-        <p14:creationId xmlns:p14="http://schemas.microsoft.com/office/powerpoint/2010/main" val="3194018062"/>
+        <p14:creationId xmlns:p14="http://schemas.microsoft.com/office/powerpoint/2010/main" val="3472595327"/>
       </p:ext>
     </p:extLst>
   </p:cSld>
@@ -7449,7 +6468,7 @@
           <p:cNvPr id="2" name="직사각형 1">
             <a:extLst>
               <a:ext uri="{FF2B5EF4-FFF2-40B4-BE49-F238E27FC236}">
-                <a16:creationId xmlns:a16="http://schemas.microsoft.com/office/drawing/2014/main" id="{C56D856E-74AB-87EA-7AE3-ABADE849CF2F}"/>
+                <a16:creationId xmlns:a16="http://schemas.microsoft.com/office/drawing/2014/main" id="{A8023834-141E-27CB-0CF3-93F41A0DD810}"/>
               </a:ext>
             </a:extLst>
           </p:cNvPr>
@@ -7458,8 +6477,8 @@
         </p:nvSpPr>
         <p:spPr>
           <a:xfrm>
-            <a:off x="1485393" y="1221469"/>
-            <a:ext cx="1488558" cy="499730"/>
+            <a:off x="5026873" y="4025461"/>
+            <a:ext cx="1584252" cy="824023"/>
           </a:xfrm>
           <a:prstGeom prst="rect">
             <a:avLst/>
@@ -7488,7 +6507,7 @@
             <a:pPr algn="ctr"/>
             <a:r>
               <a:rPr kumimoji="1" lang="en-US" altLang="ko-Kore-KR" dirty="0"/>
-              <a:t>C App</a:t>
+              <a:t>Stub</a:t>
             </a:r>
             <a:endParaRPr kumimoji="1" lang="ko-Kore-KR" altLang="en-US" dirty="0"/>
           </a:p>
@@ -7496,10 +6515,10 @@
       </p:sp>
       <p:sp>
         <p:nvSpPr>
-          <p:cNvPr id="3" name="직사각형 2">
-            <a:extLst>
-              <a:ext uri="{FF2B5EF4-FFF2-40B4-BE49-F238E27FC236}">
-                <a16:creationId xmlns:a16="http://schemas.microsoft.com/office/drawing/2014/main" id="{C79B2291-2C83-E7A0-6EEF-2F1453B8B454}"/>
+          <p:cNvPr id="4" name="직사각형 3">
+            <a:extLst>
+              <a:ext uri="{FF2B5EF4-FFF2-40B4-BE49-F238E27FC236}">
+                <a16:creationId xmlns:a16="http://schemas.microsoft.com/office/drawing/2014/main" id="{05A0BE61-8F5C-EF19-CD58-060BBFCEADD9}"/>
               </a:ext>
             </a:extLst>
           </p:cNvPr>
@@ -7508,8 +6527,8 @@
         </p:nvSpPr>
         <p:spPr>
           <a:xfrm>
-            <a:off x="1485393" y="3081572"/>
-            <a:ext cx="1488558" cy="499730"/>
+            <a:off x="8313048" y="4025461"/>
+            <a:ext cx="1584252" cy="824023"/>
           </a:xfrm>
           <a:prstGeom prst="rect">
             <a:avLst/>
@@ -7538,7 +6557,14 @@
             <a:pPr algn="ctr"/>
             <a:r>
               <a:rPr kumimoji="1" lang="en-US" altLang="ko-Kore-KR" dirty="0"/>
-              <a:t>Java App</a:t>
+              <a:t>Web</a:t>
+            </a:r>
+          </a:p>
+          <a:p>
+            <a:pPr algn="ctr"/>
+            <a:r>
+              <a:rPr kumimoji="1" lang="en-US" altLang="ko-Kore-KR" dirty="0"/>
+              <a:t>Server</a:t>
             </a:r>
             <a:endParaRPr kumimoji="1" lang="ko-Kore-KR" altLang="en-US" dirty="0"/>
           </a:p>
@@ -7546,10 +6572,10 @@
       </p:sp>
       <p:sp>
         <p:nvSpPr>
-          <p:cNvPr id="4" name="직사각형 3">
-            <a:extLst>
-              <a:ext uri="{FF2B5EF4-FFF2-40B4-BE49-F238E27FC236}">
-                <a16:creationId xmlns:a16="http://schemas.microsoft.com/office/drawing/2014/main" id="{0A052581-B081-8312-37C7-A87E49BC972A}"/>
+          <p:cNvPr id="5" name="직사각형 4">
+            <a:extLst>
+              <a:ext uri="{FF2B5EF4-FFF2-40B4-BE49-F238E27FC236}">
+                <a16:creationId xmlns:a16="http://schemas.microsoft.com/office/drawing/2014/main" id="{CFBA4681-BD86-2803-7E64-5C79DFBE0DBA}"/>
               </a:ext>
             </a:extLst>
           </p:cNvPr>
@@ -7558,8 +6584,8 @@
         </p:nvSpPr>
         <p:spPr>
           <a:xfrm>
-            <a:off x="1485394" y="4178250"/>
-            <a:ext cx="1488558" cy="499730"/>
+            <a:off x="903767" y="467833"/>
+            <a:ext cx="1584252" cy="824023"/>
           </a:xfrm>
           <a:prstGeom prst="rect">
             <a:avLst/>
@@ -7588,26 +6614,68 @@
             <a:pPr algn="ctr"/>
             <a:r>
               <a:rPr kumimoji="1" lang="en-US" altLang="ko-Kore-KR" dirty="0"/>
-              <a:t>C##</a:t>
-            </a:r>
-            <a:r>
-              <a:rPr kumimoji="1" lang="ko-KR" altLang="en-US" dirty="0"/>
-              <a:t> </a:t>
-            </a:r>
-            <a:r>
-              <a:rPr kumimoji="1" lang="en-US" altLang="ko-KR" dirty="0"/>
-              <a:t>App</a:t>
+              <a:t>EJB</a:t>
+            </a:r>
+          </a:p>
+          <a:p>
+            <a:pPr algn="ctr"/>
+            <a:r>
+              <a:rPr kumimoji="1" lang="en-US" altLang="ko-Kore-KR" dirty="0"/>
+              <a:t>CORBA</a:t>
             </a:r>
             <a:endParaRPr kumimoji="1" lang="ko-Kore-KR" altLang="en-US" dirty="0"/>
           </a:p>
         </p:txBody>
       </p:sp>
-      <p:sp>
-        <p:nvSpPr>
-          <p:cNvPr id="5" name="직사각형 4">
-            <a:extLst>
-              <a:ext uri="{FF2B5EF4-FFF2-40B4-BE49-F238E27FC236}">
-                <a16:creationId xmlns:a16="http://schemas.microsoft.com/office/drawing/2014/main" id="{37A823F9-BAA7-62D2-0F20-3E1647660757}"/>
+      <p:cxnSp>
+        <p:nvCxnSpPr>
+          <p:cNvPr id="6" name="직선 화살표 연결선 5">
+            <a:extLst>
+              <a:ext uri="{FF2B5EF4-FFF2-40B4-BE49-F238E27FC236}">
+                <a16:creationId xmlns:a16="http://schemas.microsoft.com/office/drawing/2014/main" id="{10255691-F391-B6A7-9540-5681BA960729}"/>
+              </a:ext>
+            </a:extLst>
+          </p:cNvPr>
+          <p:cNvCxnSpPr>
+            <a:cxnSpLocks/>
+            <a:stCxn id="5" idx="3"/>
+            <a:endCxn id="10" idx="1"/>
+          </p:cNvCxnSpPr>
+          <p:nvPr/>
+        </p:nvCxnSpPr>
+        <p:spPr>
+          <a:xfrm flipV="1">
+            <a:off x="2488019" y="879844"/>
+            <a:ext cx="5516524" cy="1"/>
+          </a:xfrm>
+          <a:prstGeom prst="straightConnector1">
+            <a:avLst/>
+          </a:prstGeom>
+          <a:ln>
+            <a:tailEnd type="triangle"/>
+          </a:ln>
+        </p:spPr>
+        <p:style>
+          <a:lnRef idx="3">
+            <a:schemeClr val="accent1"/>
+          </a:lnRef>
+          <a:fillRef idx="0">
+            <a:schemeClr val="accent1"/>
+          </a:fillRef>
+          <a:effectRef idx="2">
+            <a:schemeClr val="accent1"/>
+          </a:effectRef>
+          <a:fontRef idx="minor">
+            <a:schemeClr val="tx1"/>
+          </a:fontRef>
+        </p:style>
+      </p:cxnSp>
+      <p:sp>
+        <p:nvSpPr>
+          <p:cNvPr id="10" name="직사각형 9">
+            <a:extLst>
+              <a:ext uri="{FF2B5EF4-FFF2-40B4-BE49-F238E27FC236}">
+                <a16:creationId xmlns:a16="http://schemas.microsoft.com/office/drawing/2014/main" id="{944F5966-D35F-3A96-7BDE-5B5DED17AF03}"/>
               </a:ext>
             </a:extLst>
           </p:cNvPr>
@@ -7616,7 +6684,7 @@
         </p:nvSpPr>
         <p:spPr>
           <a:xfrm>
-            <a:off x="5561159" y="1160871"/>
+            <a:off x="8004543" y="467832"/>
             <a:ext cx="1584252" cy="824023"/>
           </a:xfrm>
           <a:prstGeom prst="rect">
@@ -7653,36 +6721,720 @@
             <a:pPr algn="ctr"/>
             <a:r>
               <a:rPr kumimoji="1" lang="en-US" altLang="ko-Kore-KR" dirty="0"/>
-              <a:t>Server</a:t>
+              <a:t>Service</a:t>
             </a:r>
             <a:endParaRPr kumimoji="1" lang="ko-Kore-KR" altLang="en-US" dirty="0"/>
+          </a:p>
+        </p:txBody>
+      </p:sp>
+      <p:sp>
+        <p:nvSpPr>
+          <p:cNvPr id="12" name="TextBox 11">
+            <a:extLst>
+              <a:ext uri="{FF2B5EF4-FFF2-40B4-BE49-F238E27FC236}">
+                <a16:creationId xmlns:a16="http://schemas.microsoft.com/office/drawing/2014/main" id="{19C5F7FA-0EB9-D89B-33BA-836C461B613E}"/>
+              </a:ext>
+            </a:extLst>
+          </p:cNvPr>
+          <p:cNvSpPr txBox="1"/>
+          <p:nvPr/>
+        </p:nvSpPr>
+        <p:spPr>
+          <a:xfrm>
+            <a:off x="3946265" y="438951"/>
+            <a:ext cx="2375783" cy="338554"/>
+          </a:xfrm>
+          <a:prstGeom prst="rect">
+            <a:avLst/>
+          </a:prstGeom>
+        </p:spPr>
+        <p:style>
+          <a:lnRef idx="2">
+            <a:schemeClr val="accent5"/>
+          </a:lnRef>
+          <a:fillRef idx="1">
+            <a:schemeClr val="lt1"/>
+          </a:fillRef>
+          <a:effectRef idx="0">
+            <a:schemeClr val="accent5"/>
+          </a:effectRef>
+          <a:fontRef idx="minor">
+            <a:schemeClr val="dk1"/>
+          </a:fontRef>
+        </p:style>
+        <p:txBody>
+          <a:bodyPr wrap="square" rtlCol="0">
+            <a:spAutoFit/>
+          </a:bodyPr>
+          <a:lstStyle/>
+          <a:p>
+            <a:pPr algn="ctr"/>
+            <a:r>
+              <a:rPr kumimoji="1" lang="ko-Kore-KR" altLang="en-US" sz="1600" dirty="0"/>
+              <a:t>웹</a:t>
+            </a:r>
+            <a:r>
+              <a:rPr kumimoji="1" lang="ko-KR" altLang="en-US" sz="1600" dirty="0"/>
+              <a:t> 통신 </a:t>
+            </a:r>
+            <a:r>
+              <a:rPr kumimoji="1" lang="en-US" altLang="ko-KR" sz="1600" dirty="0"/>
+              <a:t>+</a:t>
+            </a:r>
+            <a:r>
+              <a:rPr kumimoji="1" lang="ko-KR" altLang="en-US" sz="1600" dirty="0"/>
+              <a:t> </a:t>
+            </a:r>
+            <a:r>
+              <a:rPr kumimoji="1" lang="en-US" altLang="ko-KR" sz="1600" dirty="0"/>
+              <a:t>XML</a:t>
+            </a:r>
+            <a:endParaRPr kumimoji="1" lang="ko-Kore-KR" altLang="en-US" sz="1600" dirty="0"/>
+          </a:p>
+        </p:txBody>
+      </p:sp>
+      <p:sp>
+        <p:nvSpPr>
+          <p:cNvPr id="14" name="한쪽 모서리가 잘린 사각형 13">
+            <a:extLst>
+              <a:ext uri="{FF2B5EF4-FFF2-40B4-BE49-F238E27FC236}">
+                <a16:creationId xmlns:a16="http://schemas.microsoft.com/office/drawing/2014/main" id="{8659E860-50FE-C59D-A919-1CCA68EC8412}"/>
+              </a:ext>
+            </a:extLst>
+          </p:cNvPr>
+          <p:cNvSpPr/>
+          <p:nvPr/>
+        </p:nvSpPr>
+        <p:spPr>
+          <a:xfrm>
+            <a:off x="681082" y="2478055"/>
+            <a:ext cx="1222744" cy="1304114"/>
+          </a:xfrm>
+          <a:prstGeom prst="snip1Rect">
+            <a:avLst/>
+          </a:prstGeom>
+        </p:spPr>
+        <p:style>
+          <a:lnRef idx="2">
+            <a:schemeClr val="accent1">
+              <a:shade val="50000"/>
+            </a:schemeClr>
+          </a:lnRef>
+          <a:fillRef idx="1">
+            <a:schemeClr val="accent1"/>
+          </a:fillRef>
+          <a:effectRef idx="0">
+            <a:schemeClr val="accent1"/>
+          </a:effectRef>
+          <a:fontRef idx="minor">
+            <a:schemeClr val="lt1"/>
+          </a:fontRef>
+        </p:style>
+        <p:txBody>
+          <a:bodyPr rtlCol="0" anchor="ctr"/>
+          <a:lstStyle/>
+          <a:p>
+            <a:pPr algn="ctr"/>
+            <a:r>
+              <a:rPr kumimoji="1" lang="en-US" altLang="ko-Kore-KR" dirty="0"/>
+              <a:t>WSDL</a:t>
+            </a:r>
+          </a:p>
+          <a:p>
+            <a:pPr algn="ctr"/>
+            <a:r>
+              <a:rPr kumimoji="1" lang="ko-KR" altLang="en-US" sz="1100" dirty="0"/>
+              <a:t>호출할 수 있는 원격 객체의 </a:t>
+            </a:r>
+            <a:endParaRPr kumimoji="1" lang="en-US" altLang="ko-KR" sz="1100" dirty="0"/>
+          </a:p>
+          <a:p>
+            <a:pPr algn="ctr"/>
+            <a:r>
+              <a:rPr kumimoji="1" lang="ko-KR" altLang="en-US" sz="1100" dirty="0"/>
+              <a:t>메서드 정보</a:t>
+            </a:r>
+            <a:endParaRPr kumimoji="1" lang="ko-Kore-KR" altLang="en-US" sz="1100" dirty="0"/>
           </a:p>
         </p:txBody>
       </p:sp>
       <p:cxnSp>
         <p:nvCxnSpPr>
-          <p:cNvPr id="6" name="구부러진 연결선[U] 5">
-            <a:extLst>
-              <a:ext uri="{FF2B5EF4-FFF2-40B4-BE49-F238E27FC236}">
-                <a16:creationId xmlns:a16="http://schemas.microsoft.com/office/drawing/2014/main" id="{007AD691-BA2B-AC62-488E-1B53C6819EB8}"/>
+          <p:cNvPr id="15" name="직선 연결선[R] 14">
+            <a:extLst>
+              <a:ext uri="{FF2B5EF4-FFF2-40B4-BE49-F238E27FC236}">
+                <a16:creationId xmlns:a16="http://schemas.microsoft.com/office/drawing/2014/main" id="{4B2A54B9-A644-0AD3-F939-D0242FCD82AF}"/>
+              </a:ext>
+            </a:extLst>
+          </p:cNvPr>
+          <p:cNvCxnSpPr>
+            <a:cxnSpLocks/>
+          </p:cNvCxnSpPr>
+          <p:nvPr/>
+        </p:nvCxnSpPr>
+        <p:spPr>
+          <a:xfrm flipH="1">
+            <a:off x="2111754" y="1870314"/>
+            <a:ext cx="7394" cy="3107274"/>
+          </a:xfrm>
+          <a:prstGeom prst="line">
+            <a:avLst/>
+          </a:prstGeom>
+        </p:spPr>
+        <p:style>
+          <a:lnRef idx="3">
+            <a:schemeClr val="accent5"/>
+          </a:lnRef>
+          <a:fillRef idx="0">
+            <a:schemeClr val="accent5"/>
+          </a:fillRef>
+          <a:effectRef idx="2">
+            <a:schemeClr val="accent5"/>
+          </a:effectRef>
+          <a:fontRef idx="minor">
+            <a:schemeClr val="tx1"/>
+          </a:fontRef>
+        </p:style>
+      </p:cxnSp>
+      <p:cxnSp>
+        <p:nvCxnSpPr>
+          <p:cNvPr id="16" name="직선 연결선[R] 15">
+            <a:extLst>
+              <a:ext uri="{FF2B5EF4-FFF2-40B4-BE49-F238E27FC236}">
+                <a16:creationId xmlns:a16="http://schemas.microsoft.com/office/drawing/2014/main" id="{49240E5E-81BA-3AEA-A8F3-409866487039}"/>
+              </a:ext>
+            </a:extLst>
+          </p:cNvPr>
+          <p:cNvCxnSpPr>
+            <a:cxnSpLocks/>
+          </p:cNvCxnSpPr>
+          <p:nvPr/>
+        </p:nvCxnSpPr>
+        <p:spPr>
+          <a:xfrm flipH="1">
+            <a:off x="4623064" y="1870314"/>
+            <a:ext cx="23822" cy="3107274"/>
+          </a:xfrm>
+          <a:prstGeom prst="line">
+            <a:avLst/>
+          </a:prstGeom>
+        </p:spPr>
+        <p:style>
+          <a:lnRef idx="3">
+            <a:schemeClr val="accent5"/>
+          </a:lnRef>
+          <a:fillRef idx="0">
+            <a:schemeClr val="accent5"/>
+          </a:fillRef>
+          <a:effectRef idx="2">
+            <a:schemeClr val="accent5"/>
+          </a:effectRef>
+          <a:fontRef idx="minor">
+            <a:schemeClr val="tx1"/>
+          </a:fontRef>
+        </p:style>
+      </p:cxnSp>
+      <p:sp>
+        <p:nvSpPr>
+          <p:cNvPr id="17" name="TextBox 16">
+            <a:extLst>
+              <a:ext uri="{FF2B5EF4-FFF2-40B4-BE49-F238E27FC236}">
+                <a16:creationId xmlns:a16="http://schemas.microsoft.com/office/drawing/2014/main" id="{1CED971A-A6FD-0CB8-A2F2-935CE12A9F24}"/>
+              </a:ext>
+            </a:extLst>
+          </p:cNvPr>
+          <p:cNvSpPr txBox="1"/>
+          <p:nvPr/>
+        </p:nvSpPr>
+        <p:spPr>
+          <a:xfrm>
+            <a:off x="1743400" y="1774890"/>
+            <a:ext cx="751487" cy="307777"/>
+          </a:xfrm>
+          <a:prstGeom prst="rect">
+            <a:avLst/>
+          </a:prstGeom>
+        </p:spPr>
+        <p:style>
+          <a:lnRef idx="2">
+            <a:schemeClr val="accent5"/>
+          </a:lnRef>
+          <a:fillRef idx="1">
+            <a:schemeClr val="lt1"/>
+          </a:fillRef>
+          <a:effectRef idx="0">
+            <a:schemeClr val="accent5"/>
+          </a:effectRef>
+          <a:fontRef idx="minor">
+            <a:schemeClr val="dk1"/>
+          </a:fontRef>
+        </p:style>
+        <p:txBody>
+          <a:bodyPr wrap="square" rtlCol="0">
+            <a:spAutoFit/>
+          </a:bodyPr>
+          <a:lstStyle/>
+          <a:p>
+            <a:pPr algn="ctr"/>
+            <a:r>
+              <a:rPr kumimoji="1" lang="en-US" altLang="ko-Kore-KR" sz="1400" dirty="0"/>
+              <a:t>Client</a:t>
+            </a:r>
+            <a:endParaRPr kumimoji="1" lang="ko-Kore-KR" altLang="en-US" sz="1400" dirty="0"/>
+          </a:p>
+        </p:txBody>
+      </p:sp>
+      <p:sp>
+        <p:nvSpPr>
+          <p:cNvPr id="18" name="TextBox 17">
+            <a:extLst>
+              <a:ext uri="{FF2B5EF4-FFF2-40B4-BE49-F238E27FC236}">
+                <a16:creationId xmlns:a16="http://schemas.microsoft.com/office/drawing/2014/main" id="{984F85A1-8F8E-7B03-7D8E-37731F1F13F3}"/>
+              </a:ext>
+            </a:extLst>
+          </p:cNvPr>
+          <p:cNvSpPr txBox="1"/>
+          <p:nvPr/>
+        </p:nvSpPr>
+        <p:spPr>
+          <a:xfrm>
+            <a:off x="4275386" y="1562536"/>
+            <a:ext cx="751487" cy="523220"/>
+          </a:xfrm>
+          <a:prstGeom prst="rect">
+            <a:avLst/>
+          </a:prstGeom>
+        </p:spPr>
+        <p:style>
+          <a:lnRef idx="2">
+            <a:schemeClr val="accent5"/>
+          </a:lnRef>
+          <a:fillRef idx="1">
+            <a:schemeClr val="lt1"/>
+          </a:fillRef>
+          <a:effectRef idx="0">
+            <a:schemeClr val="accent5"/>
+          </a:effectRef>
+          <a:fontRef idx="minor">
+            <a:schemeClr val="dk1"/>
+          </a:fontRef>
+        </p:style>
+        <p:txBody>
+          <a:bodyPr wrap="square" rtlCol="0">
+            <a:spAutoFit/>
+          </a:bodyPr>
+          <a:lstStyle/>
+          <a:p>
+            <a:pPr algn="ctr"/>
+            <a:r>
+              <a:rPr kumimoji="1" lang="en-US" altLang="ko-Kore-KR" sz="1400" dirty="0"/>
+              <a:t>Web</a:t>
+            </a:r>
+          </a:p>
+          <a:p>
+            <a:pPr algn="ctr"/>
+            <a:r>
+              <a:rPr kumimoji="1" lang="en-US" altLang="ko-Kore-KR" sz="1400" dirty="0"/>
+              <a:t>Server</a:t>
+            </a:r>
+            <a:endParaRPr kumimoji="1" lang="ko-Kore-KR" altLang="en-US" sz="1400" dirty="0"/>
+          </a:p>
+        </p:txBody>
+      </p:sp>
+      <p:cxnSp>
+        <p:nvCxnSpPr>
+          <p:cNvPr id="19" name="직선 화살표 연결선 18">
+            <a:extLst>
+              <a:ext uri="{FF2B5EF4-FFF2-40B4-BE49-F238E27FC236}">
+                <a16:creationId xmlns:a16="http://schemas.microsoft.com/office/drawing/2014/main" id="{52182A76-7260-6FCD-4952-C7815DCE0E1C}"/>
+              </a:ext>
+            </a:extLst>
+          </p:cNvPr>
+          <p:cNvCxnSpPr/>
+          <p:nvPr/>
+        </p:nvCxnSpPr>
+        <p:spPr>
+          <a:xfrm>
+            <a:off x="2119147" y="2343280"/>
+            <a:ext cx="2527739" cy="0"/>
+          </a:xfrm>
+          <a:prstGeom prst="straightConnector1">
+            <a:avLst/>
+          </a:prstGeom>
+          <a:ln>
+            <a:tailEnd type="triangle"/>
+          </a:ln>
+        </p:spPr>
+        <p:style>
+          <a:lnRef idx="3">
+            <a:schemeClr val="accent6"/>
+          </a:lnRef>
+          <a:fillRef idx="0">
+            <a:schemeClr val="accent6"/>
+          </a:fillRef>
+          <a:effectRef idx="2">
+            <a:schemeClr val="accent6"/>
+          </a:effectRef>
+          <a:fontRef idx="minor">
+            <a:schemeClr val="tx1"/>
+          </a:fontRef>
+        </p:style>
+      </p:cxnSp>
+      <p:cxnSp>
+        <p:nvCxnSpPr>
+          <p:cNvPr id="21" name="직선 화살표 연결선 20">
+            <a:extLst>
+              <a:ext uri="{FF2B5EF4-FFF2-40B4-BE49-F238E27FC236}">
+                <a16:creationId xmlns:a16="http://schemas.microsoft.com/office/drawing/2014/main" id="{10BE0829-AA30-2D2D-2476-B008F21FE00A}"/>
+              </a:ext>
+            </a:extLst>
+          </p:cNvPr>
+          <p:cNvCxnSpPr/>
+          <p:nvPr/>
+        </p:nvCxnSpPr>
+        <p:spPr>
+          <a:xfrm flipH="1">
+            <a:off x="2111756" y="2835267"/>
+            <a:ext cx="2527739" cy="0"/>
+          </a:xfrm>
+          <a:prstGeom prst="straightConnector1">
+            <a:avLst/>
+          </a:prstGeom>
+          <a:ln>
+            <a:tailEnd type="triangle"/>
+          </a:ln>
+        </p:spPr>
+        <p:style>
+          <a:lnRef idx="3">
+            <a:schemeClr val="accent2"/>
+          </a:lnRef>
+          <a:fillRef idx="0">
+            <a:schemeClr val="accent2"/>
+          </a:fillRef>
+          <a:effectRef idx="2">
+            <a:schemeClr val="accent2"/>
+          </a:effectRef>
+          <a:fontRef idx="minor">
+            <a:schemeClr val="tx1"/>
+          </a:fontRef>
+        </p:style>
+      </p:cxnSp>
+      <p:cxnSp>
+        <p:nvCxnSpPr>
+          <p:cNvPr id="22" name="직선 화살표 연결선 21">
+            <a:extLst>
+              <a:ext uri="{FF2B5EF4-FFF2-40B4-BE49-F238E27FC236}">
+                <a16:creationId xmlns:a16="http://schemas.microsoft.com/office/drawing/2014/main" id="{B6C2CB38-E37E-0026-B4A9-EE1DA2CCE1DD}"/>
+              </a:ext>
+            </a:extLst>
+          </p:cNvPr>
+          <p:cNvCxnSpPr/>
+          <p:nvPr/>
+        </p:nvCxnSpPr>
+        <p:spPr>
+          <a:xfrm flipH="1">
+            <a:off x="2111755" y="4164826"/>
+            <a:ext cx="2527739" cy="0"/>
+          </a:xfrm>
+          <a:prstGeom prst="straightConnector1">
+            <a:avLst/>
+          </a:prstGeom>
+          <a:ln>
+            <a:tailEnd type="triangle"/>
+          </a:ln>
+        </p:spPr>
+        <p:style>
+          <a:lnRef idx="3">
+            <a:schemeClr val="accent2"/>
+          </a:lnRef>
+          <a:fillRef idx="0">
+            <a:schemeClr val="accent2"/>
+          </a:fillRef>
+          <a:effectRef idx="2">
+            <a:schemeClr val="accent2"/>
+          </a:effectRef>
+          <a:fontRef idx="minor">
+            <a:schemeClr val="tx1"/>
+          </a:fontRef>
+        </p:style>
+      </p:cxnSp>
+      <p:cxnSp>
+        <p:nvCxnSpPr>
+          <p:cNvPr id="23" name="직선 화살표 연결선 22">
+            <a:extLst>
+              <a:ext uri="{FF2B5EF4-FFF2-40B4-BE49-F238E27FC236}">
+                <a16:creationId xmlns:a16="http://schemas.microsoft.com/office/drawing/2014/main" id="{40958E59-3B25-22C9-3E0F-07148FA9674C}"/>
+              </a:ext>
+            </a:extLst>
+          </p:cNvPr>
+          <p:cNvCxnSpPr/>
+          <p:nvPr/>
+        </p:nvCxnSpPr>
+        <p:spPr>
+          <a:xfrm>
+            <a:off x="2111754" y="3510557"/>
+            <a:ext cx="2527739" cy="0"/>
+          </a:xfrm>
+          <a:prstGeom prst="straightConnector1">
+            <a:avLst/>
+          </a:prstGeom>
+          <a:ln>
+            <a:tailEnd type="triangle"/>
+          </a:ln>
+        </p:spPr>
+        <p:style>
+          <a:lnRef idx="3">
+            <a:schemeClr val="accent6"/>
+          </a:lnRef>
+          <a:fillRef idx="0">
+            <a:schemeClr val="accent6"/>
+          </a:fillRef>
+          <a:effectRef idx="2">
+            <a:schemeClr val="accent6"/>
+          </a:effectRef>
+          <a:fontRef idx="minor">
+            <a:schemeClr val="tx1"/>
+          </a:fontRef>
+        </p:style>
+      </p:cxnSp>
+      <p:sp>
+        <p:nvSpPr>
+          <p:cNvPr id="25" name="TextBox 24">
+            <a:extLst>
+              <a:ext uri="{FF2B5EF4-FFF2-40B4-BE49-F238E27FC236}">
+                <a16:creationId xmlns:a16="http://schemas.microsoft.com/office/drawing/2014/main" id="{420FAAF3-C301-0A34-40BC-684675FBB92F}"/>
+              </a:ext>
+            </a:extLst>
+          </p:cNvPr>
+          <p:cNvSpPr txBox="1"/>
+          <p:nvPr/>
+        </p:nvSpPr>
+        <p:spPr>
+          <a:xfrm>
+            <a:off x="2981808" y="2150745"/>
+            <a:ext cx="751487" cy="276999"/>
+          </a:xfrm>
+          <a:prstGeom prst="rect">
+            <a:avLst/>
+          </a:prstGeom>
+        </p:spPr>
+        <p:style>
+          <a:lnRef idx="2">
+            <a:schemeClr val="accent6"/>
+          </a:lnRef>
+          <a:fillRef idx="1">
+            <a:schemeClr val="lt1"/>
+          </a:fillRef>
+          <a:effectRef idx="0">
+            <a:schemeClr val="accent6"/>
+          </a:effectRef>
+          <a:fontRef idx="minor">
+            <a:schemeClr val="dk1"/>
+          </a:fontRef>
+        </p:style>
+        <p:txBody>
+          <a:bodyPr wrap="square" rtlCol="0">
+            <a:spAutoFit/>
+          </a:bodyPr>
+          <a:lstStyle/>
+          <a:p>
+            <a:pPr algn="ctr"/>
+            <a:r>
+              <a:rPr kumimoji="1" lang="ko-KR" altLang="en-US" sz="1200" dirty="0"/>
+              <a:t>연결</a:t>
+            </a:r>
+            <a:endParaRPr kumimoji="1" lang="ko-Kore-KR" altLang="en-US" sz="1200" dirty="0"/>
+          </a:p>
+        </p:txBody>
+      </p:sp>
+      <p:sp>
+        <p:nvSpPr>
+          <p:cNvPr id="26" name="TextBox 25">
+            <a:extLst>
+              <a:ext uri="{FF2B5EF4-FFF2-40B4-BE49-F238E27FC236}">
+                <a16:creationId xmlns:a16="http://schemas.microsoft.com/office/drawing/2014/main" id="{AEBB508D-1906-F107-6779-4E84861B1364}"/>
+              </a:ext>
+            </a:extLst>
+          </p:cNvPr>
+          <p:cNvSpPr txBox="1"/>
+          <p:nvPr/>
+        </p:nvSpPr>
+        <p:spPr>
+          <a:xfrm>
+            <a:off x="2974413" y="2662631"/>
+            <a:ext cx="751487" cy="276999"/>
+          </a:xfrm>
+          <a:prstGeom prst="rect">
+            <a:avLst/>
+          </a:prstGeom>
+        </p:spPr>
+        <p:style>
+          <a:lnRef idx="2">
+            <a:schemeClr val="accent2"/>
+          </a:lnRef>
+          <a:fillRef idx="1">
+            <a:schemeClr val="lt1"/>
+          </a:fillRef>
+          <a:effectRef idx="0">
+            <a:schemeClr val="accent2"/>
+          </a:effectRef>
+          <a:fontRef idx="minor">
+            <a:schemeClr val="dk1"/>
+          </a:fontRef>
+        </p:style>
+        <p:txBody>
+          <a:bodyPr wrap="square" rtlCol="0">
+            <a:spAutoFit/>
+          </a:bodyPr>
+          <a:lstStyle/>
+          <a:p>
+            <a:pPr algn="ctr"/>
+            <a:r>
+              <a:rPr kumimoji="1" lang="en-US" altLang="ko-KR" sz="1200" dirty="0"/>
+              <a:t>WSDL</a:t>
+            </a:r>
+          </a:p>
+        </p:txBody>
+      </p:sp>
+      <p:sp>
+        <p:nvSpPr>
+          <p:cNvPr id="28" name="TextBox 27">
+            <a:extLst>
+              <a:ext uri="{FF2B5EF4-FFF2-40B4-BE49-F238E27FC236}">
+                <a16:creationId xmlns:a16="http://schemas.microsoft.com/office/drawing/2014/main" id="{DC754C18-42C4-5836-6A2C-9922E6379600}"/>
+              </a:ext>
+            </a:extLst>
+          </p:cNvPr>
+          <p:cNvSpPr txBox="1"/>
+          <p:nvPr/>
+        </p:nvSpPr>
+        <p:spPr>
+          <a:xfrm>
+            <a:off x="2553362" y="3402869"/>
+            <a:ext cx="1664166" cy="276999"/>
+          </a:xfrm>
+          <a:prstGeom prst="rect">
+            <a:avLst/>
+          </a:prstGeom>
+        </p:spPr>
+        <p:style>
+          <a:lnRef idx="2">
+            <a:schemeClr val="accent6"/>
+          </a:lnRef>
+          <a:fillRef idx="1">
+            <a:schemeClr val="lt1"/>
+          </a:fillRef>
+          <a:effectRef idx="0">
+            <a:schemeClr val="accent6"/>
+          </a:effectRef>
+          <a:fontRef idx="minor">
+            <a:schemeClr val="dk1"/>
+          </a:fontRef>
+        </p:style>
+        <p:txBody>
+          <a:bodyPr wrap="square" rtlCol="0">
+            <a:spAutoFit/>
+          </a:bodyPr>
+          <a:lstStyle/>
+          <a:p>
+            <a:pPr algn="ctr"/>
+            <a:r>
+              <a:rPr kumimoji="1" lang="ko-KR" altLang="en-US" sz="1200" dirty="0"/>
+              <a:t>사용할 </a:t>
+            </a:r>
+            <a:r>
+              <a:rPr kumimoji="1" lang="en-US" altLang="ko-KR" sz="1200" dirty="0"/>
+              <a:t>Stub </a:t>
+            </a:r>
+            <a:r>
+              <a:rPr kumimoji="1" lang="ko-KR" altLang="en-US" sz="1200" dirty="0"/>
+              <a:t>요청</a:t>
+            </a:r>
+            <a:endParaRPr kumimoji="1" lang="ko-Kore-KR" altLang="en-US" sz="1200" dirty="0"/>
+          </a:p>
+        </p:txBody>
+      </p:sp>
+      <p:sp>
+        <p:nvSpPr>
+          <p:cNvPr id="29" name="TextBox 28">
+            <a:extLst>
+              <a:ext uri="{FF2B5EF4-FFF2-40B4-BE49-F238E27FC236}">
+                <a16:creationId xmlns:a16="http://schemas.microsoft.com/office/drawing/2014/main" id="{1D6BAE6E-3ACB-2170-C824-3C94C12D6F9F}"/>
+              </a:ext>
+            </a:extLst>
+          </p:cNvPr>
+          <p:cNvSpPr txBox="1"/>
+          <p:nvPr/>
+        </p:nvSpPr>
+        <p:spPr>
+          <a:xfrm>
+            <a:off x="2728600" y="4025461"/>
+            <a:ext cx="1243112" cy="461665"/>
+          </a:xfrm>
+          <a:prstGeom prst="rect">
+            <a:avLst/>
+          </a:prstGeom>
+        </p:spPr>
+        <p:style>
+          <a:lnRef idx="2">
+            <a:schemeClr val="accent2"/>
+          </a:lnRef>
+          <a:fillRef idx="1">
+            <a:schemeClr val="lt1"/>
+          </a:fillRef>
+          <a:effectRef idx="0">
+            <a:schemeClr val="accent2"/>
+          </a:effectRef>
+          <a:fontRef idx="minor">
+            <a:schemeClr val="dk1"/>
+          </a:fontRef>
+        </p:style>
+        <p:txBody>
+          <a:bodyPr wrap="square" rtlCol="0">
+            <a:spAutoFit/>
+          </a:bodyPr>
+          <a:lstStyle/>
+          <a:p>
+            <a:pPr algn="ctr"/>
+            <a:r>
+              <a:rPr kumimoji="1" lang="en-US" altLang="ko-Kore-KR" sz="1200" dirty="0"/>
+              <a:t>Stub</a:t>
+            </a:r>
+          </a:p>
+          <a:p>
+            <a:pPr algn="ctr"/>
+            <a:r>
+              <a:rPr kumimoji="1" lang="ko-KR" altLang="en-US" sz="1200" dirty="0"/>
+              <a:t>다운로드</a:t>
+            </a:r>
+            <a:endParaRPr kumimoji="1" lang="ko-Kore-KR" altLang="en-US" sz="1200" dirty="0"/>
+          </a:p>
+        </p:txBody>
+      </p:sp>
+      <p:cxnSp>
+        <p:nvCxnSpPr>
+          <p:cNvPr id="39" name="구부러진 연결선[U] 38">
+            <a:extLst>
+              <a:ext uri="{FF2B5EF4-FFF2-40B4-BE49-F238E27FC236}">
+                <a16:creationId xmlns:a16="http://schemas.microsoft.com/office/drawing/2014/main" id="{E1B979C3-44D8-9F4F-A093-B772DCB15710}"/>
               </a:ext>
             </a:extLst>
           </p:cNvPr>
           <p:cNvCxnSpPr>
             <a:cxnSpLocks/>
             <a:stCxn id="2" idx="0"/>
-            <a:endCxn id="5" idx="0"/>
+            <a:endCxn id="4" idx="0"/>
           </p:cNvCxnSpPr>
           <p:nvPr/>
         </p:nvCxnSpPr>
         <p:spPr>
           <a:xfrm rot="5400000" flipH="1" flipV="1">
-            <a:off x="4261179" y="-870636"/>
-            <a:ext cx="60598" cy="4123613"/>
+            <a:off x="7462086" y="2382374"/>
+            <a:ext cx="12700" cy="3286175"/>
           </a:xfrm>
           <a:prstGeom prst="curvedConnector3">
             <a:avLst>
-              <a:gd name="adj1" fmla="val 477240"/>
+              <a:gd name="adj1" fmla="val 1800000"/>
             </a:avLst>
           </a:prstGeom>
           <a:ln>
@@ -7706,28 +7458,28 @@
       </p:cxnSp>
       <p:cxnSp>
         <p:nvCxnSpPr>
-          <p:cNvPr id="7" name="구부러진 연결선[U] 6">
-            <a:extLst>
-              <a:ext uri="{FF2B5EF4-FFF2-40B4-BE49-F238E27FC236}">
-                <a16:creationId xmlns:a16="http://schemas.microsoft.com/office/drawing/2014/main" id="{868B9371-FDD1-BBE3-90DF-9E3529A19560}"/>
+          <p:cNvPr id="40" name="구부러진 연결선[U] 39">
+            <a:extLst>
+              <a:ext uri="{FF2B5EF4-FFF2-40B4-BE49-F238E27FC236}">
+                <a16:creationId xmlns:a16="http://schemas.microsoft.com/office/drawing/2014/main" id="{A17642EF-E5AC-F7A7-CB99-7812DCAB2C42}"/>
               </a:ext>
             </a:extLst>
           </p:cNvPr>
           <p:cNvCxnSpPr>
             <a:cxnSpLocks/>
-            <a:stCxn id="5" idx="2"/>
+            <a:stCxn id="4" idx="2"/>
             <a:endCxn id="2" idx="2"/>
           </p:cNvCxnSpPr>
           <p:nvPr/>
         </p:nvCxnSpPr>
         <p:spPr>
-          <a:xfrm rot="5400000" flipH="1">
-            <a:off x="4159631" y="-208759"/>
-            <a:ext cx="263695" cy="4123613"/>
+          <a:xfrm rot="5400000">
+            <a:off x="7462087" y="3206397"/>
+            <a:ext cx="12700" cy="3286175"/>
           </a:xfrm>
           <a:prstGeom prst="curvedConnector3">
             <a:avLst>
-              <a:gd name="adj1" fmla="val -86691"/>
+              <a:gd name="adj1" fmla="val 1800000"/>
             </a:avLst>
           </a:prstGeom>
           <a:ln>
@@ -7749,12 +7501,112 @@
           </a:fontRef>
         </p:style>
       </p:cxnSp>
-      <p:sp>
-        <p:nvSpPr>
-          <p:cNvPr id="8" name="TextBox 7">
-            <a:extLst>
-              <a:ext uri="{FF2B5EF4-FFF2-40B4-BE49-F238E27FC236}">
-                <a16:creationId xmlns:a16="http://schemas.microsoft.com/office/drawing/2014/main" id="{E9493918-9E26-3CB9-58ED-E186661C00B0}"/>
+      <p:cxnSp>
+        <p:nvCxnSpPr>
+          <p:cNvPr id="48" name="직선 화살표 연결선 47">
+            <a:extLst>
+              <a:ext uri="{FF2B5EF4-FFF2-40B4-BE49-F238E27FC236}">
+                <a16:creationId xmlns:a16="http://schemas.microsoft.com/office/drawing/2014/main" id="{9787C6F7-A38A-12E2-175A-365F10714093}"/>
+              </a:ext>
+            </a:extLst>
+          </p:cNvPr>
+          <p:cNvCxnSpPr>
+            <a:cxnSpLocks/>
+            <a:stCxn id="4" idx="3"/>
+            <a:endCxn id="52" idx="1"/>
+          </p:cNvCxnSpPr>
+          <p:nvPr/>
+        </p:nvCxnSpPr>
+        <p:spPr>
+          <a:xfrm flipV="1">
+            <a:off x="9897300" y="4431123"/>
+            <a:ext cx="392686" cy="6350"/>
+          </a:xfrm>
+          <a:prstGeom prst="straightConnector1">
+            <a:avLst/>
+          </a:prstGeom>
+          <a:ln>
+            <a:tailEnd type="triangle"/>
+          </a:ln>
+        </p:spPr>
+        <p:style>
+          <a:lnRef idx="3">
+            <a:schemeClr val="accent1"/>
+          </a:lnRef>
+          <a:fillRef idx="0">
+            <a:schemeClr val="accent1"/>
+          </a:fillRef>
+          <a:effectRef idx="2">
+            <a:schemeClr val="accent1"/>
+          </a:effectRef>
+          <a:fontRef idx="minor">
+            <a:schemeClr val="tx1"/>
+          </a:fontRef>
+        </p:style>
+      </p:cxnSp>
+      <p:sp>
+        <p:nvSpPr>
+          <p:cNvPr id="52" name="직사각형 51">
+            <a:extLst>
+              <a:ext uri="{FF2B5EF4-FFF2-40B4-BE49-F238E27FC236}">
+                <a16:creationId xmlns:a16="http://schemas.microsoft.com/office/drawing/2014/main" id="{42B718F4-6F9A-9949-2BD5-C2291C758D47}"/>
+              </a:ext>
+            </a:extLst>
+          </p:cNvPr>
+          <p:cNvSpPr/>
+          <p:nvPr/>
+        </p:nvSpPr>
+        <p:spPr>
+          <a:xfrm>
+            <a:off x="10289986" y="4019111"/>
+            <a:ext cx="1584252" cy="824023"/>
+          </a:xfrm>
+          <a:prstGeom prst="rect">
+            <a:avLst/>
+          </a:prstGeom>
+        </p:spPr>
+        <p:style>
+          <a:lnRef idx="2">
+            <a:schemeClr val="accent1">
+              <a:shade val="50000"/>
+            </a:schemeClr>
+          </a:lnRef>
+          <a:fillRef idx="1">
+            <a:schemeClr val="accent1"/>
+          </a:fillRef>
+          <a:effectRef idx="0">
+            <a:schemeClr val="accent1"/>
+          </a:effectRef>
+          <a:fontRef idx="minor">
+            <a:schemeClr val="lt1"/>
+          </a:fontRef>
+        </p:style>
+        <p:txBody>
+          <a:bodyPr rtlCol="0" anchor="ctr"/>
+          <a:lstStyle/>
+          <a:p>
+            <a:pPr algn="ctr"/>
+            <a:r>
+              <a:rPr kumimoji="1" lang="en-US" altLang="ko-Kore-KR" dirty="0"/>
+              <a:t>Remote</a:t>
+            </a:r>
+          </a:p>
+          <a:p>
+            <a:pPr algn="ctr"/>
+            <a:r>
+              <a:rPr kumimoji="1" lang="en-US" altLang="ko-Kore-KR" dirty="0"/>
+              <a:t>Object</a:t>
+            </a:r>
+            <a:endParaRPr kumimoji="1" lang="ko-Kore-KR" altLang="en-US" dirty="0"/>
+          </a:p>
+        </p:txBody>
+      </p:sp>
+      <p:sp>
+        <p:nvSpPr>
+          <p:cNvPr id="56" name="TextBox 55">
+            <a:extLst>
+              <a:ext uri="{FF2B5EF4-FFF2-40B4-BE49-F238E27FC236}">
+                <a16:creationId xmlns:a16="http://schemas.microsoft.com/office/drawing/2014/main" id="{E808A1C7-36C6-AEFA-52D2-393790E8CBBD}"/>
               </a:ext>
             </a:extLst>
           </p:cNvPr>
@@ -7763,7 +7615,7 @@
         </p:nvSpPr>
         <p:spPr>
           <a:xfrm>
-            <a:off x="3969296" y="772507"/>
+            <a:off x="7069041" y="3618749"/>
             <a:ext cx="751487" cy="276999"/>
           </a:xfrm>
           <a:prstGeom prst="rect">
@@ -7800,10 +7652,10 @@
       </p:sp>
       <p:sp>
         <p:nvSpPr>
-          <p:cNvPr id="9" name="TextBox 8">
-            <a:extLst>
-              <a:ext uri="{FF2B5EF4-FFF2-40B4-BE49-F238E27FC236}">
-                <a16:creationId xmlns:a16="http://schemas.microsoft.com/office/drawing/2014/main" id="{FED437F4-E282-8D3D-B710-88907AB91BB0}"/>
+          <p:cNvPr id="57" name="TextBox 56">
+            <a:extLst>
+              <a:ext uri="{FF2B5EF4-FFF2-40B4-BE49-F238E27FC236}">
+                <a16:creationId xmlns:a16="http://schemas.microsoft.com/office/drawing/2014/main" id="{CD63719D-B09B-6E1F-70A3-DB387E16018A}"/>
               </a:ext>
             </a:extLst>
           </p:cNvPr>
@@ -7812,7 +7664,7 @@
         </p:nvSpPr>
         <p:spPr>
           <a:xfrm>
-            <a:off x="3969296" y="2082197"/>
+            <a:off x="7064527" y="4934339"/>
             <a:ext cx="751487" cy="276999"/>
           </a:xfrm>
           <a:prstGeom prst="rect">
@@ -7850,10 +7702,10 @@
       </p:sp>
       <p:sp>
         <p:nvSpPr>
-          <p:cNvPr id="10" name="직사각형 9">
-            <a:extLst>
-              <a:ext uri="{FF2B5EF4-FFF2-40B4-BE49-F238E27FC236}">
-                <a16:creationId xmlns:a16="http://schemas.microsoft.com/office/drawing/2014/main" id="{311B3B38-5010-6034-9702-FDEB526B9880}"/>
+          <p:cNvPr id="58" name="직사각형 57">
+            <a:extLst>
+              <a:ext uri="{FF2B5EF4-FFF2-40B4-BE49-F238E27FC236}">
+                <a16:creationId xmlns:a16="http://schemas.microsoft.com/office/drawing/2014/main" id="{8A638C52-2E4C-13E0-ABB7-C038812B2A45}"/>
               </a:ext>
             </a:extLst>
           </p:cNvPr>
@@ -7862,7 +7714,7 @@
         </p:nvSpPr>
         <p:spPr>
           <a:xfrm>
-            <a:off x="3596981" y="1378044"/>
+            <a:off x="6741915" y="4233629"/>
             <a:ext cx="1440342" cy="305687"/>
           </a:xfrm>
           <a:prstGeom prst="rect">
@@ -7917,10 +7769,10 @@
       </p:sp>
       <p:sp>
         <p:nvSpPr>
-          <p:cNvPr id="13" name="직사각형 12">
-            <a:extLst>
-              <a:ext uri="{FF2B5EF4-FFF2-40B4-BE49-F238E27FC236}">
-                <a16:creationId xmlns:a16="http://schemas.microsoft.com/office/drawing/2014/main" id="{A481BFB7-D2CC-E236-CC09-24AD559E9CB5}"/>
+          <p:cNvPr id="68" name="타원 67">
+            <a:extLst>
+              <a:ext uri="{FF2B5EF4-FFF2-40B4-BE49-F238E27FC236}">
+                <a16:creationId xmlns:a16="http://schemas.microsoft.com/office/drawing/2014/main" id="{31C01CE4-EFE1-D6F2-1B29-7A0EC73B4AD9}"/>
               </a:ext>
             </a:extLst>
           </p:cNvPr>
@@ -7929,12 +7781,18 @@
         </p:nvSpPr>
         <p:spPr>
           <a:xfrm>
-            <a:off x="1485394" y="5337076"/>
-            <a:ext cx="1488558" cy="499730"/>
-          </a:xfrm>
-          <a:prstGeom prst="rect">
-            <a:avLst/>
-          </a:prstGeom>
+            <a:off x="2487502" y="3806716"/>
+            <a:ext cx="1696298" cy="931240"/>
+          </a:xfrm>
+          <a:prstGeom prst="ellipse">
+            <a:avLst/>
+          </a:prstGeom>
+          <a:noFill/>
+          <a:ln>
+            <a:solidFill>
+              <a:srgbClr val="FF00A8"/>
+            </a:solidFill>
+          </a:ln>
         </p:spPr>
         <p:style>
           <a:lnRef idx="2">
@@ -7957,97 +7815,103 @@
           <a:lstStyle/>
           <a:p>
             <a:pPr algn="ctr"/>
-            <a:r>
-              <a:rPr kumimoji="1" lang="en-US" altLang="ko-KR" dirty="0"/>
-              <a:t>JavaScript</a:t>
-            </a:r>
-            <a:r>
-              <a:rPr kumimoji="1" lang="ko-KR" altLang="en-US" dirty="0"/>
-              <a:t> </a:t>
-            </a:r>
-            <a:r>
-              <a:rPr kumimoji="1" lang="en-US" altLang="ko-KR" dirty="0"/>
-              <a:t>App</a:t>
-            </a:r>
-            <a:endParaRPr kumimoji="1" lang="ko-Kore-KR" altLang="en-US" dirty="0"/>
+            <a:endParaRPr kumimoji="1" lang="ko-Kore-KR" altLang="en-US"/>
+          </a:p>
+        </p:txBody>
+      </p:sp>
+      <p:sp>
+        <p:nvSpPr>
+          <p:cNvPr id="69" name="직사각형 68">
+            <a:extLst>
+              <a:ext uri="{FF2B5EF4-FFF2-40B4-BE49-F238E27FC236}">
+                <a16:creationId xmlns:a16="http://schemas.microsoft.com/office/drawing/2014/main" id="{690C8CC3-5158-8A46-4EEB-098C4D716EF6}"/>
+              </a:ext>
+            </a:extLst>
+          </p:cNvPr>
+          <p:cNvSpPr/>
+          <p:nvPr/>
+        </p:nvSpPr>
+        <p:spPr>
+          <a:xfrm>
+            <a:off x="2591372" y="5141394"/>
+            <a:ext cx="2055514" cy="305687"/>
+          </a:xfrm>
+          <a:prstGeom prst="rect">
+            <a:avLst/>
+          </a:prstGeom>
+          <a:solidFill>
+            <a:schemeClr val="bg1"/>
+          </a:solidFill>
+          <a:ln>
+            <a:solidFill>
+              <a:srgbClr val="FF00A8"/>
+            </a:solidFill>
+          </a:ln>
+        </p:spPr>
+        <p:style>
+          <a:lnRef idx="1">
+            <a:schemeClr val="accent2"/>
+          </a:lnRef>
+          <a:fillRef idx="2">
+            <a:schemeClr val="accent2"/>
+          </a:fillRef>
+          <a:effectRef idx="1">
+            <a:schemeClr val="accent2"/>
+          </a:effectRef>
+          <a:fontRef idx="minor">
+            <a:schemeClr val="dk1"/>
+          </a:fontRef>
+        </p:style>
+        <p:txBody>
+          <a:bodyPr rtlCol="0" anchor="ctr"/>
+          <a:lstStyle/>
+          <a:p>
+            <a:pPr algn="ctr"/>
+            <a:r>
+              <a:rPr kumimoji="1" lang="ko-Kore-KR" altLang="en-US" sz="1400" dirty="0"/>
+              <a:t>자동</a:t>
+            </a:r>
+            <a:r>
+              <a:rPr kumimoji="1" lang="ko-KR" altLang="en-US" sz="1400" dirty="0"/>
+              <a:t> 다운로드</a:t>
+            </a:r>
+            <a:endParaRPr kumimoji="1" lang="ko-Kore-KR" altLang="en-US" sz="1400" dirty="0"/>
           </a:p>
         </p:txBody>
       </p:sp>
       <p:cxnSp>
         <p:nvCxnSpPr>
-          <p:cNvPr id="14" name="구부러진 연결선[U] 13">
-            <a:extLst>
-              <a:ext uri="{FF2B5EF4-FFF2-40B4-BE49-F238E27FC236}">
-                <a16:creationId xmlns:a16="http://schemas.microsoft.com/office/drawing/2014/main" id="{B1A7090D-08CB-CA43-0EE8-DBB489FEA2D0}"/>
+          <p:cNvPr id="70" name="직선 화살표 연결선 69">
+            <a:extLst>
+              <a:ext uri="{FF2B5EF4-FFF2-40B4-BE49-F238E27FC236}">
+                <a16:creationId xmlns:a16="http://schemas.microsoft.com/office/drawing/2014/main" id="{E95D8EBB-2F6F-CC97-9254-614B8ACBF667}"/>
               </a:ext>
             </a:extLst>
           </p:cNvPr>
           <p:cNvCxnSpPr>
             <a:cxnSpLocks/>
-            <a:stCxn id="3" idx="0"/>
-            <a:endCxn id="5" idx="2"/>
+            <a:stCxn id="69" idx="0"/>
+            <a:endCxn id="68" idx="4"/>
           </p:cNvCxnSpPr>
           <p:nvPr/>
         </p:nvCxnSpPr>
         <p:spPr>
-          <a:xfrm rot="5400000" flipH="1" flipV="1">
-            <a:off x="3743139" y="471427"/>
-            <a:ext cx="1096678" cy="4123613"/>
-          </a:xfrm>
-          <a:prstGeom prst="curvedConnector3">
-            <a:avLst>
-              <a:gd name="adj1" fmla="val 50000"/>
-            </a:avLst>
+          <a:xfrm flipH="1" flipV="1">
+            <a:off x="3335651" y="4737956"/>
+            <a:ext cx="283478" cy="403438"/>
+          </a:xfrm>
+          <a:prstGeom prst="straightConnector1">
+            <a:avLst/>
           </a:prstGeom>
           <a:ln>
+            <a:solidFill>
+              <a:srgbClr val="FDA9F7"/>
+            </a:solidFill>
             <a:tailEnd type="triangle"/>
           </a:ln>
         </p:spPr>
         <p:style>
           <a:lnRef idx="3">
-            <a:schemeClr val="accent6"/>
-          </a:lnRef>
-          <a:fillRef idx="0">
-            <a:schemeClr val="accent6"/>
-          </a:fillRef>
-          <a:effectRef idx="2">
-            <a:schemeClr val="accent6"/>
-          </a:effectRef>
-          <a:fontRef idx="minor">
-            <a:schemeClr val="tx1"/>
-          </a:fontRef>
-        </p:style>
-      </p:cxnSp>
-      <p:cxnSp>
-        <p:nvCxnSpPr>
-          <p:cNvPr id="15" name="구부러진 연결선[U] 14">
-            <a:extLst>
-              <a:ext uri="{FF2B5EF4-FFF2-40B4-BE49-F238E27FC236}">
-                <a16:creationId xmlns:a16="http://schemas.microsoft.com/office/drawing/2014/main" id="{24792080-3044-70F1-E7CD-D3FB2FD2227D}"/>
-              </a:ext>
-            </a:extLst>
-          </p:cNvPr>
-          <p:cNvCxnSpPr>
-            <a:cxnSpLocks/>
-            <a:stCxn id="5" idx="2"/>
-            <a:endCxn id="3" idx="3"/>
-          </p:cNvCxnSpPr>
-          <p:nvPr/>
-        </p:nvCxnSpPr>
-        <p:spPr>
-          <a:xfrm rot="5400000">
-            <a:off x="3990347" y="968498"/>
-            <a:ext cx="1346543" cy="3379334"/>
-          </a:xfrm>
-          <a:prstGeom prst="curvedConnector2">
-            <a:avLst/>
-          </a:prstGeom>
-          <a:ln>
-            <a:tailEnd type="triangle"/>
-          </a:ln>
-        </p:spPr>
-        <p:style>
-          <a:lnRef idx="3">
             <a:schemeClr val="accent2"/>
           </a:lnRef>
           <a:fillRef idx="0">
@@ -8055,483 +7919,6 @@
           </a:fillRef>
           <a:effectRef idx="2">
             <a:schemeClr val="accent2"/>
-          </a:effectRef>
-          <a:fontRef idx="minor">
-            <a:schemeClr val="tx1"/>
-          </a:fontRef>
-        </p:style>
-      </p:cxnSp>
-      <p:cxnSp>
-        <p:nvCxnSpPr>
-          <p:cNvPr id="16" name="구부러진 연결선[U] 15">
-            <a:extLst>
-              <a:ext uri="{FF2B5EF4-FFF2-40B4-BE49-F238E27FC236}">
-                <a16:creationId xmlns:a16="http://schemas.microsoft.com/office/drawing/2014/main" id="{B082B69C-56FD-167F-272D-BB9F0F99E874}"/>
-              </a:ext>
-            </a:extLst>
-          </p:cNvPr>
-          <p:cNvCxnSpPr>
-            <a:cxnSpLocks/>
-            <a:stCxn id="4" idx="3"/>
-            <a:endCxn id="5" idx="2"/>
-          </p:cNvCxnSpPr>
-          <p:nvPr/>
-        </p:nvCxnSpPr>
-        <p:spPr>
-          <a:xfrm flipV="1">
-            <a:off x="2973952" y="1984894"/>
-            <a:ext cx="3379333" cy="2443221"/>
-          </a:xfrm>
-          <a:prstGeom prst="curvedConnector2">
-            <a:avLst/>
-          </a:prstGeom>
-          <a:ln>
-            <a:tailEnd type="triangle"/>
-          </a:ln>
-        </p:spPr>
-        <p:style>
-          <a:lnRef idx="3">
-            <a:schemeClr val="accent6"/>
-          </a:lnRef>
-          <a:fillRef idx="0">
-            <a:schemeClr val="accent6"/>
-          </a:fillRef>
-          <a:effectRef idx="2">
-            <a:schemeClr val="accent6"/>
-          </a:effectRef>
-          <a:fontRef idx="minor">
-            <a:schemeClr val="tx1"/>
-          </a:fontRef>
-        </p:style>
-      </p:cxnSp>
-      <p:cxnSp>
-        <p:nvCxnSpPr>
-          <p:cNvPr id="17" name="구부러진 연결선[U] 16">
-            <a:extLst>
-              <a:ext uri="{FF2B5EF4-FFF2-40B4-BE49-F238E27FC236}">
-                <a16:creationId xmlns:a16="http://schemas.microsoft.com/office/drawing/2014/main" id="{97D052AA-3EDC-17D4-4570-6C9DEB4C4C7E}"/>
-              </a:ext>
-            </a:extLst>
-          </p:cNvPr>
-          <p:cNvCxnSpPr>
-            <a:cxnSpLocks/>
-            <a:stCxn id="5" idx="2"/>
-            <a:endCxn id="4" idx="2"/>
-          </p:cNvCxnSpPr>
-          <p:nvPr/>
-        </p:nvCxnSpPr>
-        <p:spPr>
-          <a:xfrm rot="5400000">
-            <a:off x="2944936" y="1269631"/>
-            <a:ext cx="2693086" cy="4123612"/>
-          </a:xfrm>
-          <a:prstGeom prst="curvedConnector3">
-            <a:avLst>
-              <a:gd name="adj1" fmla="val 108488"/>
-            </a:avLst>
-          </a:prstGeom>
-          <a:ln>
-            <a:tailEnd type="triangle"/>
-          </a:ln>
-        </p:spPr>
-        <p:style>
-          <a:lnRef idx="3">
-            <a:schemeClr val="accent2"/>
-          </a:lnRef>
-          <a:fillRef idx="0">
-            <a:schemeClr val="accent2"/>
-          </a:fillRef>
-          <a:effectRef idx="2">
-            <a:schemeClr val="accent2"/>
-          </a:effectRef>
-          <a:fontRef idx="minor">
-            <a:schemeClr val="tx1"/>
-          </a:fontRef>
-        </p:style>
-      </p:cxnSp>
-      <p:cxnSp>
-        <p:nvCxnSpPr>
-          <p:cNvPr id="18" name="구부러진 연결선[U] 17">
-            <a:extLst>
-              <a:ext uri="{FF2B5EF4-FFF2-40B4-BE49-F238E27FC236}">
-                <a16:creationId xmlns:a16="http://schemas.microsoft.com/office/drawing/2014/main" id="{35CEAE78-C91D-7609-55AF-B23F120CDDA2}"/>
-              </a:ext>
-            </a:extLst>
-          </p:cNvPr>
-          <p:cNvCxnSpPr>
-            <a:cxnSpLocks/>
-            <a:stCxn id="13" idx="3"/>
-            <a:endCxn id="5" idx="2"/>
-          </p:cNvCxnSpPr>
-          <p:nvPr/>
-        </p:nvCxnSpPr>
-        <p:spPr>
-          <a:xfrm flipV="1">
-            <a:off x="2973952" y="1984894"/>
-            <a:ext cx="3379333" cy="3602047"/>
-          </a:xfrm>
-          <a:prstGeom prst="curvedConnector2">
-            <a:avLst/>
-          </a:prstGeom>
-          <a:ln>
-            <a:tailEnd type="triangle"/>
-          </a:ln>
-        </p:spPr>
-        <p:style>
-          <a:lnRef idx="3">
-            <a:schemeClr val="accent6"/>
-          </a:lnRef>
-          <a:fillRef idx="0">
-            <a:schemeClr val="accent6"/>
-          </a:fillRef>
-          <a:effectRef idx="2">
-            <a:schemeClr val="accent6"/>
-          </a:effectRef>
-          <a:fontRef idx="minor">
-            <a:schemeClr val="tx1"/>
-          </a:fontRef>
-        </p:style>
-      </p:cxnSp>
-      <p:cxnSp>
-        <p:nvCxnSpPr>
-          <p:cNvPr id="19" name="구부러진 연결선[U] 18">
-            <a:extLst>
-              <a:ext uri="{FF2B5EF4-FFF2-40B4-BE49-F238E27FC236}">
-                <a16:creationId xmlns:a16="http://schemas.microsoft.com/office/drawing/2014/main" id="{AB98A9CB-C49D-7499-8130-88BA5F38AADA}"/>
-              </a:ext>
-            </a:extLst>
-          </p:cNvPr>
-          <p:cNvCxnSpPr>
-            <a:cxnSpLocks/>
-            <a:stCxn id="5" idx="2"/>
-            <a:endCxn id="13" idx="2"/>
-          </p:cNvCxnSpPr>
-          <p:nvPr/>
-        </p:nvCxnSpPr>
-        <p:spPr>
-          <a:xfrm rot="5400000">
-            <a:off x="2365523" y="1849044"/>
-            <a:ext cx="3851912" cy="4123612"/>
-          </a:xfrm>
-          <a:prstGeom prst="curvedConnector3">
-            <a:avLst>
-              <a:gd name="adj1" fmla="val 105935"/>
-            </a:avLst>
-          </a:prstGeom>
-          <a:ln>
-            <a:tailEnd type="triangle"/>
-          </a:ln>
-        </p:spPr>
-        <p:style>
-          <a:lnRef idx="3">
-            <a:schemeClr val="accent2"/>
-          </a:lnRef>
-          <a:fillRef idx="0">
-            <a:schemeClr val="accent2"/>
-          </a:fillRef>
-          <a:effectRef idx="2">
-            <a:schemeClr val="accent2"/>
-          </a:effectRef>
-          <a:fontRef idx="minor">
-            <a:schemeClr val="tx1"/>
-          </a:fontRef>
-        </p:style>
-      </p:cxnSp>
-      <p:sp>
-        <p:nvSpPr>
-          <p:cNvPr id="41" name="직사각형 40">
-            <a:extLst>
-              <a:ext uri="{FF2B5EF4-FFF2-40B4-BE49-F238E27FC236}">
-                <a16:creationId xmlns:a16="http://schemas.microsoft.com/office/drawing/2014/main" id="{3AAAFD0E-0841-84ED-3C7C-EA85FA560FB2}"/>
-              </a:ext>
-            </a:extLst>
-          </p:cNvPr>
-          <p:cNvSpPr/>
-          <p:nvPr/>
-        </p:nvSpPr>
-        <p:spPr>
-          <a:xfrm>
-            <a:off x="8473769" y="237735"/>
-            <a:ext cx="1488558" cy="499730"/>
-          </a:xfrm>
-          <a:prstGeom prst="rect">
-            <a:avLst/>
-          </a:prstGeom>
-        </p:spPr>
-        <p:style>
-          <a:lnRef idx="2">
-            <a:schemeClr val="accent1">
-              <a:shade val="50000"/>
-            </a:schemeClr>
-          </a:lnRef>
-          <a:fillRef idx="1">
-            <a:schemeClr val="accent1"/>
-          </a:fillRef>
-          <a:effectRef idx="0">
-            <a:schemeClr val="accent1"/>
-          </a:effectRef>
-          <a:fontRef idx="minor">
-            <a:schemeClr val="lt1"/>
-          </a:fontRef>
-        </p:style>
-        <p:txBody>
-          <a:bodyPr rtlCol="0" anchor="ctr"/>
-          <a:lstStyle/>
-          <a:p>
-            <a:pPr algn="ctr"/>
-            <a:r>
-              <a:rPr kumimoji="1" lang="en-US" altLang="ko-Kore-KR" dirty="0"/>
-              <a:t>Java</a:t>
-            </a:r>
-          </a:p>
-          <a:p>
-            <a:pPr algn="ctr"/>
-            <a:r>
-              <a:rPr kumimoji="1" lang="en-US" altLang="ko-Kore-KR" dirty="0"/>
-              <a:t>method</a:t>
-            </a:r>
-            <a:endParaRPr kumimoji="1" lang="ko-Kore-KR" altLang="en-US" dirty="0"/>
-          </a:p>
-        </p:txBody>
-      </p:sp>
-      <p:sp>
-        <p:nvSpPr>
-          <p:cNvPr id="42" name="직사각형 41">
-            <a:extLst>
-              <a:ext uri="{FF2B5EF4-FFF2-40B4-BE49-F238E27FC236}">
-                <a16:creationId xmlns:a16="http://schemas.microsoft.com/office/drawing/2014/main" id="{C5908FB9-CCD1-DB6E-A0E9-CAA2F9801B67}"/>
-              </a:ext>
-            </a:extLst>
-          </p:cNvPr>
-          <p:cNvSpPr/>
-          <p:nvPr/>
-        </p:nvSpPr>
-        <p:spPr>
-          <a:xfrm>
-            <a:off x="8473770" y="1323017"/>
-            <a:ext cx="1488558" cy="499730"/>
-          </a:xfrm>
-          <a:prstGeom prst="rect">
-            <a:avLst/>
-          </a:prstGeom>
-        </p:spPr>
-        <p:style>
-          <a:lnRef idx="2">
-            <a:schemeClr val="accent1">
-              <a:shade val="50000"/>
-            </a:schemeClr>
-          </a:lnRef>
-          <a:fillRef idx="1">
-            <a:schemeClr val="accent1"/>
-          </a:fillRef>
-          <a:effectRef idx="0">
-            <a:schemeClr val="accent1"/>
-          </a:effectRef>
-          <a:fontRef idx="minor">
-            <a:schemeClr val="lt1"/>
-          </a:fontRef>
-        </p:style>
-        <p:txBody>
-          <a:bodyPr rtlCol="0" anchor="ctr"/>
-          <a:lstStyle/>
-          <a:p>
-            <a:pPr algn="ctr"/>
-            <a:r>
-              <a:rPr kumimoji="1" lang="en-US" altLang="ko-Kore-KR" dirty="0"/>
-              <a:t>C#</a:t>
-            </a:r>
-          </a:p>
-          <a:p>
-            <a:pPr algn="ctr"/>
-            <a:r>
-              <a:rPr kumimoji="1" lang="en-US" altLang="ko-Kore-KR" dirty="0"/>
-              <a:t>method</a:t>
-            </a:r>
-            <a:endParaRPr kumimoji="1" lang="ko-Kore-KR" altLang="en-US" dirty="0"/>
-          </a:p>
-        </p:txBody>
-      </p:sp>
-      <p:sp>
-        <p:nvSpPr>
-          <p:cNvPr id="43" name="직사각형 42">
-            <a:extLst>
-              <a:ext uri="{FF2B5EF4-FFF2-40B4-BE49-F238E27FC236}">
-                <a16:creationId xmlns:a16="http://schemas.microsoft.com/office/drawing/2014/main" id="{08F69697-A16B-B113-7076-2D4A9624F118}"/>
-              </a:ext>
-            </a:extLst>
-          </p:cNvPr>
-          <p:cNvSpPr/>
-          <p:nvPr/>
-        </p:nvSpPr>
-        <p:spPr>
-          <a:xfrm>
-            <a:off x="8473769" y="2408300"/>
-            <a:ext cx="1488558" cy="499730"/>
-          </a:xfrm>
-          <a:prstGeom prst="rect">
-            <a:avLst/>
-          </a:prstGeom>
-        </p:spPr>
-        <p:style>
-          <a:lnRef idx="2">
-            <a:schemeClr val="accent1">
-              <a:shade val="50000"/>
-            </a:schemeClr>
-          </a:lnRef>
-          <a:fillRef idx="1">
-            <a:schemeClr val="accent1"/>
-          </a:fillRef>
-          <a:effectRef idx="0">
-            <a:schemeClr val="accent1"/>
-          </a:effectRef>
-          <a:fontRef idx="minor">
-            <a:schemeClr val="lt1"/>
-          </a:fontRef>
-        </p:style>
-        <p:txBody>
-          <a:bodyPr rtlCol="0" anchor="ctr"/>
-          <a:lstStyle/>
-          <a:p>
-            <a:pPr algn="ctr"/>
-            <a:r>
-              <a:rPr kumimoji="1" lang="en-US" altLang="ko-KR" dirty="0"/>
-              <a:t>JavaScript</a:t>
-            </a:r>
-            <a:endParaRPr kumimoji="1" lang="en-US" altLang="ko-Kore-KR" dirty="0"/>
-          </a:p>
-          <a:p>
-            <a:pPr algn="ctr"/>
-            <a:r>
-              <a:rPr kumimoji="1" lang="en-US" altLang="ko-Kore-KR" dirty="0"/>
-              <a:t>method</a:t>
-            </a:r>
-            <a:endParaRPr kumimoji="1" lang="ko-Kore-KR" altLang="en-US" dirty="0"/>
-          </a:p>
-        </p:txBody>
-      </p:sp>
-      <p:cxnSp>
-        <p:nvCxnSpPr>
-          <p:cNvPr id="44" name="직선 화살표 연결선 43">
-            <a:extLst>
-              <a:ext uri="{FF2B5EF4-FFF2-40B4-BE49-F238E27FC236}">
-                <a16:creationId xmlns:a16="http://schemas.microsoft.com/office/drawing/2014/main" id="{2CA7D69C-48B8-5636-2E04-006926B69191}"/>
-              </a:ext>
-            </a:extLst>
-          </p:cNvPr>
-          <p:cNvCxnSpPr>
-            <a:cxnSpLocks/>
-            <a:stCxn id="5" idx="3"/>
-            <a:endCxn id="41" idx="1"/>
-          </p:cNvCxnSpPr>
-          <p:nvPr/>
-        </p:nvCxnSpPr>
-        <p:spPr>
-          <a:xfrm flipV="1">
-            <a:off x="7145411" y="487600"/>
-            <a:ext cx="1328358" cy="1085283"/>
-          </a:xfrm>
-          <a:prstGeom prst="straightConnector1">
-            <a:avLst/>
-          </a:prstGeom>
-          <a:ln>
-            <a:tailEnd type="triangle"/>
-          </a:ln>
-        </p:spPr>
-        <p:style>
-          <a:lnRef idx="3">
-            <a:schemeClr val="accent1"/>
-          </a:lnRef>
-          <a:fillRef idx="0">
-            <a:schemeClr val="accent1"/>
-          </a:fillRef>
-          <a:effectRef idx="2">
-            <a:schemeClr val="accent1"/>
-          </a:effectRef>
-          <a:fontRef idx="minor">
-            <a:schemeClr val="tx1"/>
-          </a:fontRef>
-        </p:style>
-      </p:cxnSp>
-      <p:cxnSp>
-        <p:nvCxnSpPr>
-          <p:cNvPr id="47" name="직선 화살표 연결선 46">
-            <a:extLst>
-              <a:ext uri="{FF2B5EF4-FFF2-40B4-BE49-F238E27FC236}">
-                <a16:creationId xmlns:a16="http://schemas.microsoft.com/office/drawing/2014/main" id="{98121C7B-E20F-649B-8D8A-363CCE4908AE}"/>
-              </a:ext>
-            </a:extLst>
-          </p:cNvPr>
-          <p:cNvCxnSpPr>
-            <a:cxnSpLocks/>
-            <a:stCxn id="5" idx="3"/>
-            <a:endCxn id="42" idx="1"/>
-          </p:cNvCxnSpPr>
-          <p:nvPr/>
-        </p:nvCxnSpPr>
-        <p:spPr>
-          <a:xfrm flipV="1">
-            <a:off x="7145411" y="1572882"/>
-            <a:ext cx="1328359" cy="1"/>
-          </a:xfrm>
-          <a:prstGeom prst="straightConnector1">
-            <a:avLst/>
-          </a:prstGeom>
-          <a:ln>
-            <a:tailEnd type="triangle"/>
-          </a:ln>
-        </p:spPr>
-        <p:style>
-          <a:lnRef idx="3">
-            <a:schemeClr val="accent1"/>
-          </a:lnRef>
-          <a:fillRef idx="0">
-            <a:schemeClr val="accent1"/>
-          </a:fillRef>
-          <a:effectRef idx="2">
-            <a:schemeClr val="accent1"/>
-          </a:effectRef>
-          <a:fontRef idx="minor">
-            <a:schemeClr val="tx1"/>
-          </a:fontRef>
-        </p:style>
-      </p:cxnSp>
-      <p:cxnSp>
-        <p:nvCxnSpPr>
-          <p:cNvPr id="48" name="직선 화살표 연결선 47">
-            <a:extLst>
-              <a:ext uri="{FF2B5EF4-FFF2-40B4-BE49-F238E27FC236}">
-                <a16:creationId xmlns:a16="http://schemas.microsoft.com/office/drawing/2014/main" id="{771DD911-47EA-4519-72A5-96E931CB28BE}"/>
-              </a:ext>
-            </a:extLst>
-          </p:cNvPr>
-          <p:cNvCxnSpPr>
-            <a:cxnSpLocks/>
-            <a:stCxn id="5" idx="3"/>
-            <a:endCxn id="43" idx="1"/>
-          </p:cNvCxnSpPr>
-          <p:nvPr/>
-        </p:nvCxnSpPr>
-        <p:spPr>
-          <a:xfrm>
-            <a:off x="7145411" y="1572883"/>
-            <a:ext cx="1328358" cy="1085282"/>
-          </a:xfrm>
-          <a:prstGeom prst="straightConnector1">
-            <a:avLst/>
-          </a:prstGeom>
-          <a:ln>
-            <a:tailEnd type="triangle"/>
-          </a:ln>
-        </p:spPr>
-        <p:style>
-          <a:lnRef idx="3">
-            <a:schemeClr val="accent1"/>
-          </a:lnRef>
-          <a:fillRef idx="0">
-            <a:schemeClr val="accent1"/>
-          </a:fillRef>
-          <a:effectRef idx="2">
-            <a:schemeClr val="accent1"/>
           </a:effectRef>
           <a:fontRef idx="minor">
             <a:schemeClr val="tx1"/>
@@ -8541,7 +7928,7 @@
     </p:spTree>
     <p:extLst>
       <p:ext uri="{BB962C8B-B14F-4D97-AF65-F5344CB8AC3E}">
-        <p14:creationId xmlns:p14="http://schemas.microsoft.com/office/powerpoint/2010/main" val="1514317728"/>
+        <p14:creationId xmlns:p14="http://schemas.microsoft.com/office/powerpoint/2010/main" val="3194018062"/>
       </p:ext>
     </p:extLst>
   </p:cSld>
@@ -8570,10 +7957,10 @@
       </p:grpSpPr>
       <p:sp>
         <p:nvSpPr>
-          <p:cNvPr id="11" name="한쪽 모서리는 잘리고 다른 쪽 모서리는 둥근 사각형 10">
-            <a:extLst>
-              <a:ext uri="{FF2B5EF4-FFF2-40B4-BE49-F238E27FC236}">
-                <a16:creationId xmlns:a16="http://schemas.microsoft.com/office/drawing/2014/main" id="{1213E7E3-8E88-D974-27AC-4D612888C211}"/>
+          <p:cNvPr id="2" name="직사각형 1">
+            <a:extLst>
+              <a:ext uri="{FF2B5EF4-FFF2-40B4-BE49-F238E27FC236}">
+                <a16:creationId xmlns:a16="http://schemas.microsoft.com/office/drawing/2014/main" id="{C56D856E-74AB-87EA-7AE3-ABADE849CF2F}"/>
               </a:ext>
             </a:extLst>
           </p:cNvPr>
@@ -8582,10 +7969,10 @@
         </p:nvSpPr>
         <p:spPr>
           <a:xfrm>
-            <a:off x="1194816" y="999744"/>
-            <a:ext cx="2743200" cy="3389376"/>
-          </a:xfrm>
-          <a:prstGeom prst="snipRoundRect">
+            <a:off x="1485393" y="1221469"/>
+            <a:ext cx="1488558" cy="499730"/>
+          </a:xfrm>
+          <a:prstGeom prst="rect">
             <a:avLst/>
           </a:prstGeom>
         </p:spPr>
@@ -8606,27 +7993,24 @@
           </a:fontRef>
         </p:style>
         <p:txBody>
-          <a:bodyPr rtlCol="0" anchor="t"/>
+          <a:bodyPr rtlCol="0" anchor="ctr"/>
           <a:lstStyle/>
           <a:p>
             <a:pPr algn="ctr"/>
             <a:r>
               <a:rPr kumimoji="1" lang="en-US" altLang="ko-Kore-KR" dirty="0"/>
-              <a:t>HTMP </a:t>
-            </a:r>
-            <a:r>
-              <a:rPr kumimoji="1" lang="ko-Kore-KR" altLang="en-US" dirty="0"/>
-              <a:t>페이지</a:t>
-            </a:r>
-          </a:p>
-        </p:txBody>
-      </p:sp>
-      <p:sp>
-        <p:nvSpPr>
-          <p:cNvPr id="12" name="직사각형 11">
-            <a:extLst>
-              <a:ext uri="{FF2B5EF4-FFF2-40B4-BE49-F238E27FC236}">
-                <a16:creationId xmlns:a16="http://schemas.microsoft.com/office/drawing/2014/main" id="{81266160-50EA-0116-7C9E-C73B259675C3}"/>
+              <a:t>C App</a:t>
+            </a:r>
+            <a:endParaRPr kumimoji="1" lang="ko-Kore-KR" altLang="en-US" dirty="0"/>
+          </a:p>
+        </p:txBody>
+      </p:sp>
+      <p:sp>
+        <p:nvSpPr>
+          <p:cNvPr id="3" name="직사각형 2">
+            <a:extLst>
+              <a:ext uri="{FF2B5EF4-FFF2-40B4-BE49-F238E27FC236}">
+                <a16:creationId xmlns:a16="http://schemas.microsoft.com/office/drawing/2014/main" id="{C79B2291-2C83-E7A0-6EEF-2F1453B8B454}"/>
               </a:ext>
             </a:extLst>
           </p:cNvPr>
@@ -8635,8 +8019,8 @@
         </p:nvSpPr>
         <p:spPr>
           <a:xfrm>
-            <a:off x="5730240" y="2157984"/>
-            <a:ext cx="2206752" cy="1271016"/>
+            <a:off x="1485393" y="3081572"/>
+            <a:ext cx="1488558" cy="499730"/>
           </a:xfrm>
           <a:prstGeom prst="rect">
             <a:avLst/>
@@ -8664,8 +8048,8 @@
           <a:p>
             <a:pPr algn="ctr"/>
             <a:r>
-              <a:rPr kumimoji="1" lang="en-US" altLang="ko-Kore-KR" dirty="0" err="1"/>
-              <a:t>SpringBoot</a:t>
+              <a:rPr kumimoji="1" lang="en-US" altLang="ko-Kore-KR" dirty="0"/>
+              <a:t>Java App</a:t>
             </a:r>
             <a:endParaRPr kumimoji="1" lang="ko-Kore-KR" altLang="en-US" dirty="0"/>
           </a:p>
@@ -8673,10 +8057,10 @@
       </p:sp>
       <p:sp>
         <p:nvSpPr>
-          <p:cNvPr id="20" name="직사각형 19">
-            <a:extLst>
-              <a:ext uri="{FF2B5EF4-FFF2-40B4-BE49-F238E27FC236}">
-                <a16:creationId xmlns:a16="http://schemas.microsoft.com/office/drawing/2014/main" id="{5934B109-8E91-DA90-D4A6-14BA8A481881}"/>
+          <p:cNvPr id="4" name="직사각형 3">
+            <a:extLst>
+              <a:ext uri="{FF2B5EF4-FFF2-40B4-BE49-F238E27FC236}">
+                <a16:creationId xmlns:a16="http://schemas.microsoft.com/office/drawing/2014/main" id="{0A052581-B081-8312-37C7-A87E49BC972A}"/>
               </a:ext>
             </a:extLst>
           </p:cNvPr>
@@ -8685,8 +8069,8 @@
         </p:nvSpPr>
         <p:spPr>
           <a:xfrm>
-            <a:off x="9400032" y="2157984"/>
-            <a:ext cx="2206752" cy="1271016"/>
+            <a:off x="1485394" y="4178250"/>
+            <a:ext cx="1488558" cy="499730"/>
           </a:xfrm>
           <a:prstGeom prst="rect">
             <a:avLst/>
@@ -8715,14 +8099,15 @@
             <a:pPr algn="ctr"/>
             <a:r>
               <a:rPr kumimoji="1" lang="en-US" altLang="ko-Kore-KR" dirty="0"/>
-              <a:t>Java</a:t>
-            </a:r>
-          </a:p>
-          <a:p>
-            <a:pPr algn="ctr"/>
+              <a:t>C##</a:t>
+            </a:r>
             <a:r>
               <a:rPr kumimoji="1" lang="ko-KR" altLang="en-US" dirty="0"/>
-              <a:t>객체</a:t>
+              <a:t> </a:t>
+            </a:r>
+            <a:r>
+              <a:rPr kumimoji="1" lang="en-US" altLang="ko-KR" dirty="0"/>
+              <a:t>App</a:t>
             </a:r>
             <a:endParaRPr kumimoji="1" lang="ko-Kore-KR" altLang="en-US" dirty="0"/>
           </a:p>
@@ -8730,10 +8115,10 @@
       </p:sp>
       <p:sp>
         <p:nvSpPr>
-          <p:cNvPr id="21" name="직사각형 20">
-            <a:extLst>
-              <a:ext uri="{FF2B5EF4-FFF2-40B4-BE49-F238E27FC236}">
-                <a16:creationId xmlns:a16="http://schemas.microsoft.com/office/drawing/2014/main" id="{1D2465AF-8CAC-230B-A557-DAA012CDFA98}"/>
+          <p:cNvPr id="5" name="직사각형 4">
+            <a:extLst>
+              <a:ext uri="{FF2B5EF4-FFF2-40B4-BE49-F238E27FC236}">
+                <a16:creationId xmlns:a16="http://schemas.microsoft.com/office/drawing/2014/main" id="{37A823F9-BAA7-62D2-0F20-3E1647660757}"/>
               </a:ext>
             </a:extLst>
           </p:cNvPr>
@@ -8742,22 +8127,24 @@
         </p:nvSpPr>
         <p:spPr>
           <a:xfrm>
-            <a:off x="1432560" y="2011680"/>
-            <a:ext cx="2267712" cy="1901952"/>
+            <a:off x="5561159" y="1160871"/>
+            <a:ext cx="1584252" cy="824023"/>
           </a:xfrm>
           <a:prstGeom prst="rect">
             <a:avLst/>
           </a:prstGeom>
         </p:spPr>
         <p:style>
-          <a:lnRef idx="3">
-            <a:schemeClr val="lt1"/>
-          </a:lnRef>
-          <a:fillRef idx="1">
-            <a:schemeClr val="accent5"/>
-          </a:fillRef>
-          <a:effectRef idx="1">
-            <a:schemeClr val="accent5"/>
+          <a:lnRef idx="2">
+            <a:schemeClr val="accent1">
+              <a:shade val="50000"/>
+            </a:schemeClr>
+          </a:lnRef>
+          <a:fillRef idx="1">
+            <a:schemeClr val="accent1"/>
+          </a:fillRef>
+          <a:effectRef idx="0">
+            <a:schemeClr val="accent1"/>
           </a:effectRef>
           <a:fontRef idx="minor">
             <a:schemeClr val="lt1"/>
@@ -8770,7 +8157,14 @@
             <a:pPr algn="ctr"/>
             <a:r>
               <a:rPr kumimoji="1" lang="en-US" altLang="ko-Kore-KR" dirty="0"/>
-              <a:t>JavaScript</a:t>
+              <a:t>Web</a:t>
+            </a:r>
+          </a:p>
+          <a:p>
+            <a:pPr algn="ctr"/>
+            <a:r>
+              <a:rPr kumimoji="1" lang="en-US" altLang="ko-Kore-KR" dirty="0"/>
+              <a:t>Server</a:t>
             </a:r>
             <a:endParaRPr kumimoji="1" lang="ko-Kore-KR" altLang="en-US" dirty="0"/>
           </a:p>
@@ -8778,28 +8172,28 @@
       </p:sp>
       <p:cxnSp>
         <p:nvCxnSpPr>
-          <p:cNvPr id="22" name="구부러진 연결선[U] 21">
-            <a:extLst>
-              <a:ext uri="{FF2B5EF4-FFF2-40B4-BE49-F238E27FC236}">
-                <a16:creationId xmlns:a16="http://schemas.microsoft.com/office/drawing/2014/main" id="{064D9C4E-F4F2-FEE7-2B95-7E0B0077093E}"/>
+          <p:cNvPr id="6" name="구부러진 연결선[U] 5">
+            <a:extLst>
+              <a:ext uri="{FF2B5EF4-FFF2-40B4-BE49-F238E27FC236}">
+                <a16:creationId xmlns:a16="http://schemas.microsoft.com/office/drawing/2014/main" id="{007AD691-BA2B-AC62-488E-1B53C6819EB8}"/>
               </a:ext>
             </a:extLst>
           </p:cNvPr>
           <p:cNvCxnSpPr>
             <a:cxnSpLocks/>
-            <a:stCxn id="21" idx="0"/>
-            <a:endCxn id="12" idx="0"/>
+            <a:stCxn id="2" idx="0"/>
+            <a:endCxn id="5" idx="0"/>
           </p:cNvCxnSpPr>
           <p:nvPr/>
         </p:nvCxnSpPr>
         <p:spPr>
-          <a:xfrm rot="16200000" flipH="1">
-            <a:off x="4626864" y="-48768"/>
-            <a:ext cx="146304" cy="4267200"/>
+          <a:xfrm rot="5400000" flipH="1" flipV="1">
+            <a:off x="4261179" y="-870636"/>
+            <a:ext cx="60598" cy="4123613"/>
           </a:xfrm>
           <a:prstGeom prst="curvedConnector3">
             <a:avLst>
-              <a:gd name="adj1" fmla="val -156250"/>
+              <a:gd name="adj1" fmla="val 477240"/>
             </a:avLst>
           </a:prstGeom>
           <a:ln>
@@ -8823,28 +8217,28 @@
       </p:cxnSp>
       <p:cxnSp>
         <p:nvCxnSpPr>
-          <p:cNvPr id="23" name="구부러진 연결선[U] 22">
-            <a:extLst>
-              <a:ext uri="{FF2B5EF4-FFF2-40B4-BE49-F238E27FC236}">
-                <a16:creationId xmlns:a16="http://schemas.microsoft.com/office/drawing/2014/main" id="{7DFB65E0-3310-A463-704C-7E160DFEE561}"/>
+          <p:cNvPr id="7" name="구부러진 연결선[U] 6">
+            <a:extLst>
+              <a:ext uri="{FF2B5EF4-FFF2-40B4-BE49-F238E27FC236}">
+                <a16:creationId xmlns:a16="http://schemas.microsoft.com/office/drawing/2014/main" id="{868B9371-FDD1-BBE3-90DF-9E3529A19560}"/>
               </a:ext>
             </a:extLst>
           </p:cNvPr>
           <p:cNvCxnSpPr>
             <a:cxnSpLocks/>
-            <a:stCxn id="12" idx="2"/>
-            <a:endCxn id="21" idx="2"/>
+            <a:stCxn id="5" idx="2"/>
+            <a:endCxn id="2" idx="2"/>
           </p:cNvCxnSpPr>
           <p:nvPr/>
         </p:nvCxnSpPr>
         <p:spPr>
-          <a:xfrm rot="5400000">
-            <a:off x="4457700" y="1537716"/>
-            <a:ext cx="484632" cy="4267200"/>
+          <a:xfrm rot="5400000" flipH="1">
+            <a:off x="4159631" y="-208759"/>
+            <a:ext cx="263695" cy="4123613"/>
           </a:xfrm>
           <a:prstGeom prst="curvedConnector3">
             <a:avLst>
-              <a:gd name="adj1" fmla="val 147170"/>
+              <a:gd name="adj1" fmla="val -86691"/>
             </a:avLst>
           </a:prstGeom>
           <a:ln>
@@ -8868,10 +8262,10 @@
       </p:cxnSp>
       <p:sp>
         <p:nvSpPr>
-          <p:cNvPr id="24" name="TextBox 23">
-            <a:extLst>
-              <a:ext uri="{FF2B5EF4-FFF2-40B4-BE49-F238E27FC236}">
-                <a16:creationId xmlns:a16="http://schemas.microsoft.com/office/drawing/2014/main" id="{C5EB389E-7A64-4F23-24C7-B6B98045A844}"/>
+          <p:cNvPr id="8" name="TextBox 7">
+            <a:extLst>
+              <a:ext uri="{FF2B5EF4-FFF2-40B4-BE49-F238E27FC236}">
+                <a16:creationId xmlns:a16="http://schemas.microsoft.com/office/drawing/2014/main" id="{E9493918-9E26-3CB9-58ED-E186661C00B0}"/>
               </a:ext>
             </a:extLst>
           </p:cNvPr>
@@ -8880,7 +8274,7 @@
         </p:nvSpPr>
         <p:spPr>
           <a:xfrm>
-            <a:off x="4258584" y="1653320"/>
+            <a:off x="3969296" y="772507"/>
             <a:ext cx="751487" cy="276999"/>
           </a:xfrm>
           <a:prstGeom prst="rect">
@@ -8909,18 +8303,6 @@
           <a:p>
             <a:pPr algn="ctr"/>
             <a:r>
-              <a:rPr kumimoji="1" lang="en-US" altLang="ko-Kore-KR" sz="1200" dirty="0"/>
-              <a:t>1</a:t>
-            </a:r>
-            <a:r>
-              <a:rPr kumimoji="1" lang="en-US" altLang="ko-KR" sz="1200" dirty="0"/>
-              <a:t>.</a:t>
-            </a:r>
-            <a:r>
-              <a:rPr kumimoji="1" lang="ko-KR" altLang="en-US" sz="1200" dirty="0"/>
-              <a:t> </a:t>
-            </a:r>
-            <a:r>
               <a:rPr kumimoji="1" lang="ko-Kore-KR" altLang="en-US" sz="1200" dirty="0"/>
               <a:t>요청</a:t>
             </a:r>
@@ -8929,10 +8311,10 @@
       </p:sp>
       <p:sp>
         <p:nvSpPr>
-          <p:cNvPr id="25" name="TextBox 24">
-            <a:extLst>
-              <a:ext uri="{FF2B5EF4-FFF2-40B4-BE49-F238E27FC236}">
-                <a16:creationId xmlns:a16="http://schemas.microsoft.com/office/drawing/2014/main" id="{ACE8DD4B-C2AC-9725-50E7-477C207B3181}"/>
+          <p:cNvPr id="9" name="TextBox 8">
+            <a:extLst>
+              <a:ext uri="{FF2B5EF4-FFF2-40B4-BE49-F238E27FC236}">
+                <a16:creationId xmlns:a16="http://schemas.microsoft.com/office/drawing/2014/main" id="{FED437F4-E282-8D3D-B710-88907AB91BB0}"/>
               </a:ext>
             </a:extLst>
           </p:cNvPr>
@@ -8941,8 +8323,8 @@
         </p:nvSpPr>
         <p:spPr>
           <a:xfrm>
-            <a:off x="4293792" y="3934910"/>
-            <a:ext cx="751487" cy="461665"/>
+            <a:off x="3969296" y="2082197"/>
+            <a:ext cx="751487" cy="276999"/>
           </a:xfrm>
           <a:prstGeom prst="rect">
             <a:avLst/>
@@ -8970,30 +8352,19 @@
           <a:p>
             <a:pPr algn="ctr"/>
             <a:r>
-              <a:rPr kumimoji="1" lang="en-US" altLang="ko-KR" sz="1200" dirty="0"/>
-              <a:t>4.</a:t>
-            </a:r>
-            <a:r>
               <a:rPr kumimoji="1" lang="ko-KR" altLang="en-US" sz="1200" dirty="0"/>
-              <a:t> 응답</a:t>
+              <a:t>응답</a:t>
             </a:r>
             <a:endParaRPr kumimoji="1" lang="en-US" altLang="ko-KR" sz="1200" dirty="0"/>
           </a:p>
-          <a:p>
-            <a:pPr algn="ctr"/>
-            <a:r>
-              <a:rPr kumimoji="1" lang="en-US" altLang="ko-KR" sz="1200" dirty="0"/>
-              <a:t>(JSON)</a:t>
-            </a:r>
-          </a:p>
-        </p:txBody>
-      </p:sp>
-      <p:sp>
-        <p:nvSpPr>
-          <p:cNvPr id="26" name="직사각형 25">
-            <a:extLst>
-              <a:ext uri="{FF2B5EF4-FFF2-40B4-BE49-F238E27FC236}">
-                <a16:creationId xmlns:a16="http://schemas.microsoft.com/office/drawing/2014/main" id="{6A4D0132-087E-3087-CC35-F586F439C20A}"/>
+        </p:txBody>
+      </p:sp>
+      <p:sp>
+        <p:nvSpPr>
+          <p:cNvPr id="10" name="직사각형 9">
+            <a:extLst>
+              <a:ext uri="{FF2B5EF4-FFF2-40B4-BE49-F238E27FC236}">
+                <a16:creationId xmlns:a16="http://schemas.microsoft.com/office/drawing/2014/main" id="{311B3B38-5010-6034-9702-FDEB526B9880}"/>
               </a:ext>
             </a:extLst>
           </p:cNvPr>
@@ -9002,8 +8373,8 @@
         </p:nvSpPr>
         <p:spPr>
           <a:xfrm>
-            <a:off x="3777575" y="2640743"/>
-            <a:ext cx="1783923" cy="625538"/>
+            <a:off x="3596981" y="1378044"/>
+            <a:ext cx="1440342" cy="305687"/>
           </a:xfrm>
           <a:prstGeom prst="rect">
             <a:avLst/>
@@ -9042,46 +8413,101 @@
                   <a:schemeClr val="bg1"/>
                 </a:solidFill>
               </a:rPr>
-              <a:t>HTTP</a:t>
-            </a:r>
-          </a:p>
-          <a:p>
-            <a:pPr algn="ctr"/>
+              <a:t>HTTP </a:t>
+            </a:r>
             <a:r>
               <a:rPr kumimoji="1" lang="ko-Kore-KR" altLang="en-US" dirty="0">
                 <a:solidFill>
                   <a:schemeClr val="bg1"/>
                 </a:solidFill>
               </a:rPr>
-              <a:t>프로토콜</a:t>
-            </a:r>
+              <a:t>통신</a:t>
+            </a:r>
+          </a:p>
+        </p:txBody>
+      </p:sp>
+      <p:sp>
+        <p:nvSpPr>
+          <p:cNvPr id="13" name="직사각형 12">
+            <a:extLst>
+              <a:ext uri="{FF2B5EF4-FFF2-40B4-BE49-F238E27FC236}">
+                <a16:creationId xmlns:a16="http://schemas.microsoft.com/office/drawing/2014/main" id="{A481BFB7-D2CC-E236-CC09-24AD559E9CB5}"/>
+              </a:ext>
+            </a:extLst>
+          </p:cNvPr>
+          <p:cNvSpPr/>
+          <p:nvPr/>
+        </p:nvSpPr>
+        <p:spPr>
+          <a:xfrm>
+            <a:off x="1485394" y="5337076"/>
+            <a:ext cx="1488558" cy="499730"/>
+          </a:xfrm>
+          <a:prstGeom prst="rect">
+            <a:avLst/>
+          </a:prstGeom>
+        </p:spPr>
+        <p:style>
+          <a:lnRef idx="2">
+            <a:schemeClr val="accent1">
+              <a:shade val="50000"/>
+            </a:schemeClr>
+          </a:lnRef>
+          <a:fillRef idx="1">
+            <a:schemeClr val="accent1"/>
+          </a:fillRef>
+          <a:effectRef idx="0">
+            <a:schemeClr val="accent1"/>
+          </a:effectRef>
+          <a:fontRef idx="minor">
+            <a:schemeClr val="lt1"/>
+          </a:fontRef>
+        </p:style>
+        <p:txBody>
+          <a:bodyPr rtlCol="0" anchor="ctr"/>
+          <a:lstStyle/>
+          <a:p>
+            <a:pPr algn="ctr"/>
+            <a:r>
+              <a:rPr kumimoji="1" lang="en-US" altLang="ko-KR" dirty="0"/>
+              <a:t>JavaScript</a:t>
+            </a:r>
+            <a:r>
+              <a:rPr kumimoji="1" lang="ko-KR" altLang="en-US" dirty="0"/>
+              <a:t> </a:t>
+            </a:r>
+            <a:r>
+              <a:rPr kumimoji="1" lang="en-US" altLang="ko-KR" dirty="0"/>
+              <a:t>App</a:t>
+            </a:r>
+            <a:endParaRPr kumimoji="1" lang="ko-Kore-KR" altLang="en-US" dirty="0"/>
           </a:p>
         </p:txBody>
       </p:sp>
       <p:cxnSp>
         <p:nvCxnSpPr>
-          <p:cNvPr id="31" name="구부러진 연결선[U] 30">
-            <a:extLst>
-              <a:ext uri="{FF2B5EF4-FFF2-40B4-BE49-F238E27FC236}">
-                <a16:creationId xmlns:a16="http://schemas.microsoft.com/office/drawing/2014/main" id="{B2A1BDB1-B3B9-1B1D-03F0-CA118560893C}"/>
+          <p:cNvPr id="14" name="구부러진 연결선[U] 13">
+            <a:extLst>
+              <a:ext uri="{FF2B5EF4-FFF2-40B4-BE49-F238E27FC236}">
+                <a16:creationId xmlns:a16="http://schemas.microsoft.com/office/drawing/2014/main" id="{B1A7090D-08CB-CA43-0EE8-DBB489FEA2D0}"/>
               </a:ext>
             </a:extLst>
           </p:cNvPr>
           <p:cNvCxnSpPr>
             <a:cxnSpLocks/>
-            <a:stCxn id="12" idx="0"/>
-            <a:endCxn id="20" idx="0"/>
+            <a:stCxn id="3" idx="0"/>
+            <a:endCxn id="5" idx="2"/>
           </p:cNvCxnSpPr>
           <p:nvPr/>
         </p:nvCxnSpPr>
         <p:spPr>
           <a:xfrm rot="5400000" flipH="1" flipV="1">
-            <a:off x="8668512" y="323088"/>
-            <a:ext cx="12700" cy="3669792"/>
+            <a:off x="3743139" y="471427"/>
+            <a:ext cx="1096678" cy="4123613"/>
           </a:xfrm>
           <a:prstGeom prst="curvedConnector3">
             <a:avLst>
-              <a:gd name="adj1" fmla="val 1800000"/>
+              <a:gd name="adj1" fmla="val 50000"/>
             </a:avLst>
           </a:prstGeom>
           <a:ln>
@@ -9105,29 +8531,27 @@
       </p:cxnSp>
       <p:cxnSp>
         <p:nvCxnSpPr>
-          <p:cNvPr id="32" name="구부러진 연결선[U] 31">
-            <a:extLst>
-              <a:ext uri="{FF2B5EF4-FFF2-40B4-BE49-F238E27FC236}">
-                <a16:creationId xmlns:a16="http://schemas.microsoft.com/office/drawing/2014/main" id="{4556B633-F220-2279-BB8C-C0453A801C1C}"/>
+          <p:cNvPr id="15" name="구부러진 연결선[U] 14">
+            <a:extLst>
+              <a:ext uri="{FF2B5EF4-FFF2-40B4-BE49-F238E27FC236}">
+                <a16:creationId xmlns:a16="http://schemas.microsoft.com/office/drawing/2014/main" id="{24792080-3044-70F1-E7CD-D3FB2FD2227D}"/>
               </a:ext>
             </a:extLst>
           </p:cNvPr>
           <p:cNvCxnSpPr>
             <a:cxnSpLocks/>
-            <a:stCxn id="20" idx="2"/>
-            <a:endCxn id="12" idx="2"/>
+            <a:stCxn id="5" idx="2"/>
+            <a:endCxn id="3" idx="3"/>
           </p:cNvCxnSpPr>
           <p:nvPr/>
         </p:nvCxnSpPr>
         <p:spPr>
           <a:xfrm rot="5400000">
-            <a:off x="8668512" y="1594104"/>
-            <a:ext cx="12700" cy="3669792"/>
-          </a:xfrm>
-          <a:prstGeom prst="curvedConnector3">
-            <a:avLst>
-              <a:gd name="adj1" fmla="val 1800000"/>
-            </a:avLst>
+            <a:off x="3990347" y="968498"/>
+            <a:ext cx="1346543" cy="3379334"/>
+          </a:xfrm>
+          <a:prstGeom prst="curvedConnector2">
+            <a:avLst/>
           </a:prstGeom>
           <a:ln>
             <a:tailEnd type="triangle"/>
@@ -9148,22 +8572,198 @@
           </a:fontRef>
         </p:style>
       </p:cxnSp>
-      <p:sp>
-        <p:nvSpPr>
-          <p:cNvPr id="39" name="TextBox 38">
-            <a:extLst>
-              <a:ext uri="{FF2B5EF4-FFF2-40B4-BE49-F238E27FC236}">
-                <a16:creationId xmlns:a16="http://schemas.microsoft.com/office/drawing/2014/main" id="{DF541C47-5D70-4F89-7136-90B7290FF5B6}"/>
-              </a:ext>
-            </a:extLst>
-          </p:cNvPr>
-          <p:cNvSpPr txBox="1"/>
-          <p:nvPr/>
-        </p:nvSpPr>
-        <p:spPr>
-          <a:xfrm>
-            <a:off x="8365079" y="1791819"/>
-            <a:ext cx="751487" cy="276999"/>
+      <p:cxnSp>
+        <p:nvCxnSpPr>
+          <p:cNvPr id="16" name="구부러진 연결선[U] 15">
+            <a:extLst>
+              <a:ext uri="{FF2B5EF4-FFF2-40B4-BE49-F238E27FC236}">
+                <a16:creationId xmlns:a16="http://schemas.microsoft.com/office/drawing/2014/main" id="{B082B69C-56FD-167F-272D-BB9F0F99E874}"/>
+              </a:ext>
+            </a:extLst>
+          </p:cNvPr>
+          <p:cNvCxnSpPr>
+            <a:cxnSpLocks/>
+            <a:stCxn id="4" idx="3"/>
+            <a:endCxn id="5" idx="2"/>
+          </p:cNvCxnSpPr>
+          <p:nvPr/>
+        </p:nvCxnSpPr>
+        <p:spPr>
+          <a:xfrm flipV="1">
+            <a:off x="2973952" y="1984894"/>
+            <a:ext cx="3379333" cy="2443221"/>
+          </a:xfrm>
+          <a:prstGeom prst="curvedConnector2">
+            <a:avLst/>
+          </a:prstGeom>
+          <a:ln>
+            <a:tailEnd type="triangle"/>
+          </a:ln>
+        </p:spPr>
+        <p:style>
+          <a:lnRef idx="3">
+            <a:schemeClr val="accent6"/>
+          </a:lnRef>
+          <a:fillRef idx="0">
+            <a:schemeClr val="accent6"/>
+          </a:fillRef>
+          <a:effectRef idx="2">
+            <a:schemeClr val="accent6"/>
+          </a:effectRef>
+          <a:fontRef idx="minor">
+            <a:schemeClr val="tx1"/>
+          </a:fontRef>
+        </p:style>
+      </p:cxnSp>
+      <p:cxnSp>
+        <p:nvCxnSpPr>
+          <p:cNvPr id="17" name="구부러진 연결선[U] 16">
+            <a:extLst>
+              <a:ext uri="{FF2B5EF4-FFF2-40B4-BE49-F238E27FC236}">
+                <a16:creationId xmlns:a16="http://schemas.microsoft.com/office/drawing/2014/main" id="{97D052AA-3EDC-17D4-4570-6C9DEB4C4C7E}"/>
+              </a:ext>
+            </a:extLst>
+          </p:cNvPr>
+          <p:cNvCxnSpPr>
+            <a:cxnSpLocks/>
+            <a:stCxn id="5" idx="2"/>
+            <a:endCxn id="4" idx="2"/>
+          </p:cNvCxnSpPr>
+          <p:nvPr/>
+        </p:nvCxnSpPr>
+        <p:spPr>
+          <a:xfrm rot="5400000">
+            <a:off x="2944936" y="1269631"/>
+            <a:ext cx="2693086" cy="4123612"/>
+          </a:xfrm>
+          <a:prstGeom prst="curvedConnector3">
+            <a:avLst>
+              <a:gd name="adj1" fmla="val 108488"/>
+            </a:avLst>
+          </a:prstGeom>
+          <a:ln>
+            <a:tailEnd type="triangle"/>
+          </a:ln>
+        </p:spPr>
+        <p:style>
+          <a:lnRef idx="3">
+            <a:schemeClr val="accent2"/>
+          </a:lnRef>
+          <a:fillRef idx="0">
+            <a:schemeClr val="accent2"/>
+          </a:fillRef>
+          <a:effectRef idx="2">
+            <a:schemeClr val="accent2"/>
+          </a:effectRef>
+          <a:fontRef idx="minor">
+            <a:schemeClr val="tx1"/>
+          </a:fontRef>
+        </p:style>
+      </p:cxnSp>
+      <p:cxnSp>
+        <p:nvCxnSpPr>
+          <p:cNvPr id="18" name="구부러진 연결선[U] 17">
+            <a:extLst>
+              <a:ext uri="{FF2B5EF4-FFF2-40B4-BE49-F238E27FC236}">
+                <a16:creationId xmlns:a16="http://schemas.microsoft.com/office/drawing/2014/main" id="{35CEAE78-C91D-7609-55AF-B23F120CDDA2}"/>
+              </a:ext>
+            </a:extLst>
+          </p:cNvPr>
+          <p:cNvCxnSpPr>
+            <a:cxnSpLocks/>
+            <a:stCxn id="13" idx="3"/>
+            <a:endCxn id="5" idx="2"/>
+          </p:cNvCxnSpPr>
+          <p:nvPr/>
+        </p:nvCxnSpPr>
+        <p:spPr>
+          <a:xfrm flipV="1">
+            <a:off x="2973952" y="1984894"/>
+            <a:ext cx="3379333" cy="3602047"/>
+          </a:xfrm>
+          <a:prstGeom prst="curvedConnector2">
+            <a:avLst/>
+          </a:prstGeom>
+          <a:ln>
+            <a:tailEnd type="triangle"/>
+          </a:ln>
+        </p:spPr>
+        <p:style>
+          <a:lnRef idx="3">
+            <a:schemeClr val="accent6"/>
+          </a:lnRef>
+          <a:fillRef idx="0">
+            <a:schemeClr val="accent6"/>
+          </a:fillRef>
+          <a:effectRef idx="2">
+            <a:schemeClr val="accent6"/>
+          </a:effectRef>
+          <a:fontRef idx="minor">
+            <a:schemeClr val="tx1"/>
+          </a:fontRef>
+        </p:style>
+      </p:cxnSp>
+      <p:cxnSp>
+        <p:nvCxnSpPr>
+          <p:cNvPr id="19" name="구부러진 연결선[U] 18">
+            <a:extLst>
+              <a:ext uri="{FF2B5EF4-FFF2-40B4-BE49-F238E27FC236}">
+                <a16:creationId xmlns:a16="http://schemas.microsoft.com/office/drawing/2014/main" id="{AB98A9CB-C49D-7499-8130-88BA5F38AADA}"/>
+              </a:ext>
+            </a:extLst>
+          </p:cNvPr>
+          <p:cNvCxnSpPr>
+            <a:cxnSpLocks/>
+            <a:stCxn id="5" idx="2"/>
+            <a:endCxn id="13" idx="2"/>
+          </p:cNvCxnSpPr>
+          <p:nvPr/>
+        </p:nvCxnSpPr>
+        <p:spPr>
+          <a:xfrm rot="5400000">
+            <a:off x="2365523" y="1849044"/>
+            <a:ext cx="3851912" cy="4123612"/>
+          </a:xfrm>
+          <a:prstGeom prst="curvedConnector3">
+            <a:avLst>
+              <a:gd name="adj1" fmla="val 105935"/>
+            </a:avLst>
+          </a:prstGeom>
+          <a:ln>
+            <a:tailEnd type="triangle"/>
+          </a:ln>
+        </p:spPr>
+        <p:style>
+          <a:lnRef idx="3">
+            <a:schemeClr val="accent2"/>
+          </a:lnRef>
+          <a:fillRef idx="0">
+            <a:schemeClr val="accent2"/>
+          </a:fillRef>
+          <a:effectRef idx="2">
+            <a:schemeClr val="accent2"/>
+          </a:effectRef>
+          <a:fontRef idx="minor">
+            <a:schemeClr val="tx1"/>
+          </a:fontRef>
+        </p:style>
+      </p:cxnSp>
+      <p:sp>
+        <p:nvSpPr>
+          <p:cNvPr id="41" name="직사각형 40">
+            <a:extLst>
+              <a:ext uri="{FF2B5EF4-FFF2-40B4-BE49-F238E27FC236}">
+                <a16:creationId xmlns:a16="http://schemas.microsoft.com/office/drawing/2014/main" id="{3AAAFD0E-0841-84ED-3C7C-EA85FA560FB2}"/>
+              </a:ext>
+            </a:extLst>
+          </p:cNvPr>
+          <p:cNvSpPr/>
+          <p:nvPr/>
+        </p:nvSpPr>
+        <p:spPr>
+          <a:xfrm>
+            <a:off x="8473769" y="237735"/>
+            <a:ext cx="1488558" cy="499730"/>
           </a:xfrm>
           <a:prstGeom prst="rect">
             <a:avLst/>
@@ -9171,49 +8771,56 @@
         </p:spPr>
         <p:style>
           <a:lnRef idx="2">
-            <a:schemeClr val="accent6"/>
-          </a:lnRef>
-          <a:fillRef idx="1">
-            <a:schemeClr val="lt1"/>
+            <a:schemeClr val="accent1">
+              <a:shade val="50000"/>
+            </a:schemeClr>
+          </a:lnRef>
+          <a:fillRef idx="1">
+            <a:schemeClr val="accent1"/>
           </a:fillRef>
           <a:effectRef idx="0">
-            <a:schemeClr val="accent6"/>
-          </a:effectRef>
-          <a:fontRef idx="minor">
-            <a:schemeClr val="dk1"/>
-          </a:fontRef>
-        </p:style>
-        <p:txBody>
-          <a:bodyPr wrap="square" rtlCol="0">
-            <a:spAutoFit/>
-          </a:bodyPr>
-          <a:lstStyle/>
-          <a:p>
-            <a:pPr algn="ctr"/>
-            <a:r>
-              <a:rPr kumimoji="1" lang="en-US" altLang="ko-Kore-KR" sz="1200" dirty="0"/>
-              <a:t>2. call</a:t>
-            </a:r>
-            <a:endParaRPr kumimoji="1" lang="ko-Kore-KR" altLang="en-US" sz="1200" dirty="0"/>
-          </a:p>
-        </p:txBody>
-      </p:sp>
-      <p:sp>
-        <p:nvSpPr>
-          <p:cNvPr id="40" name="TextBox 39">
-            <a:extLst>
-              <a:ext uri="{FF2B5EF4-FFF2-40B4-BE49-F238E27FC236}">
-                <a16:creationId xmlns:a16="http://schemas.microsoft.com/office/drawing/2014/main" id="{4DF265BC-1B61-7516-B21B-F1E225C2B29B}"/>
-              </a:ext>
-            </a:extLst>
-          </p:cNvPr>
-          <p:cNvSpPr txBox="1"/>
-          <p:nvPr/>
-        </p:nvSpPr>
-        <p:spPr>
-          <a:xfrm>
-            <a:off x="8365079" y="3532816"/>
-            <a:ext cx="751487" cy="276999"/>
+            <a:schemeClr val="accent1"/>
+          </a:effectRef>
+          <a:fontRef idx="minor">
+            <a:schemeClr val="lt1"/>
+          </a:fontRef>
+        </p:style>
+        <p:txBody>
+          <a:bodyPr rtlCol="0" anchor="ctr"/>
+          <a:lstStyle/>
+          <a:p>
+            <a:pPr algn="ctr"/>
+            <a:r>
+              <a:rPr kumimoji="1" lang="en-US" altLang="ko-Kore-KR" dirty="0"/>
+              <a:t>Java</a:t>
+            </a:r>
+          </a:p>
+          <a:p>
+            <a:pPr algn="ctr"/>
+            <a:r>
+              <a:rPr kumimoji="1" lang="en-US" altLang="ko-Kore-KR" dirty="0"/>
+              <a:t>method</a:t>
+            </a:r>
+            <a:endParaRPr kumimoji="1" lang="ko-Kore-KR" altLang="en-US" dirty="0"/>
+          </a:p>
+        </p:txBody>
+      </p:sp>
+      <p:sp>
+        <p:nvSpPr>
+          <p:cNvPr id="42" name="직사각형 41">
+            <a:extLst>
+              <a:ext uri="{FF2B5EF4-FFF2-40B4-BE49-F238E27FC236}">
+                <a16:creationId xmlns:a16="http://schemas.microsoft.com/office/drawing/2014/main" id="{C5908FB9-CCD1-DB6E-A0E9-CAA2F9801B67}"/>
+              </a:ext>
+            </a:extLst>
+          </p:cNvPr>
+          <p:cNvSpPr/>
+          <p:nvPr/>
+        </p:nvSpPr>
+        <p:spPr>
+          <a:xfrm>
+            <a:off x="8473770" y="1323017"/>
+            <a:ext cx="1488558" cy="499730"/>
           </a:xfrm>
           <a:prstGeom prst="rect">
             <a:avLst/>
@@ -9221,48 +8828,56 @@
         </p:spPr>
         <p:style>
           <a:lnRef idx="2">
-            <a:schemeClr val="accent2"/>
-          </a:lnRef>
-          <a:fillRef idx="1">
-            <a:schemeClr val="lt1"/>
+            <a:schemeClr val="accent1">
+              <a:shade val="50000"/>
+            </a:schemeClr>
+          </a:lnRef>
+          <a:fillRef idx="1">
+            <a:schemeClr val="accent1"/>
           </a:fillRef>
           <a:effectRef idx="0">
-            <a:schemeClr val="accent2"/>
-          </a:effectRef>
-          <a:fontRef idx="minor">
-            <a:schemeClr val="dk1"/>
-          </a:fontRef>
-        </p:style>
-        <p:txBody>
-          <a:bodyPr wrap="square" rtlCol="0">
-            <a:spAutoFit/>
-          </a:bodyPr>
-          <a:lstStyle/>
-          <a:p>
-            <a:pPr algn="ctr"/>
-            <a:r>
-              <a:rPr kumimoji="1" lang="en-US" altLang="ko-KR" sz="1200" dirty="0"/>
-              <a:t>3. JSON</a:t>
-            </a:r>
-          </a:p>
-        </p:txBody>
-      </p:sp>
-      <p:sp>
-        <p:nvSpPr>
-          <p:cNvPr id="41" name="TextBox 40">
-            <a:extLst>
-              <a:ext uri="{FF2B5EF4-FFF2-40B4-BE49-F238E27FC236}">
-                <a16:creationId xmlns:a16="http://schemas.microsoft.com/office/drawing/2014/main" id="{A1D4EC36-AE00-F985-2452-9EBF0AD000E4}"/>
-              </a:ext>
-            </a:extLst>
-          </p:cNvPr>
-          <p:cNvSpPr txBox="1"/>
-          <p:nvPr/>
-        </p:nvSpPr>
-        <p:spPr>
-          <a:xfrm>
-            <a:off x="1555452" y="4925568"/>
-            <a:ext cx="2021927" cy="369332"/>
+            <a:schemeClr val="accent1"/>
+          </a:effectRef>
+          <a:fontRef idx="minor">
+            <a:schemeClr val="lt1"/>
+          </a:fontRef>
+        </p:style>
+        <p:txBody>
+          <a:bodyPr rtlCol="0" anchor="ctr"/>
+          <a:lstStyle/>
+          <a:p>
+            <a:pPr algn="ctr"/>
+            <a:r>
+              <a:rPr kumimoji="1" lang="en-US" altLang="ko-Kore-KR" dirty="0"/>
+              <a:t>C#</a:t>
+            </a:r>
+          </a:p>
+          <a:p>
+            <a:pPr algn="ctr"/>
+            <a:r>
+              <a:rPr kumimoji="1" lang="en-US" altLang="ko-Kore-KR" dirty="0"/>
+              <a:t>method</a:t>
+            </a:r>
+            <a:endParaRPr kumimoji="1" lang="ko-Kore-KR" altLang="en-US" dirty="0"/>
+          </a:p>
+        </p:txBody>
+      </p:sp>
+      <p:sp>
+        <p:nvSpPr>
+          <p:cNvPr id="43" name="직사각형 42">
+            <a:extLst>
+              <a:ext uri="{FF2B5EF4-FFF2-40B4-BE49-F238E27FC236}">
+                <a16:creationId xmlns:a16="http://schemas.microsoft.com/office/drawing/2014/main" id="{08F69697-A16B-B113-7076-2D4A9624F118}"/>
+              </a:ext>
+            </a:extLst>
+          </p:cNvPr>
+          <p:cNvSpPr/>
+          <p:nvPr/>
+        </p:nvSpPr>
+        <p:spPr>
+          <a:xfrm>
+            <a:off x="8473769" y="2408300"/>
+            <a:ext cx="1488558" cy="499730"/>
           </a:xfrm>
           <a:prstGeom prst="rect">
             <a:avLst/>
@@ -9270,131 +8885,174 @@
         </p:spPr>
         <p:style>
           <a:lnRef idx="2">
-            <a:schemeClr val="dk1"/>
-          </a:lnRef>
-          <a:fillRef idx="1">
-            <a:schemeClr val="lt1"/>
+            <a:schemeClr val="accent1">
+              <a:shade val="50000"/>
+            </a:schemeClr>
+          </a:lnRef>
+          <a:fillRef idx="1">
+            <a:schemeClr val="accent1"/>
           </a:fillRef>
           <a:effectRef idx="0">
-            <a:schemeClr val="dk1"/>
-          </a:effectRef>
-          <a:fontRef idx="minor">
-            <a:schemeClr val="dk1"/>
-          </a:fontRef>
-        </p:style>
-        <p:txBody>
-          <a:bodyPr wrap="square" rtlCol="0">
-            <a:spAutoFit/>
-          </a:bodyPr>
-          <a:lstStyle/>
+            <a:schemeClr val="accent1"/>
+          </a:effectRef>
+          <a:fontRef idx="minor">
+            <a:schemeClr val="lt1"/>
+          </a:fontRef>
+        </p:style>
+        <p:txBody>
+          <a:bodyPr rtlCol="0" anchor="ctr"/>
+          <a:lstStyle/>
+          <a:p>
+            <a:pPr algn="ctr"/>
+            <a:r>
+              <a:rPr kumimoji="1" lang="en-US" altLang="ko-KR" dirty="0"/>
+              <a:t>JavaScript</a:t>
+            </a:r>
+            <a:endParaRPr kumimoji="1" lang="en-US" altLang="ko-Kore-KR" dirty="0"/>
+          </a:p>
           <a:p>
             <a:pPr algn="ctr"/>
             <a:r>
               <a:rPr kumimoji="1" lang="en-US" altLang="ko-Kore-KR" dirty="0"/>
-              <a:t>Front-end</a:t>
+              <a:t>method</a:t>
             </a:r>
             <a:endParaRPr kumimoji="1" lang="ko-Kore-KR" altLang="en-US" dirty="0"/>
           </a:p>
         </p:txBody>
       </p:sp>
-      <p:sp>
-        <p:nvSpPr>
-          <p:cNvPr id="42" name="TextBox 41">
-            <a:extLst>
-              <a:ext uri="{FF2B5EF4-FFF2-40B4-BE49-F238E27FC236}">
-                <a16:creationId xmlns:a16="http://schemas.microsoft.com/office/drawing/2014/main" id="{02E5FAD5-C006-2B95-80A8-44FED140629F}"/>
-              </a:ext>
-            </a:extLst>
-          </p:cNvPr>
-          <p:cNvSpPr txBox="1"/>
-          <p:nvPr/>
-        </p:nvSpPr>
-        <p:spPr>
-          <a:xfrm>
-            <a:off x="8614623" y="4925568"/>
-            <a:ext cx="2021927" cy="369332"/>
-          </a:xfrm>
-          <a:prstGeom prst="rect">
-            <a:avLst/>
-          </a:prstGeom>
-        </p:spPr>
-        <p:style>
-          <a:lnRef idx="2">
-            <a:schemeClr val="dk1"/>
-          </a:lnRef>
-          <a:fillRef idx="1">
-            <a:schemeClr val="lt1"/>
-          </a:fillRef>
-          <a:effectRef idx="0">
-            <a:schemeClr val="dk1"/>
-          </a:effectRef>
-          <a:fontRef idx="minor">
-            <a:schemeClr val="dk1"/>
-          </a:fontRef>
-        </p:style>
-        <p:txBody>
-          <a:bodyPr wrap="square" rtlCol="0">
-            <a:spAutoFit/>
-          </a:bodyPr>
-          <a:lstStyle/>
-          <a:p>
-            <a:pPr algn="ctr"/>
-            <a:r>
-              <a:rPr kumimoji="1" lang="en-US" altLang="ko-Kore-KR" dirty="0"/>
-              <a:t>Back-end</a:t>
-            </a:r>
-            <a:endParaRPr kumimoji="1" lang="ko-Kore-KR" altLang="en-US" dirty="0"/>
-          </a:p>
-        </p:txBody>
-      </p:sp>
-      <p:sp>
-        <p:nvSpPr>
-          <p:cNvPr id="43" name="웃는 얼굴[S] 42">
-            <a:extLst>
-              <a:ext uri="{FF2B5EF4-FFF2-40B4-BE49-F238E27FC236}">
-                <a16:creationId xmlns:a16="http://schemas.microsoft.com/office/drawing/2014/main" id="{F91575EC-C739-BBDD-90BD-DF639B7A555E}"/>
-              </a:ext>
-            </a:extLst>
-          </p:cNvPr>
-          <p:cNvSpPr/>
-          <p:nvPr/>
-        </p:nvSpPr>
-        <p:spPr>
-          <a:xfrm>
-            <a:off x="5657342" y="4518922"/>
-            <a:ext cx="1182624" cy="1182624"/>
-          </a:xfrm>
-          <a:prstGeom prst="smileyFace">
-            <a:avLst/>
-          </a:prstGeom>
+      <p:cxnSp>
+        <p:nvCxnSpPr>
+          <p:cNvPr id="44" name="직선 화살표 연결선 43">
+            <a:extLst>
+              <a:ext uri="{FF2B5EF4-FFF2-40B4-BE49-F238E27FC236}">
+                <a16:creationId xmlns:a16="http://schemas.microsoft.com/office/drawing/2014/main" id="{2CA7D69C-48B8-5636-2E04-006926B69191}"/>
+              </a:ext>
+            </a:extLst>
+          </p:cNvPr>
+          <p:cNvCxnSpPr>
+            <a:cxnSpLocks/>
+            <a:stCxn id="5" idx="3"/>
+            <a:endCxn id="41" idx="1"/>
+          </p:cNvCxnSpPr>
+          <p:nvPr/>
+        </p:nvCxnSpPr>
+        <p:spPr>
+          <a:xfrm flipV="1">
+            <a:off x="7145411" y="487600"/>
+            <a:ext cx="1328358" cy="1085283"/>
+          </a:xfrm>
+          <a:prstGeom prst="straightConnector1">
+            <a:avLst/>
+          </a:prstGeom>
+          <a:ln>
+            <a:tailEnd type="triangle"/>
+          </a:ln>
         </p:spPr>
         <p:style>
           <a:lnRef idx="3">
-            <a:schemeClr val="lt1"/>
-          </a:lnRef>
-          <a:fillRef idx="1">
-            <a:schemeClr val="accent4"/>
-          </a:fillRef>
-          <a:effectRef idx="1">
-            <a:schemeClr val="accent4"/>
-          </a:effectRef>
-          <a:fontRef idx="minor">
-            <a:schemeClr val="lt1"/>
-          </a:fontRef>
-        </p:style>
-        <p:txBody>
-          <a:bodyPr rtlCol="0" anchor="ctr"/>
-          <a:lstStyle/>
-          <a:p>
-            <a:pPr algn="ctr"/>
-            <a:endParaRPr kumimoji="1" lang="ko-Kore-KR" altLang="en-US"/>
-          </a:p>
-        </p:txBody>
-      </p:sp>
+            <a:schemeClr val="accent1"/>
+          </a:lnRef>
+          <a:fillRef idx="0">
+            <a:schemeClr val="accent1"/>
+          </a:fillRef>
+          <a:effectRef idx="2">
+            <a:schemeClr val="accent1"/>
+          </a:effectRef>
+          <a:fontRef idx="minor">
+            <a:schemeClr val="tx1"/>
+          </a:fontRef>
+        </p:style>
+      </p:cxnSp>
+      <p:cxnSp>
+        <p:nvCxnSpPr>
+          <p:cNvPr id="47" name="직선 화살표 연결선 46">
+            <a:extLst>
+              <a:ext uri="{FF2B5EF4-FFF2-40B4-BE49-F238E27FC236}">
+                <a16:creationId xmlns:a16="http://schemas.microsoft.com/office/drawing/2014/main" id="{98121C7B-E20F-649B-8D8A-363CCE4908AE}"/>
+              </a:ext>
+            </a:extLst>
+          </p:cNvPr>
+          <p:cNvCxnSpPr>
+            <a:cxnSpLocks/>
+            <a:stCxn id="5" idx="3"/>
+            <a:endCxn id="42" idx="1"/>
+          </p:cNvCxnSpPr>
+          <p:nvPr/>
+        </p:nvCxnSpPr>
+        <p:spPr>
+          <a:xfrm flipV="1">
+            <a:off x="7145411" y="1572882"/>
+            <a:ext cx="1328359" cy="1"/>
+          </a:xfrm>
+          <a:prstGeom prst="straightConnector1">
+            <a:avLst/>
+          </a:prstGeom>
+          <a:ln>
+            <a:tailEnd type="triangle"/>
+          </a:ln>
+        </p:spPr>
+        <p:style>
+          <a:lnRef idx="3">
+            <a:schemeClr val="accent1"/>
+          </a:lnRef>
+          <a:fillRef idx="0">
+            <a:schemeClr val="accent1"/>
+          </a:fillRef>
+          <a:effectRef idx="2">
+            <a:schemeClr val="accent1"/>
+          </a:effectRef>
+          <a:fontRef idx="minor">
+            <a:schemeClr val="tx1"/>
+          </a:fontRef>
+        </p:style>
+      </p:cxnSp>
+      <p:cxnSp>
+        <p:nvCxnSpPr>
+          <p:cNvPr id="48" name="직선 화살표 연결선 47">
+            <a:extLst>
+              <a:ext uri="{FF2B5EF4-FFF2-40B4-BE49-F238E27FC236}">
+                <a16:creationId xmlns:a16="http://schemas.microsoft.com/office/drawing/2014/main" id="{771DD911-47EA-4519-72A5-96E931CB28BE}"/>
+              </a:ext>
+            </a:extLst>
+          </p:cNvPr>
+          <p:cNvCxnSpPr>
+            <a:cxnSpLocks/>
+            <a:stCxn id="5" idx="3"/>
+            <a:endCxn id="43" idx="1"/>
+          </p:cNvCxnSpPr>
+          <p:nvPr/>
+        </p:nvCxnSpPr>
+        <p:spPr>
+          <a:xfrm>
+            <a:off x="7145411" y="1572883"/>
+            <a:ext cx="1328358" cy="1085282"/>
+          </a:xfrm>
+          <a:prstGeom prst="straightConnector1">
+            <a:avLst/>
+          </a:prstGeom>
+          <a:ln>
+            <a:tailEnd type="triangle"/>
+          </a:ln>
+        </p:spPr>
+        <p:style>
+          <a:lnRef idx="3">
+            <a:schemeClr val="accent1"/>
+          </a:lnRef>
+          <a:fillRef idx="0">
+            <a:schemeClr val="accent1"/>
+          </a:fillRef>
+          <a:effectRef idx="2">
+            <a:schemeClr val="accent1"/>
+          </a:effectRef>
+          <a:fontRef idx="minor">
+            <a:schemeClr val="tx1"/>
+          </a:fontRef>
+        </p:style>
+      </p:cxnSp>
     </p:spTree>
     <p:extLst>
       <p:ext uri="{BB962C8B-B14F-4D97-AF65-F5344CB8AC3E}">
-        <p14:creationId xmlns:p14="http://schemas.microsoft.com/office/powerpoint/2010/main" val="2486063272"/>
+        <p14:creationId xmlns:p14="http://schemas.microsoft.com/office/powerpoint/2010/main" val="1514317728"/>
       </p:ext>
     </p:extLst>
   </p:cSld>
@@ -9421,6 +9079,3066 @@
           <a:chExt cx="0" cy="0"/>
         </a:xfrm>
       </p:grpSpPr>
+      <p:sp>
+        <p:nvSpPr>
+          <p:cNvPr id="11" name="한쪽 모서리는 잘리고 다른 쪽 모서리는 둥근 사각형 10">
+            <a:extLst>
+              <a:ext uri="{FF2B5EF4-FFF2-40B4-BE49-F238E27FC236}">
+                <a16:creationId xmlns:a16="http://schemas.microsoft.com/office/drawing/2014/main" id="{1213E7E3-8E88-D974-27AC-4D612888C211}"/>
+              </a:ext>
+            </a:extLst>
+          </p:cNvPr>
+          <p:cNvSpPr/>
+          <p:nvPr/>
+        </p:nvSpPr>
+        <p:spPr>
+          <a:xfrm>
+            <a:off x="1194816" y="999744"/>
+            <a:ext cx="2743200" cy="3389376"/>
+          </a:xfrm>
+          <a:prstGeom prst="snipRoundRect">
+            <a:avLst/>
+          </a:prstGeom>
+        </p:spPr>
+        <p:style>
+          <a:lnRef idx="2">
+            <a:schemeClr val="accent1">
+              <a:shade val="50000"/>
+            </a:schemeClr>
+          </a:lnRef>
+          <a:fillRef idx="1">
+            <a:schemeClr val="accent1"/>
+          </a:fillRef>
+          <a:effectRef idx="0">
+            <a:schemeClr val="accent1"/>
+          </a:effectRef>
+          <a:fontRef idx="minor">
+            <a:schemeClr val="lt1"/>
+          </a:fontRef>
+        </p:style>
+        <p:txBody>
+          <a:bodyPr rtlCol="0" anchor="t"/>
+          <a:lstStyle/>
+          <a:p>
+            <a:pPr algn="ctr"/>
+            <a:r>
+              <a:rPr kumimoji="1" lang="en-US" altLang="ko-Kore-KR" dirty="0"/>
+              <a:t>HTMP </a:t>
+            </a:r>
+            <a:r>
+              <a:rPr kumimoji="1" lang="ko-Kore-KR" altLang="en-US" dirty="0"/>
+              <a:t>페이지</a:t>
+            </a:r>
+          </a:p>
+        </p:txBody>
+      </p:sp>
+      <p:sp>
+        <p:nvSpPr>
+          <p:cNvPr id="12" name="직사각형 11">
+            <a:extLst>
+              <a:ext uri="{FF2B5EF4-FFF2-40B4-BE49-F238E27FC236}">
+                <a16:creationId xmlns:a16="http://schemas.microsoft.com/office/drawing/2014/main" id="{81266160-50EA-0116-7C9E-C73B259675C3}"/>
+              </a:ext>
+            </a:extLst>
+          </p:cNvPr>
+          <p:cNvSpPr/>
+          <p:nvPr/>
+        </p:nvSpPr>
+        <p:spPr>
+          <a:xfrm>
+            <a:off x="5730240" y="2157984"/>
+            <a:ext cx="2206752" cy="1271016"/>
+          </a:xfrm>
+          <a:prstGeom prst="rect">
+            <a:avLst/>
+          </a:prstGeom>
+        </p:spPr>
+        <p:style>
+          <a:lnRef idx="2">
+            <a:schemeClr val="accent1">
+              <a:shade val="50000"/>
+            </a:schemeClr>
+          </a:lnRef>
+          <a:fillRef idx="1">
+            <a:schemeClr val="accent1"/>
+          </a:fillRef>
+          <a:effectRef idx="0">
+            <a:schemeClr val="accent1"/>
+          </a:effectRef>
+          <a:fontRef idx="minor">
+            <a:schemeClr val="lt1"/>
+          </a:fontRef>
+        </p:style>
+        <p:txBody>
+          <a:bodyPr rtlCol="0" anchor="ctr"/>
+          <a:lstStyle/>
+          <a:p>
+            <a:pPr algn="ctr"/>
+            <a:r>
+              <a:rPr kumimoji="1" lang="en-US" altLang="ko-Kore-KR" dirty="0" err="1"/>
+              <a:t>SpringBoot</a:t>
+            </a:r>
+            <a:endParaRPr kumimoji="1" lang="ko-Kore-KR" altLang="en-US" dirty="0"/>
+          </a:p>
+        </p:txBody>
+      </p:sp>
+      <p:sp>
+        <p:nvSpPr>
+          <p:cNvPr id="20" name="직사각형 19">
+            <a:extLst>
+              <a:ext uri="{FF2B5EF4-FFF2-40B4-BE49-F238E27FC236}">
+                <a16:creationId xmlns:a16="http://schemas.microsoft.com/office/drawing/2014/main" id="{5934B109-8E91-DA90-D4A6-14BA8A481881}"/>
+              </a:ext>
+            </a:extLst>
+          </p:cNvPr>
+          <p:cNvSpPr/>
+          <p:nvPr/>
+        </p:nvSpPr>
+        <p:spPr>
+          <a:xfrm>
+            <a:off x="9400032" y="2157984"/>
+            <a:ext cx="2206752" cy="1271016"/>
+          </a:xfrm>
+          <a:prstGeom prst="rect">
+            <a:avLst/>
+          </a:prstGeom>
+        </p:spPr>
+        <p:style>
+          <a:lnRef idx="2">
+            <a:schemeClr val="accent1">
+              <a:shade val="50000"/>
+            </a:schemeClr>
+          </a:lnRef>
+          <a:fillRef idx="1">
+            <a:schemeClr val="accent1"/>
+          </a:fillRef>
+          <a:effectRef idx="0">
+            <a:schemeClr val="accent1"/>
+          </a:effectRef>
+          <a:fontRef idx="minor">
+            <a:schemeClr val="lt1"/>
+          </a:fontRef>
+        </p:style>
+        <p:txBody>
+          <a:bodyPr rtlCol="0" anchor="ctr"/>
+          <a:lstStyle/>
+          <a:p>
+            <a:pPr algn="ctr"/>
+            <a:r>
+              <a:rPr kumimoji="1" lang="en-US" altLang="ko-Kore-KR" dirty="0"/>
+              <a:t>Java</a:t>
+            </a:r>
+          </a:p>
+          <a:p>
+            <a:pPr algn="ctr"/>
+            <a:r>
+              <a:rPr kumimoji="1" lang="ko-KR" altLang="en-US" dirty="0"/>
+              <a:t>객체</a:t>
+            </a:r>
+            <a:endParaRPr kumimoji="1" lang="ko-Kore-KR" altLang="en-US" dirty="0"/>
+          </a:p>
+        </p:txBody>
+      </p:sp>
+      <p:sp>
+        <p:nvSpPr>
+          <p:cNvPr id="21" name="직사각형 20">
+            <a:extLst>
+              <a:ext uri="{FF2B5EF4-FFF2-40B4-BE49-F238E27FC236}">
+                <a16:creationId xmlns:a16="http://schemas.microsoft.com/office/drawing/2014/main" id="{1D2465AF-8CAC-230B-A557-DAA012CDFA98}"/>
+              </a:ext>
+            </a:extLst>
+          </p:cNvPr>
+          <p:cNvSpPr/>
+          <p:nvPr/>
+        </p:nvSpPr>
+        <p:spPr>
+          <a:xfrm>
+            <a:off x="1432560" y="2011680"/>
+            <a:ext cx="2267712" cy="1901952"/>
+          </a:xfrm>
+          <a:prstGeom prst="rect">
+            <a:avLst/>
+          </a:prstGeom>
+        </p:spPr>
+        <p:style>
+          <a:lnRef idx="3">
+            <a:schemeClr val="lt1"/>
+          </a:lnRef>
+          <a:fillRef idx="1">
+            <a:schemeClr val="accent5"/>
+          </a:fillRef>
+          <a:effectRef idx="1">
+            <a:schemeClr val="accent5"/>
+          </a:effectRef>
+          <a:fontRef idx="minor">
+            <a:schemeClr val="lt1"/>
+          </a:fontRef>
+        </p:style>
+        <p:txBody>
+          <a:bodyPr rtlCol="0" anchor="ctr"/>
+          <a:lstStyle/>
+          <a:p>
+            <a:pPr algn="ctr"/>
+            <a:r>
+              <a:rPr kumimoji="1" lang="en-US" altLang="ko-Kore-KR" dirty="0"/>
+              <a:t>JavaScript</a:t>
+            </a:r>
+            <a:endParaRPr kumimoji="1" lang="ko-Kore-KR" altLang="en-US" dirty="0"/>
+          </a:p>
+        </p:txBody>
+      </p:sp>
+      <p:cxnSp>
+        <p:nvCxnSpPr>
+          <p:cNvPr id="22" name="구부러진 연결선[U] 21">
+            <a:extLst>
+              <a:ext uri="{FF2B5EF4-FFF2-40B4-BE49-F238E27FC236}">
+                <a16:creationId xmlns:a16="http://schemas.microsoft.com/office/drawing/2014/main" id="{064D9C4E-F4F2-FEE7-2B95-7E0B0077093E}"/>
+              </a:ext>
+            </a:extLst>
+          </p:cNvPr>
+          <p:cNvCxnSpPr>
+            <a:cxnSpLocks/>
+            <a:stCxn id="21" idx="0"/>
+            <a:endCxn id="12" idx="0"/>
+          </p:cNvCxnSpPr>
+          <p:nvPr/>
+        </p:nvCxnSpPr>
+        <p:spPr>
+          <a:xfrm rot="16200000" flipH="1">
+            <a:off x="4626864" y="-48768"/>
+            <a:ext cx="146304" cy="4267200"/>
+          </a:xfrm>
+          <a:prstGeom prst="curvedConnector3">
+            <a:avLst>
+              <a:gd name="adj1" fmla="val -156250"/>
+            </a:avLst>
+          </a:prstGeom>
+          <a:ln>
+            <a:tailEnd type="triangle"/>
+          </a:ln>
+        </p:spPr>
+        <p:style>
+          <a:lnRef idx="3">
+            <a:schemeClr val="accent6"/>
+          </a:lnRef>
+          <a:fillRef idx="0">
+            <a:schemeClr val="accent6"/>
+          </a:fillRef>
+          <a:effectRef idx="2">
+            <a:schemeClr val="accent6"/>
+          </a:effectRef>
+          <a:fontRef idx="minor">
+            <a:schemeClr val="tx1"/>
+          </a:fontRef>
+        </p:style>
+      </p:cxnSp>
+      <p:cxnSp>
+        <p:nvCxnSpPr>
+          <p:cNvPr id="23" name="구부러진 연결선[U] 22">
+            <a:extLst>
+              <a:ext uri="{FF2B5EF4-FFF2-40B4-BE49-F238E27FC236}">
+                <a16:creationId xmlns:a16="http://schemas.microsoft.com/office/drawing/2014/main" id="{7DFB65E0-3310-A463-704C-7E160DFEE561}"/>
+              </a:ext>
+            </a:extLst>
+          </p:cNvPr>
+          <p:cNvCxnSpPr>
+            <a:cxnSpLocks/>
+            <a:stCxn id="12" idx="2"/>
+            <a:endCxn id="21" idx="2"/>
+          </p:cNvCxnSpPr>
+          <p:nvPr/>
+        </p:nvCxnSpPr>
+        <p:spPr>
+          <a:xfrm rot="5400000">
+            <a:off x="4457700" y="1537716"/>
+            <a:ext cx="484632" cy="4267200"/>
+          </a:xfrm>
+          <a:prstGeom prst="curvedConnector3">
+            <a:avLst>
+              <a:gd name="adj1" fmla="val 147170"/>
+            </a:avLst>
+          </a:prstGeom>
+          <a:ln>
+            <a:tailEnd type="triangle"/>
+          </a:ln>
+        </p:spPr>
+        <p:style>
+          <a:lnRef idx="3">
+            <a:schemeClr val="accent2"/>
+          </a:lnRef>
+          <a:fillRef idx="0">
+            <a:schemeClr val="accent2"/>
+          </a:fillRef>
+          <a:effectRef idx="2">
+            <a:schemeClr val="accent2"/>
+          </a:effectRef>
+          <a:fontRef idx="minor">
+            <a:schemeClr val="tx1"/>
+          </a:fontRef>
+        </p:style>
+      </p:cxnSp>
+      <p:sp>
+        <p:nvSpPr>
+          <p:cNvPr id="24" name="TextBox 23">
+            <a:extLst>
+              <a:ext uri="{FF2B5EF4-FFF2-40B4-BE49-F238E27FC236}">
+                <a16:creationId xmlns:a16="http://schemas.microsoft.com/office/drawing/2014/main" id="{C5EB389E-7A64-4F23-24C7-B6B98045A844}"/>
+              </a:ext>
+            </a:extLst>
+          </p:cNvPr>
+          <p:cNvSpPr txBox="1"/>
+          <p:nvPr/>
+        </p:nvSpPr>
+        <p:spPr>
+          <a:xfrm>
+            <a:off x="4258584" y="1653320"/>
+            <a:ext cx="751487" cy="276999"/>
+          </a:xfrm>
+          <a:prstGeom prst="rect">
+            <a:avLst/>
+          </a:prstGeom>
+        </p:spPr>
+        <p:style>
+          <a:lnRef idx="2">
+            <a:schemeClr val="accent6"/>
+          </a:lnRef>
+          <a:fillRef idx="1">
+            <a:schemeClr val="lt1"/>
+          </a:fillRef>
+          <a:effectRef idx="0">
+            <a:schemeClr val="accent6"/>
+          </a:effectRef>
+          <a:fontRef idx="minor">
+            <a:schemeClr val="dk1"/>
+          </a:fontRef>
+        </p:style>
+        <p:txBody>
+          <a:bodyPr wrap="square" rtlCol="0">
+            <a:spAutoFit/>
+          </a:bodyPr>
+          <a:lstStyle/>
+          <a:p>
+            <a:pPr algn="ctr"/>
+            <a:r>
+              <a:rPr kumimoji="1" lang="en-US" altLang="ko-Kore-KR" sz="1200" dirty="0"/>
+              <a:t>1</a:t>
+            </a:r>
+            <a:r>
+              <a:rPr kumimoji="1" lang="en-US" altLang="ko-KR" sz="1200" dirty="0"/>
+              <a:t>.</a:t>
+            </a:r>
+            <a:r>
+              <a:rPr kumimoji="1" lang="ko-KR" altLang="en-US" sz="1200" dirty="0"/>
+              <a:t> </a:t>
+            </a:r>
+            <a:r>
+              <a:rPr kumimoji="1" lang="ko-Kore-KR" altLang="en-US" sz="1200" dirty="0"/>
+              <a:t>요청</a:t>
+            </a:r>
+          </a:p>
+        </p:txBody>
+      </p:sp>
+      <p:sp>
+        <p:nvSpPr>
+          <p:cNvPr id="25" name="TextBox 24">
+            <a:extLst>
+              <a:ext uri="{FF2B5EF4-FFF2-40B4-BE49-F238E27FC236}">
+                <a16:creationId xmlns:a16="http://schemas.microsoft.com/office/drawing/2014/main" id="{ACE8DD4B-C2AC-9725-50E7-477C207B3181}"/>
+              </a:ext>
+            </a:extLst>
+          </p:cNvPr>
+          <p:cNvSpPr txBox="1"/>
+          <p:nvPr/>
+        </p:nvSpPr>
+        <p:spPr>
+          <a:xfrm>
+            <a:off x="4293792" y="3934910"/>
+            <a:ext cx="751487" cy="461665"/>
+          </a:xfrm>
+          <a:prstGeom prst="rect">
+            <a:avLst/>
+          </a:prstGeom>
+        </p:spPr>
+        <p:style>
+          <a:lnRef idx="2">
+            <a:schemeClr val="accent2"/>
+          </a:lnRef>
+          <a:fillRef idx="1">
+            <a:schemeClr val="lt1"/>
+          </a:fillRef>
+          <a:effectRef idx="0">
+            <a:schemeClr val="accent2"/>
+          </a:effectRef>
+          <a:fontRef idx="minor">
+            <a:schemeClr val="dk1"/>
+          </a:fontRef>
+        </p:style>
+        <p:txBody>
+          <a:bodyPr wrap="square" rtlCol="0">
+            <a:spAutoFit/>
+          </a:bodyPr>
+          <a:lstStyle/>
+          <a:p>
+            <a:pPr algn="ctr"/>
+            <a:r>
+              <a:rPr kumimoji="1" lang="en-US" altLang="ko-KR" sz="1200" dirty="0"/>
+              <a:t>4.</a:t>
+            </a:r>
+            <a:r>
+              <a:rPr kumimoji="1" lang="ko-KR" altLang="en-US" sz="1200" dirty="0"/>
+              <a:t> 응답</a:t>
+            </a:r>
+            <a:endParaRPr kumimoji="1" lang="en-US" altLang="ko-KR" sz="1200" dirty="0"/>
+          </a:p>
+          <a:p>
+            <a:pPr algn="ctr"/>
+            <a:r>
+              <a:rPr kumimoji="1" lang="en-US" altLang="ko-KR" sz="1200" dirty="0"/>
+              <a:t>(JSON)</a:t>
+            </a:r>
+          </a:p>
+        </p:txBody>
+      </p:sp>
+      <p:sp>
+        <p:nvSpPr>
+          <p:cNvPr id="26" name="직사각형 25">
+            <a:extLst>
+              <a:ext uri="{FF2B5EF4-FFF2-40B4-BE49-F238E27FC236}">
+                <a16:creationId xmlns:a16="http://schemas.microsoft.com/office/drawing/2014/main" id="{6A4D0132-087E-3087-CC35-F586F439C20A}"/>
+              </a:ext>
+            </a:extLst>
+          </p:cNvPr>
+          <p:cNvSpPr/>
+          <p:nvPr/>
+        </p:nvSpPr>
+        <p:spPr>
+          <a:xfrm>
+            <a:off x="3777575" y="2640743"/>
+            <a:ext cx="1783923" cy="625538"/>
+          </a:xfrm>
+          <a:prstGeom prst="rect">
+            <a:avLst/>
+          </a:prstGeom>
+          <a:solidFill>
+            <a:srgbClr val="FDA9F7"/>
+          </a:solidFill>
+          <a:ln>
+            <a:solidFill>
+              <a:srgbClr val="FDA9F7"/>
+            </a:solidFill>
+          </a:ln>
+        </p:spPr>
+        <p:style>
+          <a:lnRef idx="1">
+            <a:schemeClr val="accent2"/>
+          </a:lnRef>
+          <a:fillRef idx="2">
+            <a:schemeClr val="accent2"/>
+          </a:fillRef>
+          <a:effectRef idx="1">
+            <a:schemeClr val="accent2"/>
+          </a:effectRef>
+          <a:fontRef idx="minor">
+            <a:schemeClr val="dk1"/>
+          </a:fontRef>
+        </p:style>
+        <p:txBody>
+          <a:bodyPr rtlCol="0" anchor="ctr"/>
+          <a:lstStyle/>
+          <a:p>
+            <a:pPr algn="ctr"/>
+            <a:r>
+              <a:rPr kumimoji="1" lang="en-US" altLang="ko-Kore-KR" dirty="0">
+                <a:solidFill>
+                  <a:schemeClr val="bg1"/>
+                </a:solidFill>
+              </a:rPr>
+              <a:t>HTTP</a:t>
+            </a:r>
+          </a:p>
+          <a:p>
+            <a:pPr algn="ctr"/>
+            <a:r>
+              <a:rPr kumimoji="1" lang="ko-Kore-KR" altLang="en-US" dirty="0">
+                <a:solidFill>
+                  <a:schemeClr val="bg1"/>
+                </a:solidFill>
+              </a:rPr>
+              <a:t>프로토콜</a:t>
+            </a:r>
+          </a:p>
+        </p:txBody>
+      </p:sp>
+      <p:cxnSp>
+        <p:nvCxnSpPr>
+          <p:cNvPr id="31" name="구부러진 연결선[U] 30">
+            <a:extLst>
+              <a:ext uri="{FF2B5EF4-FFF2-40B4-BE49-F238E27FC236}">
+                <a16:creationId xmlns:a16="http://schemas.microsoft.com/office/drawing/2014/main" id="{B2A1BDB1-B3B9-1B1D-03F0-CA118560893C}"/>
+              </a:ext>
+            </a:extLst>
+          </p:cNvPr>
+          <p:cNvCxnSpPr>
+            <a:cxnSpLocks/>
+            <a:stCxn id="12" idx="0"/>
+            <a:endCxn id="20" idx="0"/>
+          </p:cNvCxnSpPr>
+          <p:nvPr/>
+        </p:nvCxnSpPr>
+        <p:spPr>
+          <a:xfrm rot="5400000" flipH="1" flipV="1">
+            <a:off x="8668512" y="323088"/>
+            <a:ext cx="12700" cy="3669792"/>
+          </a:xfrm>
+          <a:prstGeom prst="curvedConnector3">
+            <a:avLst>
+              <a:gd name="adj1" fmla="val 1800000"/>
+            </a:avLst>
+          </a:prstGeom>
+          <a:ln>
+            <a:tailEnd type="triangle"/>
+          </a:ln>
+        </p:spPr>
+        <p:style>
+          <a:lnRef idx="3">
+            <a:schemeClr val="accent6"/>
+          </a:lnRef>
+          <a:fillRef idx="0">
+            <a:schemeClr val="accent6"/>
+          </a:fillRef>
+          <a:effectRef idx="2">
+            <a:schemeClr val="accent6"/>
+          </a:effectRef>
+          <a:fontRef idx="minor">
+            <a:schemeClr val="tx1"/>
+          </a:fontRef>
+        </p:style>
+      </p:cxnSp>
+      <p:cxnSp>
+        <p:nvCxnSpPr>
+          <p:cNvPr id="32" name="구부러진 연결선[U] 31">
+            <a:extLst>
+              <a:ext uri="{FF2B5EF4-FFF2-40B4-BE49-F238E27FC236}">
+                <a16:creationId xmlns:a16="http://schemas.microsoft.com/office/drawing/2014/main" id="{4556B633-F220-2279-BB8C-C0453A801C1C}"/>
+              </a:ext>
+            </a:extLst>
+          </p:cNvPr>
+          <p:cNvCxnSpPr>
+            <a:cxnSpLocks/>
+            <a:stCxn id="20" idx="2"/>
+            <a:endCxn id="12" idx="2"/>
+          </p:cNvCxnSpPr>
+          <p:nvPr/>
+        </p:nvCxnSpPr>
+        <p:spPr>
+          <a:xfrm rot="5400000">
+            <a:off x="8668512" y="1594104"/>
+            <a:ext cx="12700" cy="3669792"/>
+          </a:xfrm>
+          <a:prstGeom prst="curvedConnector3">
+            <a:avLst>
+              <a:gd name="adj1" fmla="val 1800000"/>
+            </a:avLst>
+          </a:prstGeom>
+          <a:ln>
+            <a:tailEnd type="triangle"/>
+          </a:ln>
+        </p:spPr>
+        <p:style>
+          <a:lnRef idx="3">
+            <a:schemeClr val="accent2"/>
+          </a:lnRef>
+          <a:fillRef idx="0">
+            <a:schemeClr val="accent2"/>
+          </a:fillRef>
+          <a:effectRef idx="2">
+            <a:schemeClr val="accent2"/>
+          </a:effectRef>
+          <a:fontRef idx="minor">
+            <a:schemeClr val="tx1"/>
+          </a:fontRef>
+        </p:style>
+      </p:cxnSp>
+      <p:sp>
+        <p:nvSpPr>
+          <p:cNvPr id="39" name="TextBox 38">
+            <a:extLst>
+              <a:ext uri="{FF2B5EF4-FFF2-40B4-BE49-F238E27FC236}">
+                <a16:creationId xmlns:a16="http://schemas.microsoft.com/office/drawing/2014/main" id="{DF541C47-5D70-4F89-7136-90B7290FF5B6}"/>
+              </a:ext>
+            </a:extLst>
+          </p:cNvPr>
+          <p:cNvSpPr txBox="1"/>
+          <p:nvPr/>
+        </p:nvSpPr>
+        <p:spPr>
+          <a:xfrm>
+            <a:off x="8365079" y="1791819"/>
+            <a:ext cx="751487" cy="276999"/>
+          </a:xfrm>
+          <a:prstGeom prst="rect">
+            <a:avLst/>
+          </a:prstGeom>
+        </p:spPr>
+        <p:style>
+          <a:lnRef idx="2">
+            <a:schemeClr val="accent6"/>
+          </a:lnRef>
+          <a:fillRef idx="1">
+            <a:schemeClr val="lt1"/>
+          </a:fillRef>
+          <a:effectRef idx="0">
+            <a:schemeClr val="accent6"/>
+          </a:effectRef>
+          <a:fontRef idx="minor">
+            <a:schemeClr val="dk1"/>
+          </a:fontRef>
+        </p:style>
+        <p:txBody>
+          <a:bodyPr wrap="square" rtlCol="0">
+            <a:spAutoFit/>
+          </a:bodyPr>
+          <a:lstStyle/>
+          <a:p>
+            <a:pPr algn="ctr"/>
+            <a:r>
+              <a:rPr kumimoji="1" lang="en-US" altLang="ko-Kore-KR" sz="1200" dirty="0"/>
+              <a:t>2. call</a:t>
+            </a:r>
+            <a:endParaRPr kumimoji="1" lang="ko-Kore-KR" altLang="en-US" sz="1200" dirty="0"/>
+          </a:p>
+        </p:txBody>
+      </p:sp>
+      <p:sp>
+        <p:nvSpPr>
+          <p:cNvPr id="40" name="TextBox 39">
+            <a:extLst>
+              <a:ext uri="{FF2B5EF4-FFF2-40B4-BE49-F238E27FC236}">
+                <a16:creationId xmlns:a16="http://schemas.microsoft.com/office/drawing/2014/main" id="{4DF265BC-1B61-7516-B21B-F1E225C2B29B}"/>
+              </a:ext>
+            </a:extLst>
+          </p:cNvPr>
+          <p:cNvSpPr txBox="1"/>
+          <p:nvPr/>
+        </p:nvSpPr>
+        <p:spPr>
+          <a:xfrm>
+            <a:off x="8365079" y="3532816"/>
+            <a:ext cx="751487" cy="276999"/>
+          </a:xfrm>
+          <a:prstGeom prst="rect">
+            <a:avLst/>
+          </a:prstGeom>
+        </p:spPr>
+        <p:style>
+          <a:lnRef idx="2">
+            <a:schemeClr val="accent2"/>
+          </a:lnRef>
+          <a:fillRef idx="1">
+            <a:schemeClr val="lt1"/>
+          </a:fillRef>
+          <a:effectRef idx="0">
+            <a:schemeClr val="accent2"/>
+          </a:effectRef>
+          <a:fontRef idx="minor">
+            <a:schemeClr val="dk1"/>
+          </a:fontRef>
+        </p:style>
+        <p:txBody>
+          <a:bodyPr wrap="square" rtlCol="0">
+            <a:spAutoFit/>
+          </a:bodyPr>
+          <a:lstStyle/>
+          <a:p>
+            <a:pPr algn="ctr"/>
+            <a:r>
+              <a:rPr kumimoji="1" lang="en-US" altLang="ko-KR" sz="1200" dirty="0"/>
+              <a:t>3. JSON</a:t>
+            </a:r>
+          </a:p>
+        </p:txBody>
+      </p:sp>
+      <p:sp>
+        <p:nvSpPr>
+          <p:cNvPr id="41" name="TextBox 40">
+            <a:extLst>
+              <a:ext uri="{FF2B5EF4-FFF2-40B4-BE49-F238E27FC236}">
+                <a16:creationId xmlns:a16="http://schemas.microsoft.com/office/drawing/2014/main" id="{A1D4EC36-AE00-F985-2452-9EBF0AD000E4}"/>
+              </a:ext>
+            </a:extLst>
+          </p:cNvPr>
+          <p:cNvSpPr txBox="1"/>
+          <p:nvPr/>
+        </p:nvSpPr>
+        <p:spPr>
+          <a:xfrm>
+            <a:off x="1555452" y="4925568"/>
+            <a:ext cx="2021927" cy="369332"/>
+          </a:xfrm>
+          <a:prstGeom prst="rect">
+            <a:avLst/>
+          </a:prstGeom>
+        </p:spPr>
+        <p:style>
+          <a:lnRef idx="2">
+            <a:schemeClr val="dk1"/>
+          </a:lnRef>
+          <a:fillRef idx="1">
+            <a:schemeClr val="lt1"/>
+          </a:fillRef>
+          <a:effectRef idx="0">
+            <a:schemeClr val="dk1"/>
+          </a:effectRef>
+          <a:fontRef idx="minor">
+            <a:schemeClr val="dk1"/>
+          </a:fontRef>
+        </p:style>
+        <p:txBody>
+          <a:bodyPr wrap="square" rtlCol="0">
+            <a:spAutoFit/>
+          </a:bodyPr>
+          <a:lstStyle/>
+          <a:p>
+            <a:pPr algn="ctr"/>
+            <a:r>
+              <a:rPr kumimoji="1" lang="en-US" altLang="ko-Kore-KR" dirty="0"/>
+              <a:t>Front-end</a:t>
+            </a:r>
+            <a:endParaRPr kumimoji="1" lang="ko-Kore-KR" altLang="en-US" dirty="0"/>
+          </a:p>
+        </p:txBody>
+      </p:sp>
+      <p:sp>
+        <p:nvSpPr>
+          <p:cNvPr id="42" name="TextBox 41">
+            <a:extLst>
+              <a:ext uri="{FF2B5EF4-FFF2-40B4-BE49-F238E27FC236}">
+                <a16:creationId xmlns:a16="http://schemas.microsoft.com/office/drawing/2014/main" id="{02E5FAD5-C006-2B95-80A8-44FED140629F}"/>
+              </a:ext>
+            </a:extLst>
+          </p:cNvPr>
+          <p:cNvSpPr txBox="1"/>
+          <p:nvPr/>
+        </p:nvSpPr>
+        <p:spPr>
+          <a:xfrm>
+            <a:off x="8614623" y="4925568"/>
+            <a:ext cx="2021927" cy="369332"/>
+          </a:xfrm>
+          <a:prstGeom prst="rect">
+            <a:avLst/>
+          </a:prstGeom>
+        </p:spPr>
+        <p:style>
+          <a:lnRef idx="2">
+            <a:schemeClr val="dk1"/>
+          </a:lnRef>
+          <a:fillRef idx="1">
+            <a:schemeClr val="lt1"/>
+          </a:fillRef>
+          <a:effectRef idx="0">
+            <a:schemeClr val="dk1"/>
+          </a:effectRef>
+          <a:fontRef idx="minor">
+            <a:schemeClr val="dk1"/>
+          </a:fontRef>
+        </p:style>
+        <p:txBody>
+          <a:bodyPr wrap="square" rtlCol="0">
+            <a:spAutoFit/>
+          </a:bodyPr>
+          <a:lstStyle/>
+          <a:p>
+            <a:pPr algn="ctr"/>
+            <a:r>
+              <a:rPr kumimoji="1" lang="en-US" altLang="ko-Kore-KR" dirty="0"/>
+              <a:t>Back-end</a:t>
+            </a:r>
+            <a:endParaRPr kumimoji="1" lang="ko-Kore-KR" altLang="en-US" dirty="0"/>
+          </a:p>
+        </p:txBody>
+      </p:sp>
+      <p:sp>
+        <p:nvSpPr>
+          <p:cNvPr id="43" name="웃는 얼굴[S] 42">
+            <a:extLst>
+              <a:ext uri="{FF2B5EF4-FFF2-40B4-BE49-F238E27FC236}">
+                <a16:creationId xmlns:a16="http://schemas.microsoft.com/office/drawing/2014/main" id="{F91575EC-C739-BBDD-90BD-DF639B7A555E}"/>
+              </a:ext>
+            </a:extLst>
+          </p:cNvPr>
+          <p:cNvSpPr/>
+          <p:nvPr/>
+        </p:nvSpPr>
+        <p:spPr>
+          <a:xfrm>
+            <a:off x="5657342" y="4518922"/>
+            <a:ext cx="1182624" cy="1182624"/>
+          </a:xfrm>
+          <a:prstGeom prst="smileyFace">
+            <a:avLst/>
+          </a:prstGeom>
+        </p:spPr>
+        <p:style>
+          <a:lnRef idx="3">
+            <a:schemeClr val="lt1"/>
+          </a:lnRef>
+          <a:fillRef idx="1">
+            <a:schemeClr val="accent4"/>
+          </a:fillRef>
+          <a:effectRef idx="1">
+            <a:schemeClr val="accent4"/>
+          </a:effectRef>
+          <a:fontRef idx="minor">
+            <a:schemeClr val="lt1"/>
+          </a:fontRef>
+        </p:style>
+        <p:txBody>
+          <a:bodyPr rtlCol="0" anchor="ctr"/>
+          <a:lstStyle/>
+          <a:p>
+            <a:pPr algn="ctr"/>
+            <a:endParaRPr kumimoji="1" lang="ko-Kore-KR" altLang="en-US"/>
+          </a:p>
+        </p:txBody>
+      </p:sp>
+    </p:spTree>
+    <p:extLst>
+      <p:ext uri="{BB962C8B-B14F-4D97-AF65-F5344CB8AC3E}">
+        <p14:creationId xmlns:p14="http://schemas.microsoft.com/office/powerpoint/2010/main" val="2486063272"/>
+      </p:ext>
+    </p:extLst>
+  </p:cSld>
+  <p:clrMapOvr>
+    <a:masterClrMapping/>
+  </p:clrMapOvr>
+</p:sld>
+</file>
+
+<file path=ppt/slides/slide16.xml><?xml version="1.0" encoding="utf-8"?>
+<p:sld xmlns:a="http://schemas.openxmlformats.org/drawingml/2006/main" xmlns:r="http://schemas.openxmlformats.org/officeDocument/2006/relationships" xmlns:p="http://schemas.openxmlformats.org/presentationml/2006/main">
+  <p:cSld>
+    <p:spTree>
+      <p:nvGrpSpPr>
+        <p:cNvPr id="1" name=""/>
+        <p:cNvGrpSpPr/>
+        <p:nvPr/>
+      </p:nvGrpSpPr>
+      <p:grpSpPr>
+        <a:xfrm>
+          <a:off x="0" y="0"/>
+          <a:ext cx="0" cy="0"/>
+          <a:chOff x="0" y="0"/>
+          <a:chExt cx="0" cy="0"/>
+        </a:xfrm>
+      </p:grpSpPr>
+      <p:sp>
+        <p:nvSpPr>
+          <p:cNvPr id="71" name="TextBox 70">
+            <a:extLst>
+              <a:ext uri="{FF2B5EF4-FFF2-40B4-BE49-F238E27FC236}">
+                <a16:creationId xmlns:a16="http://schemas.microsoft.com/office/drawing/2014/main" id="{8DCD07BB-C57A-D5F9-9B1B-550CFA78DD20}"/>
+              </a:ext>
+            </a:extLst>
+          </p:cNvPr>
+          <p:cNvSpPr txBox="1"/>
+          <p:nvPr/>
+        </p:nvSpPr>
+        <p:spPr>
+          <a:xfrm>
+            <a:off x="281759" y="184429"/>
+            <a:ext cx="2988576" cy="369332"/>
+          </a:xfrm>
+          <a:prstGeom prst="rect">
+            <a:avLst/>
+          </a:prstGeom>
+        </p:spPr>
+        <p:style>
+          <a:lnRef idx="2">
+            <a:schemeClr val="dk1"/>
+          </a:lnRef>
+          <a:fillRef idx="1">
+            <a:schemeClr val="lt1"/>
+          </a:fillRef>
+          <a:effectRef idx="0">
+            <a:schemeClr val="dk1"/>
+          </a:effectRef>
+          <a:fontRef idx="minor">
+            <a:schemeClr val="dk1"/>
+          </a:fontRef>
+        </p:style>
+        <p:txBody>
+          <a:bodyPr wrap="square" rtlCol="0">
+            <a:spAutoFit/>
+          </a:bodyPr>
+          <a:lstStyle/>
+          <a:p>
+            <a:r>
+              <a:rPr kumimoji="1" lang="en-US" altLang="ko-Kore-KR" dirty="0"/>
+              <a:t>1.</a:t>
+            </a:r>
+            <a:r>
+              <a:rPr kumimoji="1" lang="ko-KR" altLang="en-US" dirty="0"/>
+              <a:t> </a:t>
+            </a:r>
+            <a:r>
+              <a:rPr kumimoji="1" lang="en-US" altLang="ko-KR" dirty="0"/>
+              <a:t>Stateful</a:t>
+            </a:r>
+            <a:endParaRPr kumimoji="1" lang="ko-Kore-KR" altLang="en-US" dirty="0"/>
+          </a:p>
+        </p:txBody>
+      </p:sp>
+      <p:cxnSp>
+        <p:nvCxnSpPr>
+          <p:cNvPr id="72" name="직선 연결선[R] 71">
+            <a:extLst>
+              <a:ext uri="{FF2B5EF4-FFF2-40B4-BE49-F238E27FC236}">
+                <a16:creationId xmlns:a16="http://schemas.microsoft.com/office/drawing/2014/main" id="{BCACA592-7ABA-F95E-9767-628E1DE83FD8}"/>
+              </a:ext>
+            </a:extLst>
+          </p:cNvPr>
+          <p:cNvCxnSpPr/>
+          <p:nvPr/>
+        </p:nvCxnSpPr>
+        <p:spPr>
+          <a:xfrm>
+            <a:off x="1114097" y="1135117"/>
+            <a:ext cx="0" cy="5722883"/>
+          </a:xfrm>
+          <a:prstGeom prst="line">
+            <a:avLst/>
+          </a:prstGeom>
+        </p:spPr>
+        <p:style>
+          <a:lnRef idx="3">
+            <a:schemeClr val="accent5"/>
+          </a:lnRef>
+          <a:fillRef idx="0">
+            <a:schemeClr val="accent5"/>
+          </a:fillRef>
+          <a:effectRef idx="2">
+            <a:schemeClr val="accent5"/>
+          </a:effectRef>
+          <a:fontRef idx="minor">
+            <a:schemeClr val="tx1"/>
+          </a:fontRef>
+        </p:style>
+      </p:cxnSp>
+      <p:cxnSp>
+        <p:nvCxnSpPr>
+          <p:cNvPr id="73" name="직선 연결선[R] 72">
+            <a:extLst>
+              <a:ext uri="{FF2B5EF4-FFF2-40B4-BE49-F238E27FC236}">
+                <a16:creationId xmlns:a16="http://schemas.microsoft.com/office/drawing/2014/main" id="{BFA63D2F-CE49-5C69-FF40-A23E7AEC94B8}"/>
+              </a:ext>
+            </a:extLst>
+          </p:cNvPr>
+          <p:cNvCxnSpPr/>
+          <p:nvPr/>
+        </p:nvCxnSpPr>
+        <p:spPr>
+          <a:xfrm>
+            <a:off x="3641835" y="1135117"/>
+            <a:ext cx="0" cy="5722883"/>
+          </a:xfrm>
+          <a:prstGeom prst="line">
+            <a:avLst/>
+          </a:prstGeom>
+        </p:spPr>
+        <p:style>
+          <a:lnRef idx="3">
+            <a:schemeClr val="accent5"/>
+          </a:lnRef>
+          <a:fillRef idx="0">
+            <a:schemeClr val="accent5"/>
+          </a:fillRef>
+          <a:effectRef idx="2">
+            <a:schemeClr val="accent5"/>
+          </a:effectRef>
+          <a:fontRef idx="minor">
+            <a:schemeClr val="tx1"/>
+          </a:fontRef>
+        </p:style>
+      </p:cxnSp>
+      <p:sp>
+        <p:nvSpPr>
+          <p:cNvPr id="74" name="TextBox 73">
+            <a:extLst>
+              <a:ext uri="{FF2B5EF4-FFF2-40B4-BE49-F238E27FC236}">
+                <a16:creationId xmlns:a16="http://schemas.microsoft.com/office/drawing/2014/main" id="{3F38FFD8-74C2-1764-726E-25B4B0CB0AB9}"/>
+              </a:ext>
+            </a:extLst>
+          </p:cNvPr>
+          <p:cNvSpPr txBox="1"/>
+          <p:nvPr/>
+        </p:nvSpPr>
+        <p:spPr>
+          <a:xfrm>
+            <a:off x="738353" y="827340"/>
+            <a:ext cx="751487" cy="307777"/>
+          </a:xfrm>
+          <a:prstGeom prst="rect">
+            <a:avLst/>
+          </a:prstGeom>
+        </p:spPr>
+        <p:style>
+          <a:lnRef idx="2">
+            <a:schemeClr val="accent5"/>
+          </a:lnRef>
+          <a:fillRef idx="1">
+            <a:schemeClr val="lt1"/>
+          </a:fillRef>
+          <a:effectRef idx="0">
+            <a:schemeClr val="accent5"/>
+          </a:effectRef>
+          <a:fontRef idx="minor">
+            <a:schemeClr val="dk1"/>
+          </a:fontRef>
+        </p:style>
+        <p:txBody>
+          <a:bodyPr wrap="square" rtlCol="0">
+            <a:spAutoFit/>
+          </a:bodyPr>
+          <a:lstStyle/>
+          <a:p>
+            <a:pPr algn="ctr"/>
+            <a:r>
+              <a:rPr kumimoji="1" lang="en-US" altLang="ko-Kore-KR" sz="1400" dirty="0"/>
+              <a:t>Client</a:t>
+            </a:r>
+            <a:endParaRPr kumimoji="1" lang="ko-Kore-KR" altLang="en-US" sz="1400" dirty="0"/>
+          </a:p>
+        </p:txBody>
+      </p:sp>
+      <p:sp>
+        <p:nvSpPr>
+          <p:cNvPr id="75" name="TextBox 74">
+            <a:extLst>
+              <a:ext uri="{FF2B5EF4-FFF2-40B4-BE49-F238E27FC236}">
+                <a16:creationId xmlns:a16="http://schemas.microsoft.com/office/drawing/2014/main" id="{1C30C7AB-AD27-F3D3-2617-B32F6003BDF6}"/>
+              </a:ext>
+            </a:extLst>
+          </p:cNvPr>
+          <p:cNvSpPr txBox="1"/>
+          <p:nvPr/>
+        </p:nvSpPr>
+        <p:spPr>
+          <a:xfrm>
+            <a:off x="3270335" y="827339"/>
+            <a:ext cx="751487" cy="307777"/>
+          </a:xfrm>
+          <a:prstGeom prst="rect">
+            <a:avLst/>
+          </a:prstGeom>
+        </p:spPr>
+        <p:style>
+          <a:lnRef idx="2">
+            <a:schemeClr val="accent5"/>
+          </a:lnRef>
+          <a:fillRef idx="1">
+            <a:schemeClr val="lt1"/>
+          </a:fillRef>
+          <a:effectRef idx="0">
+            <a:schemeClr val="accent5"/>
+          </a:effectRef>
+          <a:fontRef idx="minor">
+            <a:schemeClr val="dk1"/>
+          </a:fontRef>
+        </p:style>
+        <p:txBody>
+          <a:bodyPr wrap="square" rtlCol="0">
+            <a:spAutoFit/>
+          </a:bodyPr>
+          <a:lstStyle/>
+          <a:p>
+            <a:pPr algn="ctr"/>
+            <a:r>
+              <a:rPr kumimoji="1" lang="en-US" altLang="ko-Kore-KR" sz="1400" dirty="0"/>
+              <a:t>Server</a:t>
+            </a:r>
+            <a:endParaRPr kumimoji="1" lang="ko-Kore-KR" altLang="en-US" sz="1400" dirty="0"/>
+          </a:p>
+        </p:txBody>
+      </p:sp>
+      <p:cxnSp>
+        <p:nvCxnSpPr>
+          <p:cNvPr id="76" name="직선 화살표 연결선 75">
+            <a:extLst>
+              <a:ext uri="{FF2B5EF4-FFF2-40B4-BE49-F238E27FC236}">
+                <a16:creationId xmlns:a16="http://schemas.microsoft.com/office/drawing/2014/main" id="{CA632493-29F3-D6AB-80C5-73CB5BC4A613}"/>
+              </a:ext>
+            </a:extLst>
+          </p:cNvPr>
+          <p:cNvCxnSpPr/>
+          <p:nvPr/>
+        </p:nvCxnSpPr>
+        <p:spPr>
+          <a:xfrm>
+            <a:off x="1114096" y="1608083"/>
+            <a:ext cx="2527739" cy="0"/>
+          </a:xfrm>
+          <a:prstGeom prst="straightConnector1">
+            <a:avLst/>
+          </a:prstGeom>
+          <a:ln>
+            <a:tailEnd type="triangle"/>
+          </a:ln>
+        </p:spPr>
+        <p:style>
+          <a:lnRef idx="3">
+            <a:schemeClr val="accent6"/>
+          </a:lnRef>
+          <a:fillRef idx="0">
+            <a:schemeClr val="accent6"/>
+          </a:fillRef>
+          <a:effectRef idx="2">
+            <a:schemeClr val="accent6"/>
+          </a:effectRef>
+          <a:fontRef idx="minor">
+            <a:schemeClr val="tx1"/>
+          </a:fontRef>
+        </p:style>
+      </p:cxnSp>
+      <p:cxnSp>
+        <p:nvCxnSpPr>
+          <p:cNvPr id="77" name="직선 화살표 연결선 76">
+            <a:extLst>
+              <a:ext uri="{FF2B5EF4-FFF2-40B4-BE49-F238E27FC236}">
+                <a16:creationId xmlns:a16="http://schemas.microsoft.com/office/drawing/2014/main" id="{D05EEFC6-86A8-05B1-0D8C-BC51048DA032}"/>
+              </a:ext>
+            </a:extLst>
+          </p:cNvPr>
+          <p:cNvCxnSpPr/>
+          <p:nvPr/>
+        </p:nvCxnSpPr>
+        <p:spPr>
+          <a:xfrm>
+            <a:off x="1114095" y="2107324"/>
+            <a:ext cx="2527739" cy="0"/>
+          </a:xfrm>
+          <a:prstGeom prst="straightConnector1">
+            <a:avLst/>
+          </a:prstGeom>
+          <a:ln>
+            <a:tailEnd type="triangle"/>
+          </a:ln>
+        </p:spPr>
+        <p:style>
+          <a:lnRef idx="3">
+            <a:schemeClr val="accent6"/>
+          </a:lnRef>
+          <a:fillRef idx="0">
+            <a:schemeClr val="accent6"/>
+          </a:fillRef>
+          <a:effectRef idx="2">
+            <a:schemeClr val="accent6"/>
+          </a:effectRef>
+          <a:fontRef idx="minor">
+            <a:schemeClr val="tx1"/>
+          </a:fontRef>
+        </p:style>
+      </p:cxnSp>
+      <p:cxnSp>
+        <p:nvCxnSpPr>
+          <p:cNvPr id="78" name="직선 화살표 연결선 77">
+            <a:extLst>
+              <a:ext uri="{FF2B5EF4-FFF2-40B4-BE49-F238E27FC236}">
+                <a16:creationId xmlns:a16="http://schemas.microsoft.com/office/drawing/2014/main" id="{3F185F7C-D7F5-5763-BF48-887F4971F1EA}"/>
+              </a:ext>
+            </a:extLst>
+          </p:cNvPr>
+          <p:cNvCxnSpPr/>
+          <p:nvPr/>
+        </p:nvCxnSpPr>
+        <p:spPr>
+          <a:xfrm flipH="1">
+            <a:off x="1114096" y="2774731"/>
+            <a:ext cx="2527739" cy="0"/>
+          </a:xfrm>
+          <a:prstGeom prst="straightConnector1">
+            <a:avLst/>
+          </a:prstGeom>
+          <a:ln>
+            <a:tailEnd type="triangle"/>
+          </a:ln>
+        </p:spPr>
+        <p:style>
+          <a:lnRef idx="3">
+            <a:schemeClr val="accent2"/>
+          </a:lnRef>
+          <a:fillRef idx="0">
+            <a:schemeClr val="accent2"/>
+          </a:fillRef>
+          <a:effectRef idx="2">
+            <a:schemeClr val="accent2"/>
+          </a:effectRef>
+          <a:fontRef idx="minor">
+            <a:schemeClr val="tx1"/>
+          </a:fontRef>
+        </p:style>
+      </p:cxnSp>
+      <p:cxnSp>
+        <p:nvCxnSpPr>
+          <p:cNvPr id="79" name="직선 화살표 연결선 78">
+            <a:extLst>
+              <a:ext uri="{FF2B5EF4-FFF2-40B4-BE49-F238E27FC236}">
+                <a16:creationId xmlns:a16="http://schemas.microsoft.com/office/drawing/2014/main" id="{0BCFEC50-C160-BC14-542F-03EC58A7B7AE}"/>
+              </a:ext>
+            </a:extLst>
+          </p:cNvPr>
+          <p:cNvCxnSpPr/>
+          <p:nvPr/>
+        </p:nvCxnSpPr>
+        <p:spPr>
+          <a:xfrm flipH="1">
+            <a:off x="1114095" y="4104290"/>
+            <a:ext cx="2527739" cy="0"/>
+          </a:xfrm>
+          <a:prstGeom prst="straightConnector1">
+            <a:avLst/>
+          </a:prstGeom>
+          <a:ln>
+            <a:tailEnd type="triangle"/>
+          </a:ln>
+        </p:spPr>
+        <p:style>
+          <a:lnRef idx="3">
+            <a:schemeClr val="accent2"/>
+          </a:lnRef>
+          <a:fillRef idx="0">
+            <a:schemeClr val="accent2"/>
+          </a:fillRef>
+          <a:effectRef idx="2">
+            <a:schemeClr val="accent2"/>
+          </a:effectRef>
+          <a:fontRef idx="minor">
+            <a:schemeClr val="tx1"/>
+          </a:fontRef>
+        </p:style>
+      </p:cxnSp>
+      <p:cxnSp>
+        <p:nvCxnSpPr>
+          <p:cNvPr id="80" name="직선 화살표 연결선 79">
+            <a:extLst>
+              <a:ext uri="{FF2B5EF4-FFF2-40B4-BE49-F238E27FC236}">
+                <a16:creationId xmlns:a16="http://schemas.microsoft.com/office/drawing/2014/main" id="{4AF83994-324D-06CF-C503-060A245429C5}"/>
+              </a:ext>
+            </a:extLst>
+          </p:cNvPr>
+          <p:cNvCxnSpPr/>
+          <p:nvPr/>
+        </p:nvCxnSpPr>
+        <p:spPr>
+          <a:xfrm>
+            <a:off x="1114094" y="3450021"/>
+            <a:ext cx="2527739" cy="0"/>
+          </a:xfrm>
+          <a:prstGeom prst="straightConnector1">
+            <a:avLst/>
+          </a:prstGeom>
+          <a:ln>
+            <a:tailEnd type="triangle"/>
+          </a:ln>
+        </p:spPr>
+        <p:style>
+          <a:lnRef idx="3">
+            <a:schemeClr val="accent6"/>
+          </a:lnRef>
+          <a:fillRef idx="0">
+            <a:schemeClr val="accent6"/>
+          </a:fillRef>
+          <a:effectRef idx="2">
+            <a:schemeClr val="accent6"/>
+          </a:effectRef>
+          <a:fontRef idx="minor">
+            <a:schemeClr val="tx1"/>
+          </a:fontRef>
+        </p:style>
+      </p:cxnSp>
+      <p:cxnSp>
+        <p:nvCxnSpPr>
+          <p:cNvPr id="81" name="직선 화살표 연결선 80">
+            <a:extLst>
+              <a:ext uri="{FF2B5EF4-FFF2-40B4-BE49-F238E27FC236}">
+                <a16:creationId xmlns:a16="http://schemas.microsoft.com/office/drawing/2014/main" id="{28C19B57-DD68-7F9B-CE9B-15DAD5BBDFD5}"/>
+              </a:ext>
+            </a:extLst>
+          </p:cNvPr>
+          <p:cNvCxnSpPr/>
+          <p:nvPr/>
+        </p:nvCxnSpPr>
+        <p:spPr>
+          <a:xfrm>
+            <a:off x="1114093" y="6072352"/>
+            <a:ext cx="2527739" cy="0"/>
+          </a:xfrm>
+          <a:prstGeom prst="straightConnector1">
+            <a:avLst/>
+          </a:prstGeom>
+          <a:ln>
+            <a:tailEnd type="triangle"/>
+          </a:ln>
+        </p:spPr>
+        <p:style>
+          <a:lnRef idx="3">
+            <a:schemeClr val="accent6"/>
+          </a:lnRef>
+          <a:fillRef idx="0">
+            <a:schemeClr val="accent6"/>
+          </a:fillRef>
+          <a:effectRef idx="2">
+            <a:schemeClr val="accent6"/>
+          </a:effectRef>
+          <a:fontRef idx="minor">
+            <a:schemeClr val="tx1"/>
+          </a:fontRef>
+        </p:style>
+      </p:cxnSp>
+      <p:sp>
+        <p:nvSpPr>
+          <p:cNvPr id="82" name="TextBox 81">
+            <a:extLst>
+              <a:ext uri="{FF2B5EF4-FFF2-40B4-BE49-F238E27FC236}">
+                <a16:creationId xmlns:a16="http://schemas.microsoft.com/office/drawing/2014/main" id="{8B035887-DD68-41AA-0A2F-8F44E165DD42}"/>
+              </a:ext>
+            </a:extLst>
+          </p:cNvPr>
+          <p:cNvSpPr txBox="1"/>
+          <p:nvPr/>
+        </p:nvSpPr>
+        <p:spPr>
+          <a:xfrm>
+            <a:off x="1976757" y="1415548"/>
+            <a:ext cx="751487" cy="276999"/>
+          </a:xfrm>
+          <a:prstGeom prst="rect">
+            <a:avLst/>
+          </a:prstGeom>
+        </p:spPr>
+        <p:style>
+          <a:lnRef idx="2">
+            <a:schemeClr val="accent6"/>
+          </a:lnRef>
+          <a:fillRef idx="1">
+            <a:schemeClr val="lt1"/>
+          </a:fillRef>
+          <a:effectRef idx="0">
+            <a:schemeClr val="accent6"/>
+          </a:effectRef>
+          <a:fontRef idx="minor">
+            <a:schemeClr val="dk1"/>
+          </a:fontRef>
+        </p:style>
+        <p:txBody>
+          <a:bodyPr wrap="square" rtlCol="0">
+            <a:spAutoFit/>
+          </a:bodyPr>
+          <a:lstStyle/>
+          <a:p>
+            <a:pPr algn="ctr"/>
+            <a:r>
+              <a:rPr kumimoji="1" lang="ko-KR" altLang="en-US" sz="1200" dirty="0"/>
+              <a:t>연결</a:t>
+            </a:r>
+            <a:endParaRPr kumimoji="1" lang="ko-Kore-KR" altLang="en-US" sz="1200" dirty="0"/>
+          </a:p>
+        </p:txBody>
+      </p:sp>
+      <p:sp>
+        <p:nvSpPr>
+          <p:cNvPr id="83" name="TextBox 82">
+            <a:extLst>
+              <a:ext uri="{FF2B5EF4-FFF2-40B4-BE49-F238E27FC236}">
+                <a16:creationId xmlns:a16="http://schemas.microsoft.com/office/drawing/2014/main" id="{E6EDBC73-086F-1501-0553-9EE98D261A7B}"/>
+              </a:ext>
+            </a:extLst>
+          </p:cNvPr>
+          <p:cNvSpPr txBox="1"/>
+          <p:nvPr/>
+        </p:nvSpPr>
+        <p:spPr>
+          <a:xfrm>
+            <a:off x="1977666" y="2623093"/>
+            <a:ext cx="751487" cy="276999"/>
+          </a:xfrm>
+          <a:prstGeom prst="rect">
+            <a:avLst/>
+          </a:prstGeom>
+        </p:spPr>
+        <p:style>
+          <a:lnRef idx="2">
+            <a:schemeClr val="accent2"/>
+          </a:lnRef>
+          <a:fillRef idx="1">
+            <a:schemeClr val="lt1"/>
+          </a:fillRef>
+          <a:effectRef idx="0">
+            <a:schemeClr val="accent2"/>
+          </a:effectRef>
+          <a:fontRef idx="minor">
+            <a:schemeClr val="dk1"/>
+          </a:fontRef>
+        </p:style>
+        <p:txBody>
+          <a:bodyPr wrap="square" rtlCol="0">
+            <a:spAutoFit/>
+          </a:bodyPr>
+          <a:lstStyle/>
+          <a:p>
+            <a:pPr algn="ctr"/>
+            <a:r>
+              <a:rPr kumimoji="1" lang="ko-KR" altLang="en-US" sz="1200" dirty="0"/>
+              <a:t>응답</a:t>
+            </a:r>
+            <a:endParaRPr kumimoji="1" lang="ko-Kore-KR" altLang="en-US" sz="1200" dirty="0"/>
+          </a:p>
+        </p:txBody>
+      </p:sp>
+      <p:sp>
+        <p:nvSpPr>
+          <p:cNvPr id="84" name="TextBox 83">
+            <a:extLst>
+              <a:ext uri="{FF2B5EF4-FFF2-40B4-BE49-F238E27FC236}">
+                <a16:creationId xmlns:a16="http://schemas.microsoft.com/office/drawing/2014/main" id="{FDF18917-CA8D-6874-8AF8-F55DDAC1423E}"/>
+              </a:ext>
+            </a:extLst>
+          </p:cNvPr>
+          <p:cNvSpPr txBox="1"/>
+          <p:nvPr/>
+        </p:nvSpPr>
+        <p:spPr>
+          <a:xfrm>
+            <a:off x="1977667" y="1960942"/>
+            <a:ext cx="751487" cy="276999"/>
+          </a:xfrm>
+          <a:prstGeom prst="rect">
+            <a:avLst/>
+          </a:prstGeom>
+        </p:spPr>
+        <p:style>
+          <a:lnRef idx="2">
+            <a:schemeClr val="accent6"/>
+          </a:lnRef>
+          <a:fillRef idx="1">
+            <a:schemeClr val="lt1"/>
+          </a:fillRef>
+          <a:effectRef idx="0">
+            <a:schemeClr val="accent6"/>
+          </a:effectRef>
+          <a:fontRef idx="minor">
+            <a:schemeClr val="dk1"/>
+          </a:fontRef>
+        </p:style>
+        <p:txBody>
+          <a:bodyPr wrap="square" rtlCol="0">
+            <a:spAutoFit/>
+          </a:bodyPr>
+          <a:lstStyle/>
+          <a:p>
+            <a:pPr algn="ctr"/>
+            <a:r>
+              <a:rPr kumimoji="1" lang="ko-KR" altLang="en-US" sz="1200" dirty="0"/>
+              <a:t>요청</a:t>
+            </a:r>
+            <a:endParaRPr kumimoji="1" lang="ko-Kore-KR" altLang="en-US" sz="1200" dirty="0"/>
+          </a:p>
+        </p:txBody>
+      </p:sp>
+      <p:sp>
+        <p:nvSpPr>
+          <p:cNvPr id="85" name="TextBox 84">
+            <a:extLst>
+              <a:ext uri="{FF2B5EF4-FFF2-40B4-BE49-F238E27FC236}">
+                <a16:creationId xmlns:a16="http://schemas.microsoft.com/office/drawing/2014/main" id="{4E5CBB14-921A-F7A6-BCAE-71DD0CA9FBA2}"/>
+              </a:ext>
+            </a:extLst>
+          </p:cNvPr>
+          <p:cNvSpPr txBox="1"/>
+          <p:nvPr/>
+        </p:nvSpPr>
+        <p:spPr>
+          <a:xfrm>
+            <a:off x="1977665" y="3311521"/>
+            <a:ext cx="751487" cy="276999"/>
+          </a:xfrm>
+          <a:prstGeom prst="rect">
+            <a:avLst/>
+          </a:prstGeom>
+        </p:spPr>
+        <p:style>
+          <a:lnRef idx="2">
+            <a:schemeClr val="accent6"/>
+          </a:lnRef>
+          <a:fillRef idx="1">
+            <a:schemeClr val="lt1"/>
+          </a:fillRef>
+          <a:effectRef idx="0">
+            <a:schemeClr val="accent6"/>
+          </a:effectRef>
+          <a:fontRef idx="minor">
+            <a:schemeClr val="dk1"/>
+          </a:fontRef>
+        </p:style>
+        <p:txBody>
+          <a:bodyPr wrap="square" rtlCol="0">
+            <a:spAutoFit/>
+          </a:bodyPr>
+          <a:lstStyle/>
+          <a:p>
+            <a:pPr algn="ctr"/>
+            <a:r>
+              <a:rPr kumimoji="1" lang="ko-KR" altLang="en-US" sz="1200" dirty="0"/>
+              <a:t>요청</a:t>
+            </a:r>
+            <a:endParaRPr kumimoji="1" lang="ko-Kore-KR" altLang="en-US" sz="1200" dirty="0"/>
+          </a:p>
+        </p:txBody>
+      </p:sp>
+      <p:sp>
+        <p:nvSpPr>
+          <p:cNvPr id="86" name="TextBox 85">
+            <a:extLst>
+              <a:ext uri="{FF2B5EF4-FFF2-40B4-BE49-F238E27FC236}">
+                <a16:creationId xmlns:a16="http://schemas.microsoft.com/office/drawing/2014/main" id="{72B1F845-D7BA-8718-B8FF-7CA8B19CD4BA}"/>
+              </a:ext>
+            </a:extLst>
+          </p:cNvPr>
+          <p:cNvSpPr txBox="1"/>
+          <p:nvPr/>
+        </p:nvSpPr>
+        <p:spPr>
+          <a:xfrm>
+            <a:off x="1976756" y="4037878"/>
+            <a:ext cx="751487" cy="276999"/>
+          </a:xfrm>
+          <a:prstGeom prst="rect">
+            <a:avLst/>
+          </a:prstGeom>
+        </p:spPr>
+        <p:style>
+          <a:lnRef idx="2">
+            <a:schemeClr val="accent2"/>
+          </a:lnRef>
+          <a:fillRef idx="1">
+            <a:schemeClr val="lt1"/>
+          </a:fillRef>
+          <a:effectRef idx="0">
+            <a:schemeClr val="accent2"/>
+          </a:effectRef>
+          <a:fontRef idx="minor">
+            <a:schemeClr val="dk1"/>
+          </a:fontRef>
+        </p:style>
+        <p:txBody>
+          <a:bodyPr wrap="square" rtlCol="0">
+            <a:spAutoFit/>
+          </a:bodyPr>
+          <a:lstStyle/>
+          <a:p>
+            <a:pPr algn="ctr"/>
+            <a:r>
+              <a:rPr kumimoji="1" lang="ko-KR" altLang="en-US" sz="1200" dirty="0"/>
+              <a:t>응답</a:t>
+            </a:r>
+            <a:endParaRPr kumimoji="1" lang="ko-Kore-KR" altLang="en-US" sz="1200" dirty="0"/>
+          </a:p>
+        </p:txBody>
+      </p:sp>
+      <p:sp>
+        <p:nvSpPr>
+          <p:cNvPr id="87" name="TextBox 86">
+            <a:extLst>
+              <a:ext uri="{FF2B5EF4-FFF2-40B4-BE49-F238E27FC236}">
+                <a16:creationId xmlns:a16="http://schemas.microsoft.com/office/drawing/2014/main" id="{B1FB5C61-F5EF-CB2F-98A7-D6F41AA482CD}"/>
+              </a:ext>
+            </a:extLst>
+          </p:cNvPr>
+          <p:cNvSpPr txBox="1"/>
+          <p:nvPr/>
+        </p:nvSpPr>
+        <p:spPr>
+          <a:xfrm>
+            <a:off x="1976755" y="5933852"/>
+            <a:ext cx="751487" cy="461665"/>
+          </a:xfrm>
+          <a:prstGeom prst="rect">
+            <a:avLst/>
+          </a:prstGeom>
+        </p:spPr>
+        <p:style>
+          <a:lnRef idx="2">
+            <a:schemeClr val="accent6"/>
+          </a:lnRef>
+          <a:fillRef idx="1">
+            <a:schemeClr val="lt1"/>
+          </a:fillRef>
+          <a:effectRef idx="0">
+            <a:schemeClr val="accent6"/>
+          </a:effectRef>
+          <a:fontRef idx="minor">
+            <a:schemeClr val="dk1"/>
+          </a:fontRef>
+        </p:style>
+        <p:txBody>
+          <a:bodyPr wrap="square" rtlCol="0">
+            <a:spAutoFit/>
+          </a:bodyPr>
+          <a:lstStyle/>
+          <a:p>
+            <a:pPr algn="ctr"/>
+            <a:r>
+              <a:rPr kumimoji="1" lang="ko-KR" altLang="en-US" sz="1200" dirty="0"/>
+              <a:t>끊기</a:t>
+            </a:r>
+            <a:endParaRPr kumimoji="1" lang="en-US" altLang="ko-KR" sz="1200" dirty="0"/>
+          </a:p>
+          <a:p>
+            <a:pPr algn="ctr"/>
+            <a:r>
+              <a:rPr kumimoji="1" lang="en-US" altLang="ko-KR" sz="1200" dirty="0"/>
+              <a:t>(exit)</a:t>
+            </a:r>
+            <a:endParaRPr kumimoji="1" lang="ko-Kore-KR" altLang="en-US" sz="1200" dirty="0"/>
+          </a:p>
+        </p:txBody>
+      </p:sp>
+      <p:sp>
+        <p:nvSpPr>
+          <p:cNvPr id="88" name="TextBox 87">
+            <a:extLst>
+              <a:ext uri="{FF2B5EF4-FFF2-40B4-BE49-F238E27FC236}">
+                <a16:creationId xmlns:a16="http://schemas.microsoft.com/office/drawing/2014/main" id="{B9987EFA-63D2-7AC1-360A-640308E7F945}"/>
+              </a:ext>
+            </a:extLst>
+          </p:cNvPr>
+          <p:cNvSpPr txBox="1"/>
+          <p:nvPr/>
+        </p:nvSpPr>
+        <p:spPr>
+          <a:xfrm>
+            <a:off x="1976755" y="4710727"/>
+            <a:ext cx="751487" cy="738664"/>
+          </a:xfrm>
+          <a:prstGeom prst="rect">
+            <a:avLst/>
+          </a:prstGeom>
+        </p:spPr>
+        <p:style>
+          <a:lnRef idx="2">
+            <a:schemeClr val="accent5"/>
+          </a:lnRef>
+          <a:fillRef idx="1">
+            <a:schemeClr val="lt1"/>
+          </a:fillRef>
+          <a:effectRef idx="0">
+            <a:schemeClr val="accent5"/>
+          </a:effectRef>
+          <a:fontRef idx="minor">
+            <a:schemeClr val="dk1"/>
+          </a:fontRef>
+        </p:style>
+        <p:txBody>
+          <a:bodyPr wrap="square" rtlCol="0">
+            <a:spAutoFit/>
+          </a:bodyPr>
+          <a:lstStyle/>
+          <a:p>
+            <a:pPr algn="ctr"/>
+            <a:r>
+              <a:rPr kumimoji="1" lang="en-US" altLang="ko-KR" sz="1400" dirty="0"/>
+              <a:t>.</a:t>
+            </a:r>
+          </a:p>
+          <a:p>
+            <a:pPr algn="ctr"/>
+            <a:r>
+              <a:rPr kumimoji="1" lang="en-US" altLang="ko-KR" sz="1400" dirty="0"/>
+              <a:t>.</a:t>
+            </a:r>
+          </a:p>
+          <a:p>
+            <a:pPr algn="ctr"/>
+            <a:r>
+              <a:rPr kumimoji="1" lang="en-US" altLang="ko-KR" sz="1400" dirty="0"/>
+              <a:t>.</a:t>
+            </a:r>
+            <a:endParaRPr kumimoji="1" lang="ko-Kore-KR" altLang="en-US" sz="1400" dirty="0"/>
+          </a:p>
+        </p:txBody>
+      </p:sp>
+      <p:sp>
+        <p:nvSpPr>
+          <p:cNvPr id="90" name="TextBox 89">
+            <a:extLst>
+              <a:ext uri="{FF2B5EF4-FFF2-40B4-BE49-F238E27FC236}">
+                <a16:creationId xmlns:a16="http://schemas.microsoft.com/office/drawing/2014/main" id="{B0792005-355F-C963-7700-0F32A2F12740}"/>
+              </a:ext>
+            </a:extLst>
+          </p:cNvPr>
+          <p:cNvSpPr txBox="1"/>
+          <p:nvPr/>
+        </p:nvSpPr>
+        <p:spPr>
+          <a:xfrm>
+            <a:off x="6495296" y="184429"/>
+            <a:ext cx="2988576" cy="369332"/>
+          </a:xfrm>
+          <a:prstGeom prst="rect">
+            <a:avLst/>
+          </a:prstGeom>
+        </p:spPr>
+        <p:style>
+          <a:lnRef idx="2">
+            <a:schemeClr val="dk1"/>
+          </a:lnRef>
+          <a:fillRef idx="1">
+            <a:schemeClr val="lt1"/>
+          </a:fillRef>
+          <a:effectRef idx="0">
+            <a:schemeClr val="dk1"/>
+          </a:effectRef>
+          <a:fontRef idx="minor">
+            <a:schemeClr val="dk1"/>
+          </a:fontRef>
+        </p:style>
+        <p:txBody>
+          <a:bodyPr wrap="square" rtlCol="0">
+            <a:spAutoFit/>
+          </a:bodyPr>
+          <a:lstStyle/>
+          <a:p>
+            <a:r>
+              <a:rPr kumimoji="1" lang="en-US" altLang="ko-KR" dirty="0"/>
+              <a:t>2</a:t>
+            </a:r>
+            <a:r>
+              <a:rPr kumimoji="1" lang="en-US" altLang="ko-Kore-KR" dirty="0"/>
+              <a:t>.</a:t>
+            </a:r>
+            <a:r>
+              <a:rPr kumimoji="1" lang="ko-KR" altLang="en-US" dirty="0"/>
+              <a:t> </a:t>
+            </a:r>
+            <a:r>
+              <a:rPr kumimoji="1" lang="en-US" altLang="ko-KR" dirty="0"/>
+              <a:t>Stateless</a:t>
+            </a:r>
+            <a:endParaRPr kumimoji="1" lang="ko-Kore-KR" altLang="en-US" dirty="0"/>
+          </a:p>
+        </p:txBody>
+      </p:sp>
+      <p:cxnSp>
+        <p:nvCxnSpPr>
+          <p:cNvPr id="91" name="직선 연결선[R] 90">
+            <a:extLst>
+              <a:ext uri="{FF2B5EF4-FFF2-40B4-BE49-F238E27FC236}">
+                <a16:creationId xmlns:a16="http://schemas.microsoft.com/office/drawing/2014/main" id="{B881C490-42E5-1606-061B-6F8A9C63D103}"/>
+              </a:ext>
+            </a:extLst>
+          </p:cNvPr>
+          <p:cNvCxnSpPr/>
+          <p:nvPr/>
+        </p:nvCxnSpPr>
+        <p:spPr>
+          <a:xfrm>
+            <a:off x="6521670" y="1135117"/>
+            <a:ext cx="0" cy="5722883"/>
+          </a:xfrm>
+          <a:prstGeom prst="line">
+            <a:avLst/>
+          </a:prstGeom>
+        </p:spPr>
+        <p:style>
+          <a:lnRef idx="3">
+            <a:schemeClr val="accent5"/>
+          </a:lnRef>
+          <a:fillRef idx="0">
+            <a:schemeClr val="accent5"/>
+          </a:fillRef>
+          <a:effectRef idx="2">
+            <a:schemeClr val="accent5"/>
+          </a:effectRef>
+          <a:fontRef idx="minor">
+            <a:schemeClr val="tx1"/>
+          </a:fontRef>
+        </p:style>
+      </p:cxnSp>
+      <p:cxnSp>
+        <p:nvCxnSpPr>
+          <p:cNvPr id="92" name="직선 연결선[R] 91">
+            <a:extLst>
+              <a:ext uri="{FF2B5EF4-FFF2-40B4-BE49-F238E27FC236}">
+                <a16:creationId xmlns:a16="http://schemas.microsoft.com/office/drawing/2014/main" id="{D13CAF60-817A-44CB-8A87-F4DED3AD7223}"/>
+              </a:ext>
+            </a:extLst>
+          </p:cNvPr>
+          <p:cNvCxnSpPr/>
+          <p:nvPr/>
+        </p:nvCxnSpPr>
+        <p:spPr>
+          <a:xfrm>
+            <a:off x="9049408" y="1135117"/>
+            <a:ext cx="0" cy="5722883"/>
+          </a:xfrm>
+          <a:prstGeom prst="line">
+            <a:avLst/>
+          </a:prstGeom>
+        </p:spPr>
+        <p:style>
+          <a:lnRef idx="3">
+            <a:schemeClr val="accent5"/>
+          </a:lnRef>
+          <a:fillRef idx="0">
+            <a:schemeClr val="accent5"/>
+          </a:fillRef>
+          <a:effectRef idx="2">
+            <a:schemeClr val="accent5"/>
+          </a:effectRef>
+          <a:fontRef idx="minor">
+            <a:schemeClr val="tx1"/>
+          </a:fontRef>
+        </p:style>
+      </p:cxnSp>
+      <p:sp>
+        <p:nvSpPr>
+          <p:cNvPr id="93" name="TextBox 92">
+            <a:extLst>
+              <a:ext uri="{FF2B5EF4-FFF2-40B4-BE49-F238E27FC236}">
+                <a16:creationId xmlns:a16="http://schemas.microsoft.com/office/drawing/2014/main" id="{C223CC62-6F96-1013-A324-00FDE8A6DCCF}"/>
+              </a:ext>
+            </a:extLst>
+          </p:cNvPr>
+          <p:cNvSpPr txBox="1"/>
+          <p:nvPr/>
+        </p:nvSpPr>
+        <p:spPr>
+          <a:xfrm>
+            <a:off x="6145926" y="827340"/>
+            <a:ext cx="751487" cy="307777"/>
+          </a:xfrm>
+          <a:prstGeom prst="rect">
+            <a:avLst/>
+          </a:prstGeom>
+        </p:spPr>
+        <p:style>
+          <a:lnRef idx="2">
+            <a:schemeClr val="accent5"/>
+          </a:lnRef>
+          <a:fillRef idx="1">
+            <a:schemeClr val="lt1"/>
+          </a:fillRef>
+          <a:effectRef idx="0">
+            <a:schemeClr val="accent5"/>
+          </a:effectRef>
+          <a:fontRef idx="minor">
+            <a:schemeClr val="dk1"/>
+          </a:fontRef>
+        </p:style>
+        <p:txBody>
+          <a:bodyPr wrap="square" rtlCol="0">
+            <a:spAutoFit/>
+          </a:bodyPr>
+          <a:lstStyle/>
+          <a:p>
+            <a:pPr algn="ctr"/>
+            <a:r>
+              <a:rPr kumimoji="1" lang="en-US" altLang="ko-Kore-KR" sz="1400" dirty="0"/>
+              <a:t>Client</a:t>
+            </a:r>
+            <a:endParaRPr kumimoji="1" lang="ko-Kore-KR" altLang="en-US" sz="1400" dirty="0"/>
+          </a:p>
+        </p:txBody>
+      </p:sp>
+      <p:sp>
+        <p:nvSpPr>
+          <p:cNvPr id="94" name="TextBox 93">
+            <a:extLst>
+              <a:ext uri="{FF2B5EF4-FFF2-40B4-BE49-F238E27FC236}">
+                <a16:creationId xmlns:a16="http://schemas.microsoft.com/office/drawing/2014/main" id="{3B03F308-33C3-0ADA-380F-B8172A43599D}"/>
+              </a:ext>
+            </a:extLst>
+          </p:cNvPr>
+          <p:cNvSpPr txBox="1"/>
+          <p:nvPr/>
+        </p:nvSpPr>
+        <p:spPr>
+          <a:xfrm>
+            <a:off x="8677908" y="827339"/>
+            <a:ext cx="751487" cy="307777"/>
+          </a:xfrm>
+          <a:prstGeom prst="rect">
+            <a:avLst/>
+          </a:prstGeom>
+        </p:spPr>
+        <p:style>
+          <a:lnRef idx="2">
+            <a:schemeClr val="accent5"/>
+          </a:lnRef>
+          <a:fillRef idx="1">
+            <a:schemeClr val="lt1"/>
+          </a:fillRef>
+          <a:effectRef idx="0">
+            <a:schemeClr val="accent5"/>
+          </a:effectRef>
+          <a:fontRef idx="minor">
+            <a:schemeClr val="dk1"/>
+          </a:fontRef>
+        </p:style>
+        <p:txBody>
+          <a:bodyPr wrap="square" rtlCol="0">
+            <a:spAutoFit/>
+          </a:bodyPr>
+          <a:lstStyle/>
+          <a:p>
+            <a:pPr algn="ctr"/>
+            <a:r>
+              <a:rPr kumimoji="1" lang="en-US" altLang="ko-Kore-KR" sz="1400" dirty="0"/>
+              <a:t>Server</a:t>
+            </a:r>
+            <a:endParaRPr kumimoji="1" lang="ko-Kore-KR" altLang="en-US" sz="1400" dirty="0"/>
+          </a:p>
+        </p:txBody>
+      </p:sp>
+      <p:cxnSp>
+        <p:nvCxnSpPr>
+          <p:cNvPr id="95" name="직선 화살표 연결선 94">
+            <a:extLst>
+              <a:ext uri="{FF2B5EF4-FFF2-40B4-BE49-F238E27FC236}">
+                <a16:creationId xmlns:a16="http://schemas.microsoft.com/office/drawing/2014/main" id="{A2427F8D-CDC1-FB42-DDA2-1C535DF5A162}"/>
+              </a:ext>
+            </a:extLst>
+          </p:cNvPr>
+          <p:cNvCxnSpPr/>
+          <p:nvPr/>
+        </p:nvCxnSpPr>
+        <p:spPr>
+          <a:xfrm>
+            <a:off x="6521669" y="1608083"/>
+            <a:ext cx="2527739" cy="0"/>
+          </a:xfrm>
+          <a:prstGeom prst="straightConnector1">
+            <a:avLst/>
+          </a:prstGeom>
+          <a:ln>
+            <a:tailEnd type="triangle"/>
+          </a:ln>
+        </p:spPr>
+        <p:style>
+          <a:lnRef idx="3">
+            <a:schemeClr val="accent6"/>
+          </a:lnRef>
+          <a:fillRef idx="0">
+            <a:schemeClr val="accent6"/>
+          </a:fillRef>
+          <a:effectRef idx="2">
+            <a:schemeClr val="accent6"/>
+          </a:effectRef>
+          <a:fontRef idx="minor">
+            <a:schemeClr val="tx1"/>
+          </a:fontRef>
+        </p:style>
+      </p:cxnSp>
+      <p:cxnSp>
+        <p:nvCxnSpPr>
+          <p:cNvPr id="96" name="직선 화살표 연결선 95">
+            <a:extLst>
+              <a:ext uri="{FF2B5EF4-FFF2-40B4-BE49-F238E27FC236}">
+                <a16:creationId xmlns:a16="http://schemas.microsoft.com/office/drawing/2014/main" id="{81CBE129-FDE9-F751-C2F7-5C967DC57BF7}"/>
+              </a:ext>
+            </a:extLst>
+          </p:cNvPr>
+          <p:cNvCxnSpPr/>
+          <p:nvPr/>
+        </p:nvCxnSpPr>
+        <p:spPr>
+          <a:xfrm>
+            <a:off x="6521668" y="2107324"/>
+            <a:ext cx="2527739" cy="0"/>
+          </a:xfrm>
+          <a:prstGeom prst="straightConnector1">
+            <a:avLst/>
+          </a:prstGeom>
+          <a:ln>
+            <a:tailEnd type="triangle"/>
+          </a:ln>
+        </p:spPr>
+        <p:style>
+          <a:lnRef idx="3">
+            <a:schemeClr val="accent6"/>
+          </a:lnRef>
+          <a:fillRef idx="0">
+            <a:schemeClr val="accent6"/>
+          </a:fillRef>
+          <a:effectRef idx="2">
+            <a:schemeClr val="accent6"/>
+          </a:effectRef>
+          <a:fontRef idx="minor">
+            <a:schemeClr val="tx1"/>
+          </a:fontRef>
+        </p:style>
+      </p:cxnSp>
+      <p:cxnSp>
+        <p:nvCxnSpPr>
+          <p:cNvPr id="97" name="직선 화살표 연결선 96">
+            <a:extLst>
+              <a:ext uri="{FF2B5EF4-FFF2-40B4-BE49-F238E27FC236}">
+                <a16:creationId xmlns:a16="http://schemas.microsoft.com/office/drawing/2014/main" id="{68E4040C-090F-AF6C-8E0B-BA6FB60B3ABA}"/>
+              </a:ext>
+            </a:extLst>
+          </p:cNvPr>
+          <p:cNvCxnSpPr/>
+          <p:nvPr/>
+        </p:nvCxnSpPr>
+        <p:spPr>
+          <a:xfrm flipH="1">
+            <a:off x="6519850" y="2662406"/>
+            <a:ext cx="2527739" cy="0"/>
+          </a:xfrm>
+          <a:prstGeom prst="straightConnector1">
+            <a:avLst/>
+          </a:prstGeom>
+          <a:ln>
+            <a:tailEnd type="triangle"/>
+          </a:ln>
+        </p:spPr>
+        <p:style>
+          <a:lnRef idx="3">
+            <a:schemeClr val="accent2"/>
+          </a:lnRef>
+          <a:fillRef idx="0">
+            <a:schemeClr val="accent2"/>
+          </a:fillRef>
+          <a:effectRef idx="2">
+            <a:schemeClr val="accent2"/>
+          </a:effectRef>
+          <a:fontRef idx="minor">
+            <a:schemeClr val="tx1"/>
+          </a:fontRef>
+        </p:style>
+      </p:cxnSp>
+      <p:cxnSp>
+        <p:nvCxnSpPr>
+          <p:cNvPr id="98" name="직선 화살표 연결선 97">
+            <a:extLst>
+              <a:ext uri="{FF2B5EF4-FFF2-40B4-BE49-F238E27FC236}">
+                <a16:creationId xmlns:a16="http://schemas.microsoft.com/office/drawing/2014/main" id="{CE2DB7D6-648C-C56D-0B26-12F985AFEA7C}"/>
+              </a:ext>
+            </a:extLst>
+          </p:cNvPr>
+          <p:cNvCxnSpPr/>
+          <p:nvPr/>
+        </p:nvCxnSpPr>
+        <p:spPr>
+          <a:xfrm>
+            <a:off x="6518940" y="3222082"/>
+            <a:ext cx="2527739" cy="0"/>
+          </a:xfrm>
+          <a:prstGeom prst="straightConnector1">
+            <a:avLst/>
+          </a:prstGeom>
+          <a:ln>
+            <a:tailEnd type="triangle"/>
+          </a:ln>
+        </p:spPr>
+        <p:style>
+          <a:lnRef idx="3">
+            <a:schemeClr val="accent6"/>
+          </a:lnRef>
+          <a:fillRef idx="0">
+            <a:schemeClr val="accent6"/>
+          </a:fillRef>
+          <a:effectRef idx="2">
+            <a:schemeClr val="accent6"/>
+          </a:effectRef>
+          <a:fontRef idx="minor">
+            <a:schemeClr val="tx1"/>
+          </a:fontRef>
+        </p:style>
+      </p:cxnSp>
+      <p:sp>
+        <p:nvSpPr>
+          <p:cNvPr id="99" name="TextBox 98">
+            <a:extLst>
+              <a:ext uri="{FF2B5EF4-FFF2-40B4-BE49-F238E27FC236}">
+                <a16:creationId xmlns:a16="http://schemas.microsoft.com/office/drawing/2014/main" id="{74682E56-B700-B62F-7607-3FBF9E1BFCDA}"/>
+              </a:ext>
+            </a:extLst>
+          </p:cNvPr>
+          <p:cNvSpPr txBox="1"/>
+          <p:nvPr/>
+        </p:nvSpPr>
+        <p:spPr>
+          <a:xfrm>
+            <a:off x="7384330" y="1415548"/>
+            <a:ext cx="751487" cy="276999"/>
+          </a:xfrm>
+          <a:prstGeom prst="rect">
+            <a:avLst/>
+          </a:prstGeom>
+        </p:spPr>
+        <p:style>
+          <a:lnRef idx="2">
+            <a:schemeClr val="accent6"/>
+          </a:lnRef>
+          <a:fillRef idx="1">
+            <a:schemeClr val="lt1"/>
+          </a:fillRef>
+          <a:effectRef idx="0">
+            <a:schemeClr val="accent6"/>
+          </a:effectRef>
+          <a:fontRef idx="minor">
+            <a:schemeClr val="dk1"/>
+          </a:fontRef>
+        </p:style>
+        <p:txBody>
+          <a:bodyPr wrap="square" rtlCol="0">
+            <a:spAutoFit/>
+          </a:bodyPr>
+          <a:lstStyle/>
+          <a:p>
+            <a:pPr algn="ctr"/>
+            <a:r>
+              <a:rPr kumimoji="1" lang="ko-KR" altLang="en-US" sz="1200" dirty="0"/>
+              <a:t>연결</a:t>
+            </a:r>
+            <a:endParaRPr kumimoji="1" lang="ko-Kore-KR" altLang="en-US" sz="1200" dirty="0"/>
+          </a:p>
+        </p:txBody>
+      </p:sp>
+      <p:sp>
+        <p:nvSpPr>
+          <p:cNvPr id="100" name="TextBox 99">
+            <a:extLst>
+              <a:ext uri="{FF2B5EF4-FFF2-40B4-BE49-F238E27FC236}">
+                <a16:creationId xmlns:a16="http://schemas.microsoft.com/office/drawing/2014/main" id="{84F98DA4-BF90-3089-F82F-8E09B0F3889D}"/>
+              </a:ext>
+            </a:extLst>
+          </p:cNvPr>
+          <p:cNvSpPr txBox="1"/>
+          <p:nvPr/>
+        </p:nvSpPr>
+        <p:spPr>
+          <a:xfrm>
+            <a:off x="7383420" y="2510768"/>
+            <a:ext cx="751487" cy="276999"/>
+          </a:xfrm>
+          <a:prstGeom prst="rect">
+            <a:avLst/>
+          </a:prstGeom>
+        </p:spPr>
+        <p:style>
+          <a:lnRef idx="2">
+            <a:schemeClr val="accent2"/>
+          </a:lnRef>
+          <a:fillRef idx="1">
+            <a:schemeClr val="lt1"/>
+          </a:fillRef>
+          <a:effectRef idx="0">
+            <a:schemeClr val="accent2"/>
+          </a:effectRef>
+          <a:fontRef idx="minor">
+            <a:schemeClr val="dk1"/>
+          </a:fontRef>
+        </p:style>
+        <p:txBody>
+          <a:bodyPr wrap="square" rtlCol="0">
+            <a:spAutoFit/>
+          </a:bodyPr>
+          <a:lstStyle/>
+          <a:p>
+            <a:pPr algn="ctr"/>
+            <a:r>
+              <a:rPr kumimoji="1" lang="ko-KR" altLang="en-US" sz="1200" dirty="0"/>
+              <a:t>응답</a:t>
+            </a:r>
+            <a:endParaRPr kumimoji="1" lang="ko-Kore-KR" altLang="en-US" sz="1200" dirty="0"/>
+          </a:p>
+        </p:txBody>
+      </p:sp>
+      <p:sp>
+        <p:nvSpPr>
+          <p:cNvPr id="101" name="TextBox 100">
+            <a:extLst>
+              <a:ext uri="{FF2B5EF4-FFF2-40B4-BE49-F238E27FC236}">
+                <a16:creationId xmlns:a16="http://schemas.microsoft.com/office/drawing/2014/main" id="{D9879A29-A487-C923-B8A5-BABD5ACB3C0E}"/>
+              </a:ext>
+            </a:extLst>
+          </p:cNvPr>
+          <p:cNvSpPr txBox="1"/>
+          <p:nvPr/>
+        </p:nvSpPr>
+        <p:spPr>
+          <a:xfrm>
+            <a:off x="7385240" y="1960942"/>
+            <a:ext cx="751487" cy="276999"/>
+          </a:xfrm>
+          <a:prstGeom prst="rect">
+            <a:avLst/>
+          </a:prstGeom>
+        </p:spPr>
+        <p:style>
+          <a:lnRef idx="2">
+            <a:schemeClr val="accent6"/>
+          </a:lnRef>
+          <a:fillRef idx="1">
+            <a:schemeClr val="lt1"/>
+          </a:fillRef>
+          <a:effectRef idx="0">
+            <a:schemeClr val="accent6"/>
+          </a:effectRef>
+          <a:fontRef idx="minor">
+            <a:schemeClr val="dk1"/>
+          </a:fontRef>
+        </p:style>
+        <p:txBody>
+          <a:bodyPr wrap="square" rtlCol="0">
+            <a:spAutoFit/>
+          </a:bodyPr>
+          <a:lstStyle/>
+          <a:p>
+            <a:pPr algn="ctr"/>
+            <a:r>
+              <a:rPr kumimoji="1" lang="ko-KR" altLang="en-US" sz="1200" dirty="0"/>
+              <a:t>요청</a:t>
+            </a:r>
+            <a:endParaRPr kumimoji="1" lang="ko-Kore-KR" altLang="en-US" sz="1200" dirty="0"/>
+          </a:p>
+        </p:txBody>
+      </p:sp>
+      <p:sp>
+        <p:nvSpPr>
+          <p:cNvPr id="102" name="TextBox 101">
+            <a:extLst>
+              <a:ext uri="{FF2B5EF4-FFF2-40B4-BE49-F238E27FC236}">
+                <a16:creationId xmlns:a16="http://schemas.microsoft.com/office/drawing/2014/main" id="{F54AB341-8555-4B1C-E66D-C88ADBCC86CB}"/>
+              </a:ext>
+            </a:extLst>
+          </p:cNvPr>
+          <p:cNvSpPr txBox="1"/>
+          <p:nvPr/>
+        </p:nvSpPr>
+        <p:spPr>
+          <a:xfrm>
+            <a:off x="7382511" y="3083582"/>
+            <a:ext cx="751487" cy="276999"/>
+          </a:xfrm>
+          <a:prstGeom prst="rect">
+            <a:avLst/>
+          </a:prstGeom>
+        </p:spPr>
+        <p:style>
+          <a:lnRef idx="2">
+            <a:schemeClr val="accent6"/>
+          </a:lnRef>
+          <a:fillRef idx="1">
+            <a:schemeClr val="lt1"/>
+          </a:fillRef>
+          <a:effectRef idx="0">
+            <a:schemeClr val="accent6"/>
+          </a:effectRef>
+          <a:fontRef idx="minor">
+            <a:schemeClr val="dk1"/>
+          </a:fontRef>
+        </p:style>
+        <p:txBody>
+          <a:bodyPr wrap="square" rtlCol="0">
+            <a:spAutoFit/>
+          </a:bodyPr>
+          <a:lstStyle/>
+          <a:p>
+            <a:pPr algn="ctr"/>
+            <a:r>
+              <a:rPr kumimoji="1" lang="ko-Kore-KR" altLang="en-US" sz="1200" dirty="0"/>
+              <a:t>끊기</a:t>
+            </a:r>
+          </a:p>
+        </p:txBody>
+      </p:sp>
+      <p:cxnSp>
+        <p:nvCxnSpPr>
+          <p:cNvPr id="104" name="직선 화살표 연결선 103">
+            <a:extLst>
+              <a:ext uri="{FF2B5EF4-FFF2-40B4-BE49-F238E27FC236}">
+                <a16:creationId xmlns:a16="http://schemas.microsoft.com/office/drawing/2014/main" id="{5293AB35-3224-24CE-1482-253ECA11148A}"/>
+              </a:ext>
+            </a:extLst>
+          </p:cNvPr>
+          <p:cNvCxnSpPr/>
+          <p:nvPr/>
+        </p:nvCxnSpPr>
+        <p:spPr>
+          <a:xfrm>
+            <a:off x="6521669" y="3947397"/>
+            <a:ext cx="2527739" cy="0"/>
+          </a:xfrm>
+          <a:prstGeom prst="straightConnector1">
+            <a:avLst/>
+          </a:prstGeom>
+          <a:ln>
+            <a:tailEnd type="triangle"/>
+          </a:ln>
+        </p:spPr>
+        <p:style>
+          <a:lnRef idx="3">
+            <a:schemeClr val="accent6"/>
+          </a:lnRef>
+          <a:fillRef idx="0">
+            <a:schemeClr val="accent6"/>
+          </a:fillRef>
+          <a:effectRef idx="2">
+            <a:schemeClr val="accent6"/>
+          </a:effectRef>
+          <a:fontRef idx="minor">
+            <a:schemeClr val="tx1"/>
+          </a:fontRef>
+        </p:style>
+      </p:cxnSp>
+      <p:cxnSp>
+        <p:nvCxnSpPr>
+          <p:cNvPr id="105" name="직선 화살표 연결선 104">
+            <a:extLst>
+              <a:ext uri="{FF2B5EF4-FFF2-40B4-BE49-F238E27FC236}">
+                <a16:creationId xmlns:a16="http://schemas.microsoft.com/office/drawing/2014/main" id="{E9B0BB54-6713-1360-E57E-FEF9724EC31A}"/>
+              </a:ext>
+            </a:extLst>
+          </p:cNvPr>
+          <p:cNvCxnSpPr/>
+          <p:nvPr/>
+        </p:nvCxnSpPr>
+        <p:spPr>
+          <a:xfrm>
+            <a:off x="6521668" y="4446638"/>
+            <a:ext cx="2527739" cy="0"/>
+          </a:xfrm>
+          <a:prstGeom prst="straightConnector1">
+            <a:avLst/>
+          </a:prstGeom>
+          <a:ln>
+            <a:tailEnd type="triangle"/>
+          </a:ln>
+        </p:spPr>
+        <p:style>
+          <a:lnRef idx="3">
+            <a:schemeClr val="accent6"/>
+          </a:lnRef>
+          <a:fillRef idx="0">
+            <a:schemeClr val="accent6"/>
+          </a:fillRef>
+          <a:effectRef idx="2">
+            <a:schemeClr val="accent6"/>
+          </a:effectRef>
+          <a:fontRef idx="minor">
+            <a:schemeClr val="tx1"/>
+          </a:fontRef>
+        </p:style>
+      </p:cxnSp>
+      <p:cxnSp>
+        <p:nvCxnSpPr>
+          <p:cNvPr id="106" name="직선 화살표 연결선 105">
+            <a:extLst>
+              <a:ext uri="{FF2B5EF4-FFF2-40B4-BE49-F238E27FC236}">
+                <a16:creationId xmlns:a16="http://schemas.microsoft.com/office/drawing/2014/main" id="{779D25D8-36AB-9C6B-B3B8-500B490D8332}"/>
+              </a:ext>
+            </a:extLst>
+          </p:cNvPr>
+          <p:cNvCxnSpPr/>
+          <p:nvPr/>
+        </p:nvCxnSpPr>
+        <p:spPr>
+          <a:xfrm flipH="1">
+            <a:off x="6519850" y="5001720"/>
+            <a:ext cx="2527739" cy="0"/>
+          </a:xfrm>
+          <a:prstGeom prst="straightConnector1">
+            <a:avLst/>
+          </a:prstGeom>
+          <a:ln>
+            <a:tailEnd type="triangle"/>
+          </a:ln>
+        </p:spPr>
+        <p:style>
+          <a:lnRef idx="3">
+            <a:schemeClr val="accent2"/>
+          </a:lnRef>
+          <a:fillRef idx="0">
+            <a:schemeClr val="accent2"/>
+          </a:fillRef>
+          <a:effectRef idx="2">
+            <a:schemeClr val="accent2"/>
+          </a:effectRef>
+          <a:fontRef idx="minor">
+            <a:schemeClr val="tx1"/>
+          </a:fontRef>
+        </p:style>
+      </p:cxnSp>
+      <p:cxnSp>
+        <p:nvCxnSpPr>
+          <p:cNvPr id="107" name="직선 화살표 연결선 106">
+            <a:extLst>
+              <a:ext uri="{FF2B5EF4-FFF2-40B4-BE49-F238E27FC236}">
+                <a16:creationId xmlns:a16="http://schemas.microsoft.com/office/drawing/2014/main" id="{270B0A67-B69D-A44D-A7C5-B82BA6A5D2DA}"/>
+              </a:ext>
+            </a:extLst>
+          </p:cNvPr>
+          <p:cNvCxnSpPr/>
+          <p:nvPr/>
+        </p:nvCxnSpPr>
+        <p:spPr>
+          <a:xfrm>
+            <a:off x="6518940" y="5561396"/>
+            <a:ext cx="2527739" cy="0"/>
+          </a:xfrm>
+          <a:prstGeom prst="straightConnector1">
+            <a:avLst/>
+          </a:prstGeom>
+          <a:ln>
+            <a:tailEnd type="triangle"/>
+          </a:ln>
+        </p:spPr>
+        <p:style>
+          <a:lnRef idx="3">
+            <a:schemeClr val="accent6"/>
+          </a:lnRef>
+          <a:fillRef idx="0">
+            <a:schemeClr val="accent6"/>
+          </a:fillRef>
+          <a:effectRef idx="2">
+            <a:schemeClr val="accent6"/>
+          </a:effectRef>
+          <a:fontRef idx="minor">
+            <a:schemeClr val="tx1"/>
+          </a:fontRef>
+        </p:style>
+      </p:cxnSp>
+      <p:sp>
+        <p:nvSpPr>
+          <p:cNvPr id="108" name="TextBox 107">
+            <a:extLst>
+              <a:ext uri="{FF2B5EF4-FFF2-40B4-BE49-F238E27FC236}">
+                <a16:creationId xmlns:a16="http://schemas.microsoft.com/office/drawing/2014/main" id="{359C5FC4-67DE-C16C-6CEB-2C62AA11F6F6}"/>
+              </a:ext>
+            </a:extLst>
+          </p:cNvPr>
+          <p:cNvSpPr txBox="1"/>
+          <p:nvPr/>
+        </p:nvSpPr>
+        <p:spPr>
+          <a:xfrm>
+            <a:off x="7384330" y="3754862"/>
+            <a:ext cx="751487" cy="276999"/>
+          </a:xfrm>
+          <a:prstGeom prst="rect">
+            <a:avLst/>
+          </a:prstGeom>
+        </p:spPr>
+        <p:style>
+          <a:lnRef idx="2">
+            <a:schemeClr val="accent6"/>
+          </a:lnRef>
+          <a:fillRef idx="1">
+            <a:schemeClr val="lt1"/>
+          </a:fillRef>
+          <a:effectRef idx="0">
+            <a:schemeClr val="accent6"/>
+          </a:effectRef>
+          <a:fontRef idx="minor">
+            <a:schemeClr val="dk1"/>
+          </a:fontRef>
+        </p:style>
+        <p:txBody>
+          <a:bodyPr wrap="square" rtlCol="0">
+            <a:spAutoFit/>
+          </a:bodyPr>
+          <a:lstStyle/>
+          <a:p>
+            <a:pPr algn="ctr"/>
+            <a:r>
+              <a:rPr kumimoji="1" lang="ko-KR" altLang="en-US" sz="1200" dirty="0"/>
+              <a:t>연결</a:t>
+            </a:r>
+            <a:endParaRPr kumimoji="1" lang="ko-Kore-KR" altLang="en-US" sz="1200" dirty="0"/>
+          </a:p>
+        </p:txBody>
+      </p:sp>
+      <p:sp>
+        <p:nvSpPr>
+          <p:cNvPr id="109" name="TextBox 108">
+            <a:extLst>
+              <a:ext uri="{FF2B5EF4-FFF2-40B4-BE49-F238E27FC236}">
+                <a16:creationId xmlns:a16="http://schemas.microsoft.com/office/drawing/2014/main" id="{2E4CD1AC-64B0-5A82-0070-3BC444D08519}"/>
+              </a:ext>
+            </a:extLst>
+          </p:cNvPr>
+          <p:cNvSpPr txBox="1"/>
+          <p:nvPr/>
+        </p:nvSpPr>
+        <p:spPr>
+          <a:xfrm>
+            <a:off x="7383420" y="4850082"/>
+            <a:ext cx="751487" cy="276999"/>
+          </a:xfrm>
+          <a:prstGeom prst="rect">
+            <a:avLst/>
+          </a:prstGeom>
+        </p:spPr>
+        <p:style>
+          <a:lnRef idx="2">
+            <a:schemeClr val="accent2"/>
+          </a:lnRef>
+          <a:fillRef idx="1">
+            <a:schemeClr val="lt1"/>
+          </a:fillRef>
+          <a:effectRef idx="0">
+            <a:schemeClr val="accent2"/>
+          </a:effectRef>
+          <a:fontRef idx="minor">
+            <a:schemeClr val="dk1"/>
+          </a:fontRef>
+        </p:style>
+        <p:txBody>
+          <a:bodyPr wrap="square" rtlCol="0">
+            <a:spAutoFit/>
+          </a:bodyPr>
+          <a:lstStyle/>
+          <a:p>
+            <a:pPr algn="ctr"/>
+            <a:r>
+              <a:rPr kumimoji="1" lang="ko-KR" altLang="en-US" sz="1200" dirty="0"/>
+              <a:t>응답</a:t>
+            </a:r>
+            <a:endParaRPr kumimoji="1" lang="ko-Kore-KR" altLang="en-US" sz="1200" dirty="0"/>
+          </a:p>
+        </p:txBody>
+      </p:sp>
+      <p:sp>
+        <p:nvSpPr>
+          <p:cNvPr id="110" name="TextBox 109">
+            <a:extLst>
+              <a:ext uri="{FF2B5EF4-FFF2-40B4-BE49-F238E27FC236}">
+                <a16:creationId xmlns:a16="http://schemas.microsoft.com/office/drawing/2014/main" id="{834083F3-F545-528A-8BF0-75A1E48433AA}"/>
+              </a:ext>
+            </a:extLst>
+          </p:cNvPr>
+          <p:cNvSpPr txBox="1"/>
+          <p:nvPr/>
+        </p:nvSpPr>
+        <p:spPr>
+          <a:xfrm>
+            <a:off x="7385240" y="4300256"/>
+            <a:ext cx="751487" cy="276999"/>
+          </a:xfrm>
+          <a:prstGeom prst="rect">
+            <a:avLst/>
+          </a:prstGeom>
+        </p:spPr>
+        <p:style>
+          <a:lnRef idx="2">
+            <a:schemeClr val="accent6"/>
+          </a:lnRef>
+          <a:fillRef idx="1">
+            <a:schemeClr val="lt1"/>
+          </a:fillRef>
+          <a:effectRef idx="0">
+            <a:schemeClr val="accent6"/>
+          </a:effectRef>
+          <a:fontRef idx="minor">
+            <a:schemeClr val="dk1"/>
+          </a:fontRef>
+        </p:style>
+        <p:txBody>
+          <a:bodyPr wrap="square" rtlCol="0">
+            <a:spAutoFit/>
+          </a:bodyPr>
+          <a:lstStyle/>
+          <a:p>
+            <a:pPr algn="ctr"/>
+            <a:r>
+              <a:rPr kumimoji="1" lang="ko-KR" altLang="en-US" sz="1200" dirty="0"/>
+              <a:t>요청</a:t>
+            </a:r>
+            <a:endParaRPr kumimoji="1" lang="ko-Kore-KR" altLang="en-US" sz="1200" dirty="0"/>
+          </a:p>
+        </p:txBody>
+      </p:sp>
+      <p:sp>
+        <p:nvSpPr>
+          <p:cNvPr id="111" name="TextBox 110">
+            <a:extLst>
+              <a:ext uri="{FF2B5EF4-FFF2-40B4-BE49-F238E27FC236}">
+                <a16:creationId xmlns:a16="http://schemas.microsoft.com/office/drawing/2014/main" id="{BE15E8B0-D209-0950-190E-0AF0BC07E716}"/>
+              </a:ext>
+            </a:extLst>
+          </p:cNvPr>
+          <p:cNvSpPr txBox="1"/>
+          <p:nvPr/>
+        </p:nvSpPr>
+        <p:spPr>
+          <a:xfrm>
+            <a:off x="7382511" y="5422896"/>
+            <a:ext cx="751487" cy="276999"/>
+          </a:xfrm>
+          <a:prstGeom prst="rect">
+            <a:avLst/>
+          </a:prstGeom>
+        </p:spPr>
+        <p:style>
+          <a:lnRef idx="2">
+            <a:schemeClr val="accent6"/>
+          </a:lnRef>
+          <a:fillRef idx="1">
+            <a:schemeClr val="lt1"/>
+          </a:fillRef>
+          <a:effectRef idx="0">
+            <a:schemeClr val="accent6"/>
+          </a:effectRef>
+          <a:fontRef idx="minor">
+            <a:schemeClr val="dk1"/>
+          </a:fontRef>
+        </p:style>
+        <p:txBody>
+          <a:bodyPr wrap="square" rtlCol="0">
+            <a:spAutoFit/>
+          </a:bodyPr>
+          <a:lstStyle/>
+          <a:p>
+            <a:pPr algn="ctr"/>
+            <a:r>
+              <a:rPr kumimoji="1" lang="ko-Kore-KR" altLang="en-US" sz="1200" dirty="0"/>
+              <a:t>끊기</a:t>
+            </a:r>
+          </a:p>
+        </p:txBody>
+      </p:sp>
+      <p:cxnSp>
+        <p:nvCxnSpPr>
+          <p:cNvPr id="112" name="직선 연결선[R] 111">
+            <a:extLst>
+              <a:ext uri="{FF2B5EF4-FFF2-40B4-BE49-F238E27FC236}">
+                <a16:creationId xmlns:a16="http://schemas.microsoft.com/office/drawing/2014/main" id="{86E32A2C-27C5-B1AA-7F9F-F60283F52A2D}"/>
+              </a:ext>
+            </a:extLst>
+          </p:cNvPr>
+          <p:cNvCxnSpPr>
+            <a:cxnSpLocks/>
+          </p:cNvCxnSpPr>
+          <p:nvPr/>
+        </p:nvCxnSpPr>
+        <p:spPr>
+          <a:xfrm>
+            <a:off x="6519848" y="3492887"/>
+            <a:ext cx="2526831" cy="1261"/>
+          </a:xfrm>
+          <a:prstGeom prst="line">
+            <a:avLst/>
+          </a:prstGeom>
+        </p:spPr>
+        <p:style>
+          <a:lnRef idx="3">
+            <a:schemeClr val="accent3"/>
+          </a:lnRef>
+          <a:fillRef idx="0">
+            <a:schemeClr val="accent3"/>
+          </a:fillRef>
+          <a:effectRef idx="2">
+            <a:schemeClr val="accent3"/>
+          </a:effectRef>
+          <a:fontRef idx="minor">
+            <a:schemeClr val="tx1"/>
+          </a:fontRef>
+        </p:style>
+      </p:cxnSp>
+      <p:cxnSp>
+        <p:nvCxnSpPr>
+          <p:cNvPr id="113" name="직선 연결선[R] 112">
+            <a:extLst>
+              <a:ext uri="{FF2B5EF4-FFF2-40B4-BE49-F238E27FC236}">
+                <a16:creationId xmlns:a16="http://schemas.microsoft.com/office/drawing/2014/main" id="{0870A6EE-E749-37EA-484A-A48C491A3BC7}"/>
+              </a:ext>
+            </a:extLst>
+          </p:cNvPr>
+          <p:cNvCxnSpPr>
+            <a:cxnSpLocks/>
+          </p:cNvCxnSpPr>
+          <p:nvPr/>
+        </p:nvCxnSpPr>
+        <p:spPr>
+          <a:xfrm>
+            <a:off x="6526820" y="5829921"/>
+            <a:ext cx="2526831" cy="1261"/>
+          </a:xfrm>
+          <a:prstGeom prst="line">
+            <a:avLst/>
+          </a:prstGeom>
+        </p:spPr>
+        <p:style>
+          <a:lnRef idx="3">
+            <a:schemeClr val="accent3"/>
+          </a:lnRef>
+          <a:fillRef idx="0">
+            <a:schemeClr val="accent3"/>
+          </a:fillRef>
+          <a:effectRef idx="2">
+            <a:schemeClr val="accent3"/>
+          </a:effectRef>
+          <a:fontRef idx="minor">
+            <a:schemeClr val="tx1"/>
+          </a:fontRef>
+        </p:style>
+      </p:cxnSp>
+      <p:sp>
+        <p:nvSpPr>
+          <p:cNvPr id="114" name="TextBox 113">
+            <a:extLst>
+              <a:ext uri="{FF2B5EF4-FFF2-40B4-BE49-F238E27FC236}">
+                <a16:creationId xmlns:a16="http://schemas.microsoft.com/office/drawing/2014/main" id="{6A1DE3A1-15A2-3F6C-8D4D-0AE9D1747742}"/>
+              </a:ext>
+            </a:extLst>
+          </p:cNvPr>
+          <p:cNvSpPr txBox="1"/>
+          <p:nvPr/>
+        </p:nvSpPr>
+        <p:spPr>
+          <a:xfrm>
+            <a:off x="7408431" y="5968419"/>
+            <a:ext cx="751487" cy="738664"/>
+          </a:xfrm>
+          <a:prstGeom prst="rect">
+            <a:avLst/>
+          </a:prstGeom>
+        </p:spPr>
+        <p:style>
+          <a:lnRef idx="2">
+            <a:schemeClr val="accent5"/>
+          </a:lnRef>
+          <a:fillRef idx="1">
+            <a:schemeClr val="lt1"/>
+          </a:fillRef>
+          <a:effectRef idx="0">
+            <a:schemeClr val="accent5"/>
+          </a:effectRef>
+          <a:fontRef idx="minor">
+            <a:schemeClr val="dk1"/>
+          </a:fontRef>
+        </p:style>
+        <p:txBody>
+          <a:bodyPr wrap="square" rtlCol="0">
+            <a:spAutoFit/>
+          </a:bodyPr>
+          <a:lstStyle/>
+          <a:p>
+            <a:pPr algn="ctr"/>
+            <a:r>
+              <a:rPr kumimoji="1" lang="en-US" altLang="ko-KR" sz="1400" dirty="0"/>
+              <a:t>.</a:t>
+            </a:r>
+          </a:p>
+          <a:p>
+            <a:pPr algn="ctr"/>
+            <a:r>
+              <a:rPr kumimoji="1" lang="en-US" altLang="ko-KR" sz="1400" dirty="0"/>
+              <a:t>.</a:t>
+            </a:r>
+          </a:p>
+          <a:p>
+            <a:pPr algn="ctr"/>
+            <a:r>
+              <a:rPr kumimoji="1" lang="en-US" altLang="ko-KR" sz="1400" dirty="0"/>
+              <a:t>.</a:t>
+            </a:r>
+            <a:endParaRPr kumimoji="1" lang="ko-Kore-KR" altLang="en-US" sz="1400" dirty="0"/>
+          </a:p>
+        </p:txBody>
+      </p:sp>
+      <p:cxnSp>
+        <p:nvCxnSpPr>
+          <p:cNvPr id="115" name="직선 연결선[R] 114">
+            <a:extLst>
+              <a:ext uri="{FF2B5EF4-FFF2-40B4-BE49-F238E27FC236}">
+                <a16:creationId xmlns:a16="http://schemas.microsoft.com/office/drawing/2014/main" id="{500918ED-B9C4-CBE2-16F1-3774C83F7EF4}"/>
+              </a:ext>
+            </a:extLst>
+          </p:cNvPr>
+          <p:cNvCxnSpPr>
+            <a:cxnSpLocks/>
+          </p:cNvCxnSpPr>
+          <p:nvPr/>
+        </p:nvCxnSpPr>
+        <p:spPr>
+          <a:xfrm>
+            <a:off x="1089082" y="6464546"/>
+            <a:ext cx="2526831" cy="1261"/>
+          </a:xfrm>
+          <a:prstGeom prst="line">
+            <a:avLst/>
+          </a:prstGeom>
+        </p:spPr>
+        <p:style>
+          <a:lnRef idx="3">
+            <a:schemeClr val="accent3"/>
+          </a:lnRef>
+          <a:fillRef idx="0">
+            <a:schemeClr val="accent3"/>
+          </a:fillRef>
+          <a:effectRef idx="2">
+            <a:schemeClr val="accent3"/>
+          </a:effectRef>
+          <a:fontRef idx="minor">
+            <a:schemeClr val="tx1"/>
+          </a:fontRef>
+        </p:style>
+      </p:cxnSp>
+      <p:sp>
+        <p:nvSpPr>
+          <p:cNvPr id="116" name="TextBox 115">
+            <a:extLst>
+              <a:ext uri="{FF2B5EF4-FFF2-40B4-BE49-F238E27FC236}">
+                <a16:creationId xmlns:a16="http://schemas.microsoft.com/office/drawing/2014/main" id="{3D9E7A56-EA0C-9E42-9850-84B2AB94C523}"/>
+              </a:ext>
+            </a:extLst>
+          </p:cNvPr>
+          <p:cNvSpPr txBox="1"/>
+          <p:nvPr/>
+        </p:nvSpPr>
+        <p:spPr>
+          <a:xfrm>
+            <a:off x="3660790" y="184429"/>
+            <a:ext cx="2438897" cy="369332"/>
+          </a:xfrm>
+          <a:prstGeom prst="rect">
+            <a:avLst/>
+          </a:prstGeom>
+          <a:ln>
+            <a:solidFill>
+              <a:srgbClr val="FF00A8"/>
+            </a:solidFill>
+          </a:ln>
+        </p:spPr>
+        <p:style>
+          <a:lnRef idx="2">
+            <a:schemeClr val="accent3"/>
+          </a:lnRef>
+          <a:fillRef idx="1">
+            <a:schemeClr val="lt1"/>
+          </a:fillRef>
+          <a:effectRef idx="0">
+            <a:schemeClr val="accent3"/>
+          </a:effectRef>
+          <a:fontRef idx="minor">
+            <a:schemeClr val="dk1"/>
+          </a:fontRef>
+        </p:style>
+        <p:txBody>
+          <a:bodyPr wrap="square" rtlCol="0">
+            <a:spAutoFit/>
+          </a:bodyPr>
+          <a:lstStyle/>
+          <a:p>
+            <a:pPr algn="ctr"/>
+            <a:r>
+              <a:rPr kumimoji="1" lang="en-US" altLang="ko-Kore-KR" dirty="0"/>
+              <a:t>Connection-Oriented</a:t>
+            </a:r>
+            <a:endParaRPr kumimoji="1" lang="ko-Kore-KR" altLang="en-US" dirty="0"/>
+          </a:p>
+        </p:txBody>
+      </p:sp>
+      <p:cxnSp>
+        <p:nvCxnSpPr>
+          <p:cNvPr id="117" name="직선 화살표 연결선 116">
+            <a:extLst>
+              <a:ext uri="{FF2B5EF4-FFF2-40B4-BE49-F238E27FC236}">
+                <a16:creationId xmlns:a16="http://schemas.microsoft.com/office/drawing/2014/main" id="{D76107E4-7764-F449-C18E-A9BC3040AA1D}"/>
+              </a:ext>
+            </a:extLst>
+          </p:cNvPr>
+          <p:cNvCxnSpPr>
+            <a:cxnSpLocks/>
+            <a:stCxn id="116" idx="1"/>
+            <a:endCxn id="71" idx="3"/>
+          </p:cNvCxnSpPr>
+          <p:nvPr/>
+        </p:nvCxnSpPr>
+        <p:spPr>
+          <a:xfrm flipH="1">
+            <a:off x="3270335" y="369095"/>
+            <a:ext cx="390455" cy="0"/>
+          </a:xfrm>
+          <a:prstGeom prst="straightConnector1">
+            <a:avLst/>
+          </a:prstGeom>
+          <a:ln>
+            <a:solidFill>
+              <a:srgbClr val="FF00A8"/>
+            </a:solidFill>
+            <a:tailEnd type="triangle"/>
+          </a:ln>
+        </p:spPr>
+        <p:style>
+          <a:lnRef idx="3">
+            <a:schemeClr val="accent1"/>
+          </a:lnRef>
+          <a:fillRef idx="0">
+            <a:schemeClr val="accent1"/>
+          </a:fillRef>
+          <a:effectRef idx="2">
+            <a:schemeClr val="accent1"/>
+          </a:effectRef>
+          <a:fontRef idx="minor">
+            <a:schemeClr val="tx1"/>
+          </a:fontRef>
+        </p:style>
+      </p:cxnSp>
+      <p:cxnSp>
+        <p:nvCxnSpPr>
+          <p:cNvPr id="118" name="직선 화살표 연결선 117">
+            <a:extLst>
+              <a:ext uri="{FF2B5EF4-FFF2-40B4-BE49-F238E27FC236}">
+                <a16:creationId xmlns:a16="http://schemas.microsoft.com/office/drawing/2014/main" id="{0ACC2399-C680-E793-9264-2EE421DBF5CA}"/>
+              </a:ext>
+            </a:extLst>
+          </p:cNvPr>
+          <p:cNvCxnSpPr>
+            <a:cxnSpLocks/>
+            <a:stCxn id="116" idx="3"/>
+            <a:endCxn id="90" idx="1"/>
+          </p:cNvCxnSpPr>
+          <p:nvPr/>
+        </p:nvCxnSpPr>
+        <p:spPr>
+          <a:xfrm>
+            <a:off x="6099687" y="369095"/>
+            <a:ext cx="395609" cy="0"/>
+          </a:xfrm>
+          <a:prstGeom prst="straightConnector1">
+            <a:avLst/>
+          </a:prstGeom>
+          <a:ln>
+            <a:solidFill>
+              <a:srgbClr val="FF00A8"/>
+            </a:solidFill>
+            <a:tailEnd type="triangle"/>
+          </a:ln>
+        </p:spPr>
+        <p:style>
+          <a:lnRef idx="3">
+            <a:schemeClr val="accent1"/>
+          </a:lnRef>
+          <a:fillRef idx="0">
+            <a:schemeClr val="accent1"/>
+          </a:fillRef>
+          <a:effectRef idx="2">
+            <a:schemeClr val="accent1"/>
+          </a:effectRef>
+          <a:fontRef idx="minor">
+            <a:schemeClr val="tx1"/>
+          </a:fontRef>
+        </p:style>
+      </p:cxnSp>
+      <p:sp>
+        <p:nvSpPr>
+          <p:cNvPr id="119" name="타원 118">
+            <a:extLst>
+              <a:ext uri="{FF2B5EF4-FFF2-40B4-BE49-F238E27FC236}">
+                <a16:creationId xmlns:a16="http://schemas.microsoft.com/office/drawing/2014/main" id="{FF1E68E1-8919-80C5-F853-3DEF7E89655A}"/>
+              </a:ext>
+            </a:extLst>
+          </p:cNvPr>
+          <p:cNvSpPr/>
+          <p:nvPr/>
+        </p:nvSpPr>
+        <p:spPr>
+          <a:xfrm>
+            <a:off x="6361385" y="1259826"/>
+            <a:ext cx="2877204" cy="2211063"/>
+          </a:xfrm>
+          <a:prstGeom prst="ellipse">
+            <a:avLst/>
+          </a:prstGeom>
+          <a:noFill/>
+          <a:ln>
+            <a:solidFill>
+              <a:srgbClr val="FF00A8"/>
+            </a:solidFill>
+          </a:ln>
+        </p:spPr>
+        <p:style>
+          <a:lnRef idx="2">
+            <a:schemeClr val="accent1">
+              <a:shade val="50000"/>
+            </a:schemeClr>
+          </a:lnRef>
+          <a:fillRef idx="1">
+            <a:schemeClr val="accent1"/>
+          </a:fillRef>
+          <a:effectRef idx="0">
+            <a:schemeClr val="accent1"/>
+          </a:effectRef>
+          <a:fontRef idx="minor">
+            <a:schemeClr val="lt1"/>
+          </a:fontRef>
+        </p:style>
+        <p:txBody>
+          <a:bodyPr rtlCol="0" anchor="ctr"/>
+          <a:lstStyle/>
+          <a:p>
+            <a:pPr algn="ctr"/>
+            <a:endParaRPr kumimoji="1" lang="ko-Kore-KR" altLang="en-US"/>
+          </a:p>
+        </p:txBody>
+      </p:sp>
+      <p:sp>
+        <p:nvSpPr>
+          <p:cNvPr id="120" name="타원 119">
+            <a:extLst>
+              <a:ext uri="{FF2B5EF4-FFF2-40B4-BE49-F238E27FC236}">
+                <a16:creationId xmlns:a16="http://schemas.microsoft.com/office/drawing/2014/main" id="{AC4F704F-FDC0-AB48-E6BC-FC8D64BD7ABC}"/>
+              </a:ext>
+            </a:extLst>
+          </p:cNvPr>
+          <p:cNvSpPr/>
+          <p:nvPr/>
+        </p:nvSpPr>
+        <p:spPr>
+          <a:xfrm>
+            <a:off x="6361385" y="3654803"/>
+            <a:ext cx="2877204" cy="2211063"/>
+          </a:xfrm>
+          <a:prstGeom prst="ellipse">
+            <a:avLst/>
+          </a:prstGeom>
+          <a:noFill/>
+          <a:ln>
+            <a:solidFill>
+              <a:srgbClr val="FF00A8"/>
+            </a:solidFill>
+          </a:ln>
+        </p:spPr>
+        <p:style>
+          <a:lnRef idx="2">
+            <a:schemeClr val="accent1">
+              <a:shade val="50000"/>
+            </a:schemeClr>
+          </a:lnRef>
+          <a:fillRef idx="1">
+            <a:schemeClr val="accent1"/>
+          </a:fillRef>
+          <a:effectRef idx="0">
+            <a:schemeClr val="accent1"/>
+          </a:effectRef>
+          <a:fontRef idx="minor">
+            <a:schemeClr val="lt1"/>
+          </a:fontRef>
+        </p:style>
+        <p:txBody>
+          <a:bodyPr rtlCol="0" anchor="ctr"/>
+          <a:lstStyle/>
+          <a:p>
+            <a:pPr algn="ctr"/>
+            <a:endParaRPr kumimoji="1" lang="ko-Kore-KR" altLang="en-US"/>
+          </a:p>
+        </p:txBody>
+      </p:sp>
     </p:spTree>
     <p:extLst>
       <p:ext uri="{BB962C8B-B14F-4D97-AF65-F5344CB8AC3E}">
@@ -9434,7 +12152,7 @@
 </p:sld>
 </file>
 
-<file path=ppt/slides/slide16.xml><?xml version="1.0" encoding="utf-8"?>
+<file path=ppt/slides/slide17.xml><?xml version="1.0" encoding="utf-8"?>
 <p:sld xmlns:a="http://schemas.openxmlformats.org/drawingml/2006/main" xmlns:r="http://schemas.openxmlformats.org/officeDocument/2006/relationships" xmlns:p="http://schemas.openxmlformats.org/presentationml/2006/main">
   <p:cSld>
     <p:spTree>
@@ -9464,7 +12182,7 @@
 </p:sld>
 </file>
 
-<file path=ppt/slides/slide17.xml><?xml version="1.0" encoding="utf-8"?>
+<file path=ppt/slides/slide18.xml><?xml version="1.0" encoding="utf-8"?>
 <p:sld xmlns:a="http://schemas.openxmlformats.org/drawingml/2006/main" xmlns:r="http://schemas.openxmlformats.org/officeDocument/2006/relationships" xmlns:p="http://schemas.openxmlformats.org/presentationml/2006/main">
   <p:cSld>
     <p:spTree>
@@ -9494,7 +12212,7 @@
 </p:sld>
 </file>
 
-<file path=ppt/slides/slide18.xml><?xml version="1.0" encoding="utf-8"?>
+<file path=ppt/slides/slide19.xml><?xml version="1.0" encoding="utf-8"?>
 <p:sld xmlns:a="http://schemas.openxmlformats.org/drawingml/2006/main" xmlns:r="http://schemas.openxmlformats.org/officeDocument/2006/relationships" xmlns:p="http://schemas.openxmlformats.org/presentationml/2006/main">
   <p:cSld>
     <p:spTree>
@@ -9515,36 +12233,6 @@
     <p:extLst>
       <p:ext uri="{BB962C8B-B14F-4D97-AF65-F5344CB8AC3E}">
         <p14:creationId xmlns:p14="http://schemas.microsoft.com/office/powerpoint/2010/main" val="3223615620"/>
-      </p:ext>
-    </p:extLst>
-  </p:cSld>
-  <p:clrMapOvr>
-    <a:masterClrMapping/>
-  </p:clrMapOvr>
-</p:sld>
-</file>
-
-<file path=ppt/slides/slide19.xml><?xml version="1.0" encoding="utf-8"?>
-<p:sld xmlns:a="http://schemas.openxmlformats.org/drawingml/2006/main" xmlns:r="http://schemas.openxmlformats.org/officeDocument/2006/relationships" xmlns:p="http://schemas.openxmlformats.org/presentationml/2006/main">
-  <p:cSld>
-    <p:spTree>
-      <p:nvGrpSpPr>
-        <p:cNvPr id="1" name=""/>
-        <p:cNvGrpSpPr/>
-        <p:nvPr/>
-      </p:nvGrpSpPr>
-      <p:grpSpPr>
-        <a:xfrm>
-          <a:off x="0" y="0"/>
-          <a:ext cx="0" cy="0"/>
-          <a:chOff x="0" y="0"/>
-          <a:chExt cx="0" cy="0"/>
-        </a:xfrm>
-      </p:grpSpPr>
-    </p:spTree>
-    <p:extLst>
-      <p:ext uri="{BB962C8B-B14F-4D97-AF65-F5344CB8AC3E}">
-        <p14:creationId xmlns:p14="http://schemas.microsoft.com/office/powerpoint/2010/main" val="1483154344"/>
       </p:ext>
     </p:extLst>
   </p:cSld>
@@ -11956,6 +14644,36 @@
     </p:spTree>
     <p:extLst>
       <p:ext uri="{BB962C8B-B14F-4D97-AF65-F5344CB8AC3E}">
+        <p14:creationId xmlns:p14="http://schemas.microsoft.com/office/powerpoint/2010/main" val="1483154344"/>
+      </p:ext>
+    </p:extLst>
+  </p:cSld>
+  <p:clrMapOvr>
+    <a:masterClrMapping/>
+  </p:clrMapOvr>
+</p:sld>
+</file>
+
+<file path=ppt/slides/slide21.xml><?xml version="1.0" encoding="utf-8"?>
+<p:sld xmlns:a="http://schemas.openxmlformats.org/drawingml/2006/main" xmlns:r="http://schemas.openxmlformats.org/officeDocument/2006/relationships" xmlns:p="http://schemas.openxmlformats.org/presentationml/2006/main">
+  <p:cSld>
+    <p:spTree>
+      <p:nvGrpSpPr>
+        <p:cNvPr id="1" name=""/>
+        <p:cNvGrpSpPr/>
+        <p:nvPr/>
+      </p:nvGrpSpPr>
+      <p:grpSpPr>
+        <a:xfrm>
+          <a:off x="0" y="0"/>
+          <a:ext cx="0" cy="0"/>
+          <a:chOff x="0" y="0"/>
+          <a:chExt cx="0" cy="0"/>
+        </a:xfrm>
+      </p:grpSpPr>
+    </p:spTree>
+    <p:extLst>
+      <p:ext uri="{BB962C8B-B14F-4D97-AF65-F5344CB8AC3E}">
         <p14:creationId xmlns:p14="http://schemas.microsoft.com/office/powerpoint/2010/main" val="133935321"/>
       </p:ext>
     </p:extLst>
@@ -11966,7 +14684,7 @@
 </p:sld>
 </file>
 
-<file path=ppt/slides/slide21.xml><?xml version="1.0" encoding="utf-8"?>
+<file path=ppt/slides/slide22.xml><?xml version="1.0" encoding="utf-8"?>
 <p:sld xmlns:a="http://schemas.openxmlformats.org/drawingml/2006/main" xmlns:r="http://schemas.openxmlformats.org/officeDocument/2006/relationships" xmlns:p="http://schemas.openxmlformats.org/presentationml/2006/main">
   <p:cSld>
     <p:spTree>

--- a/study-note/자바/2022-08-22 내용정리.pptx
+++ b/study-note/자바/2022-08-22 내용정리.pptx
@@ -5441,6 +5441,112 @@
           </a:fontRef>
         </p:style>
       </p:cxnSp>
+      <p:sp>
+        <p:nvSpPr>
+          <p:cNvPr id="48" name="곱하기 47">
+            <a:extLst>
+              <a:ext uri="{FF2B5EF4-FFF2-40B4-BE49-F238E27FC236}">
+                <a16:creationId xmlns:a16="http://schemas.microsoft.com/office/drawing/2014/main" id="{1330FD94-06F1-D9A8-326B-0A396B814A7D}"/>
+              </a:ext>
+            </a:extLst>
+          </p:cNvPr>
+          <p:cNvSpPr/>
+          <p:nvPr/>
+        </p:nvSpPr>
+        <p:spPr>
+          <a:xfrm>
+            <a:off x="5152160" y="3169710"/>
+            <a:ext cx="864000" cy="2408717"/>
+          </a:xfrm>
+          <a:prstGeom prst="mathMultiply">
+            <a:avLst/>
+          </a:prstGeom>
+          <a:solidFill>
+            <a:srgbClr val="FF00A8"/>
+          </a:solidFill>
+          <a:ln w="0">
+            <a:solidFill>
+              <a:srgbClr val="FF00A8"/>
+            </a:solidFill>
+          </a:ln>
+        </p:spPr>
+        <p:style>
+          <a:lnRef idx="2">
+            <a:schemeClr val="accent1">
+              <a:shade val="50000"/>
+            </a:schemeClr>
+          </a:lnRef>
+          <a:fillRef idx="1">
+            <a:schemeClr val="accent1"/>
+          </a:fillRef>
+          <a:effectRef idx="0">
+            <a:schemeClr val="accent1"/>
+          </a:effectRef>
+          <a:fontRef idx="minor">
+            <a:schemeClr val="lt1"/>
+          </a:fontRef>
+        </p:style>
+        <p:txBody>
+          <a:bodyPr rtlCol="0" anchor="ctr"/>
+          <a:lstStyle/>
+          <a:p>
+            <a:pPr algn="ctr"/>
+            <a:endParaRPr kumimoji="1" lang="ko-Kore-KR" altLang="en-US" dirty="0"/>
+          </a:p>
+        </p:txBody>
+      </p:sp>
+      <p:sp>
+        <p:nvSpPr>
+          <p:cNvPr id="49" name="타원 48">
+            <a:extLst>
+              <a:ext uri="{FF2B5EF4-FFF2-40B4-BE49-F238E27FC236}">
+                <a16:creationId xmlns:a16="http://schemas.microsoft.com/office/drawing/2014/main" id="{306CED1F-2A94-D008-7A6F-746CD888841A}"/>
+              </a:ext>
+            </a:extLst>
+          </p:cNvPr>
+          <p:cNvSpPr/>
+          <p:nvPr/>
+        </p:nvSpPr>
+        <p:spPr>
+          <a:xfrm>
+            <a:off x="5130137" y="2979788"/>
+            <a:ext cx="539380" cy="449212"/>
+          </a:xfrm>
+          <a:prstGeom prst="ellipse">
+            <a:avLst/>
+          </a:prstGeom>
+          <a:noFill/>
+          <a:ln w="82550">
+            <a:solidFill>
+              <a:srgbClr val="FF00A8"/>
+            </a:solidFill>
+          </a:ln>
+        </p:spPr>
+        <p:style>
+          <a:lnRef idx="2">
+            <a:schemeClr val="accent1">
+              <a:shade val="50000"/>
+            </a:schemeClr>
+          </a:lnRef>
+          <a:fillRef idx="1">
+            <a:schemeClr val="accent1"/>
+          </a:fillRef>
+          <a:effectRef idx="0">
+            <a:schemeClr val="accent1"/>
+          </a:effectRef>
+          <a:fontRef idx="minor">
+            <a:schemeClr val="lt1"/>
+          </a:fontRef>
+        </p:style>
+        <p:txBody>
+          <a:bodyPr rtlCol="0" anchor="ctr"/>
+          <a:lstStyle/>
+          <a:p>
+            <a:pPr algn="ctr"/>
+            <a:endParaRPr kumimoji="1" lang="ko-Kore-KR" altLang="en-US"/>
+          </a:p>
+        </p:txBody>
+      </p:sp>
     </p:spTree>
     <p:extLst>
       <p:ext uri="{BB962C8B-B14F-4D97-AF65-F5344CB8AC3E}">
@@ -6379,60 +6485,6 @@
           </a:fontRef>
         </p:style>
       </p:cxnSp>
-      <p:sp>
-        <p:nvSpPr>
-          <p:cNvPr id="41" name="곱하기 40">
-            <a:extLst>
-              <a:ext uri="{FF2B5EF4-FFF2-40B4-BE49-F238E27FC236}">
-                <a16:creationId xmlns:a16="http://schemas.microsoft.com/office/drawing/2014/main" id="{0FF2719B-9B71-FFD5-7EB3-DEB60BC71AB3}"/>
-              </a:ext>
-            </a:extLst>
-          </p:cNvPr>
-          <p:cNvSpPr/>
-          <p:nvPr/>
-        </p:nvSpPr>
-        <p:spPr>
-          <a:xfrm>
-            <a:off x="4740941" y="1734878"/>
-            <a:ext cx="928576" cy="5161223"/>
-          </a:xfrm>
-          <a:prstGeom prst="mathMultiply">
-            <a:avLst/>
-          </a:prstGeom>
-          <a:solidFill>
-            <a:srgbClr val="FF00A8"/>
-          </a:solidFill>
-          <a:ln>
-            <a:solidFill>
-              <a:srgbClr val="FF00A8"/>
-            </a:solidFill>
-          </a:ln>
-        </p:spPr>
-        <p:style>
-          <a:lnRef idx="2">
-            <a:schemeClr val="accent1">
-              <a:shade val="50000"/>
-            </a:schemeClr>
-          </a:lnRef>
-          <a:fillRef idx="1">
-            <a:schemeClr val="accent1"/>
-          </a:fillRef>
-          <a:effectRef idx="0">
-            <a:schemeClr val="accent1"/>
-          </a:effectRef>
-          <a:fontRef idx="minor">
-            <a:schemeClr val="lt1"/>
-          </a:fontRef>
-        </p:style>
-        <p:txBody>
-          <a:bodyPr rtlCol="0" anchor="ctr"/>
-          <a:lstStyle/>
-          <a:p>
-            <a:pPr algn="ctr"/>
-            <a:endParaRPr kumimoji="1" lang="ko-Kore-KR" altLang="en-US"/>
-          </a:p>
-        </p:txBody>
-      </p:sp>
     </p:spTree>
     <p:extLst>
       <p:ext uri="{BB962C8B-B14F-4D97-AF65-F5344CB8AC3E}">

--- a/study-note/자바/2022-08-22 내용정리.pptx
+++ b/study-note/자바/2022-08-22 내용정리.pptx
@@ -3724,8 +3724,8 @@
           <a:lstStyle/>
           <a:p>
             <a:r>
-              <a:rPr lang="en-US" altLang="ko-KR" dirty="0"/>
-              <a:t>2022-08-19 </a:t>
+              <a:rPr lang="en-US" altLang="ko-KR"/>
+              <a:t>2022-08-22 </a:t>
             </a:r>
             <a:r>
               <a:rPr lang="ko-KR" altLang="en-US" dirty="0"/>
